--- a/Wprowadzenie do funkcji/IV. Wprowadzenie do funkcji/Zadania-rozwiązania.pptx
+++ b/Wprowadzenie do funkcji/IV. Wprowadzenie do funkcji/Zadania-rozwiązania.pptx
@@ -6,18 +6,16 @@
   </p:sldMasterIdLst>
   <p:sldIdLst>
     <p:sldId id="256" r:id="rId2"/>
-    <p:sldId id="264" r:id="rId3"/>
-    <p:sldId id="272" r:id="rId4"/>
-    <p:sldId id="274" r:id="rId5"/>
-    <p:sldId id="273" r:id="rId6"/>
-    <p:sldId id="266" r:id="rId7"/>
-    <p:sldId id="275" r:id="rId8"/>
-    <p:sldId id="276" r:id="rId9"/>
-    <p:sldId id="277" r:id="rId10"/>
-    <p:sldId id="271" r:id="rId11"/>
-    <p:sldId id="278" r:id="rId12"/>
-    <p:sldId id="279" r:id="rId13"/>
-    <p:sldId id="280" r:id="rId14"/>
+    <p:sldId id="272" r:id="rId3"/>
+    <p:sldId id="274" r:id="rId4"/>
+    <p:sldId id="273" r:id="rId5"/>
+    <p:sldId id="275" r:id="rId6"/>
+    <p:sldId id="276" r:id="rId7"/>
+    <p:sldId id="277" r:id="rId8"/>
+    <p:sldId id="271" r:id="rId9"/>
+    <p:sldId id="278" r:id="rId10"/>
+    <p:sldId id="279" r:id="rId11"/>
+    <p:sldId id="280" r:id="rId12"/>
   </p:sldIdLst>
   <p:sldSz cx="12192000" cy="6858000"/>
   <p:notesSz cx="6858000" cy="9144000"/>
@@ -3483,6 +3481,2839 @@
           <a:p>
             <a:r>
               <a:rPr lang="pl-PL" dirty="0"/>
+              <a:t>Funkcja 2</a:t>
+            </a:r>
+          </a:p>
+        </p:txBody>
+      </p:sp>
+      <p:graphicFrame>
+        <p:nvGraphicFramePr>
+          <p:cNvPr id="5" name="Tabela 4"/>
+          <p:cNvGraphicFramePr>
+            <a:graphicFrameLocks noGrp="1"/>
+          </p:cNvGraphicFramePr>
+          <p:nvPr>
+            <p:extLst>
+              <p:ext uri="{D42A27DB-BD31-4B8C-83A1-F6EECF244321}">
+                <p14:modId xmlns:p14="http://schemas.microsoft.com/office/powerpoint/2010/main" val="262561006"/>
+              </p:ext>
+            </p:extLst>
+          </p:nvPr>
+        </p:nvGraphicFramePr>
+        <p:xfrm>
+          <a:off x="2032000" y="1012274"/>
+          <a:ext cx="8128000" cy="741680"/>
+        </p:xfrm>
+        <a:graphic>
+          <a:graphicData uri="http://schemas.openxmlformats.org/drawingml/2006/table">
+            <a:tbl>
+              <a:tblPr firstRow="1" bandRow="1">
+                <a:tableStyleId>{5C22544A-7EE6-4342-B048-85BDC9FD1C3A}</a:tableStyleId>
+              </a:tblPr>
+              <a:tblGrid>
+                <a:gridCol w="2032000">
+                  <a:extLst>
+                    <a:ext uri="{9D8B030D-6E8A-4147-A177-3AD203B41FA5}">
+                      <a16:colId xmlns:a16="http://schemas.microsoft.com/office/drawing/2014/main" val="20000"/>
+                    </a:ext>
+                  </a:extLst>
+                </a:gridCol>
+                <a:gridCol w="2032000">
+                  <a:extLst>
+                    <a:ext uri="{9D8B030D-6E8A-4147-A177-3AD203B41FA5}">
+                      <a16:colId xmlns:a16="http://schemas.microsoft.com/office/drawing/2014/main" val="20001"/>
+                    </a:ext>
+                  </a:extLst>
+                </a:gridCol>
+                <a:gridCol w="2032000">
+                  <a:extLst>
+                    <a:ext uri="{9D8B030D-6E8A-4147-A177-3AD203B41FA5}">
+                      <a16:colId xmlns:a16="http://schemas.microsoft.com/office/drawing/2014/main" val="20002"/>
+                    </a:ext>
+                  </a:extLst>
+                </a:gridCol>
+                <a:gridCol w="2032000">
+                  <a:extLst>
+                    <a:ext uri="{9D8B030D-6E8A-4147-A177-3AD203B41FA5}">
+                      <a16:colId xmlns:a16="http://schemas.microsoft.com/office/drawing/2014/main" val="20003"/>
+                    </a:ext>
+                  </a:extLst>
+                </a:gridCol>
+              </a:tblGrid>
+              <a:tr h="370840">
+                <a:tc>
+                  <a:txBody>
+                    <a:bodyPr/>
+                    <a:lstStyle/>
+                    <a:p>
+                      <a:r>
+                        <a:rPr lang="pl-PL" dirty="0"/>
+                        <a:t>Argument</a:t>
+                      </a:r>
+                    </a:p>
+                  </a:txBody>
+                  <a:tcPr/>
+                </a:tc>
+                <a:tc>
+                  <a:txBody>
+                    <a:bodyPr/>
+                    <a:lstStyle/>
+                    <a:p>
+                      <a:pPr algn="ctr"/>
+                      <a:r>
+                        <a:rPr lang="pl-PL" dirty="0"/>
+                        <a:t>2; 10</a:t>
+                      </a:r>
+                    </a:p>
+                  </a:txBody>
+                  <a:tcPr/>
+                </a:tc>
+                <a:tc>
+                  <a:txBody>
+                    <a:bodyPr/>
+                    <a:lstStyle/>
+                    <a:p>
+                      <a:pPr algn="ctr"/>
+                      <a:r>
+                        <a:rPr lang="pl-PL" dirty="0"/>
+                        <a:t>3; 3</a:t>
+                      </a:r>
+                    </a:p>
+                  </a:txBody>
+                  <a:tcPr/>
+                </a:tc>
+                <a:tc>
+                  <a:txBody>
+                    <a:bodyPr/>
+                    <a:lstStyle/>
+                    <a:p>
+                      <a:pPr algn="ctr"/>
+                      <a:r>
+                        <a:rPr lang="pl-PL" dirty="0"/>
+                        <a:t>1; 5</a:t>
+                      </a:r>
+                    </a:p>
+                  </a:txBody>
+                  <a:tcPr/>
+                </a:tc>
+                <a:extLst>
+                  <a:ext uri="{0D108BD9-81ED-4DB2-BD59-A6C34878D82A}">
+                    <a16:rowId xmlns:a16="http://schemas.microsoft.com/office/drawing/2014/main" val="10000"/>
+                  </a:ext>
+                </a:extLst>
+              </a:tr>
+              <a:tr h="370840">
+                <a:tc>
+                  <a:txBody>
+                    <a:bodyPr/>
+                    <a:lstStyle/>
+                    <a:p>
+                      <a:r>
+                        <a:rPr lang="pl-PL" dirty="0"/>
+                        <a:t>Wynik</a:t>
+                      </a:r>
+                    </a:p>
+                  </a:txBody>
+                  <a:tcPr/>
+                </a:tc>
+                <a:tc>
+                  <a:txBody>
+                    <a:bodyPr/>
+                    <a:lstStyle/>
+                    <a:p>
+                      <a:pPr algn="ctr"/>
+                      <a:r>
+                        <a:rPr lang="pl-PL" dirty="0"/>
+                        <a:t>1024</a:t>
+                      </a:r>
+                    </a:p>
+                  </a:txBody>
+                  <a:tcPr/>
+                </a:tc>
+                <a:tc>
+                  <a:txBody>
+                    <a:bodyPr/>
+                    <a:lstStyle/>
+                    <a:p>
+                      <a:pPr algn="ctr"/>
+                      <a:r>
+                        <a:rPr lang="pl-PL" dirty="0"/>
+                        <a:t>27</a:t>
+                      </a:r>
+                    </a:p>
+                  </a:txBody>
+                  <a:tcPr/>
+                </a:tc>
+                <a:tc>
+                  <a:txBody>
+                    <a:bodyPr/>
+                    <a:lstStyle/>
+                    <a:p>
+                      <a:pPr algn="ctr"/>
+                      <a:r>
+                        <a:rPr lang="pl-PL" dirty="0"/>
+                        <a:t>1</a:t>
+                      </a:r>
+                    </a:p>
+                  </a:txBody>
+                  <a:tcPr/>
+                </a:tc>
+                <a:extLst>
+                  <a:ext uri="{0D108BD9-81ED-4DB2-BD59-A6C34878D82A}">
+                    <a16:rowId xmlns:a16="http://schemas.microsoft.com/office/drawing/2014/main" val="10001"/>
+                  </a:ext>
+                </a:extLst>
+              </a:tr>
+            </a:tbl>
+          </a:graphicData>
+        </a:graphic>
+      </p:graphicFrame>
+      <p:sp>
+        <p:nvSpPr>
+          <p:cNvPr id="3" name="pole tekstowe 2">
+            <a:extLst>
+              <a:ext uri="{FF2B5EF4-FFF2-40B4-BE49-F238E27FC236}">
+                <a16:creationId xmlns:a16="http://schemas.microsoft.com/office/drawing/2014/main" id="{B9300B6F-B5E9-F54E-AFDC-88E93D97A241}"/>
+              </a:ext>
+            </a:extLst>
+          </p:cNvPr>
+          <p:cNvSpPr txBox="1"/>
+          <p:nvPr/>
+        </p:nvSpPr>
+        <p:spPr>
+          <a:xfrm>
+            <a:off x="212426" y="133815"/>
+            <a:ext cx="1020023" cy="369332"/>
+          </a:xfrm>
+          <a:prstGeom prst="rect">
+            <a:avLst/>
+          </a:prstGeom>
+          <a:noFill/>
+        </p:spPr>
+        <p:txBody>
+          <a:bodyPr wrap="none" rtlCol="0">
+            <a:spAutoFit/>
+          </a:bodyPr>
+          <a:lstStyle/>
+          <a:p>
+            <a:r>
+              <a:rPr lang="pl-PL" b="1" dirty="0"/>
+              <a:t>Wersja C</a:t>
+            </a:r>
+          </a:p>
+        </p:txBody>
+      </p:sp>
+      <p:sp>
+        <p:nvSpPr>
+          <p:cNvPr id="6" name="pole tekstowe 5">
+            <a:extLst>
+              <a:ext uri="{FF2B5EF4-FFF2-40B4-BE49-F238E27FC236}">
+                <a16:creationId xmlns:a16="http://schemas.microsoft.com/office/drawing/2014/main" id="{CA473999-28DF-844A-B941-4525EDE46562}"/>
+              </a:ext>
+            </a:extLst>
+          </p:cNvPr>
+          <p:cNvSpPr txBox="1"/>
+          <p:nvPr/>
+        </p:nvSpPr>
+        <p:spPr>
+          <a:xfrm>
+            <a:off x="780288" y="2219092"/>
+            <a:ext cx="9379712" cy="1969770"/>
+          </a:xfrm>
+          <a:prstGeom prst="rect">
+            <a:avLst/>
+          </a:prstGeom>
+          <a:noFill/>
+        </p:spPr>
+        <p:txBody>
+          <a:bodyPr wrap="square" rtlCol="0">
+            <a:spAutoFit/>
+          </a:bodyPr>
+          <a:lstStyle/>
+          <a:p>
+            <a:r>
+              <a:rPr lang="pl-PL" sz="2400" b="1" dirty="0"/>
+              <a:t>Specyfikacja</a:t>
+            </a:r>
+          </a:p>
+          <a:p>
+            <a:endParaRPr lang="pl-PL" dirty="0"/>
+          </a:p>
+          <a:p>
+            <a:r>
+              <a:rPr lang="pl-PL" sz="2000" b="1" dirty="0"/>
+              <a:t>Dane</a:t>
+            </a:r>
+            <a:r>
+              <a:rPr lang="pl-PL" sz="2000" dirty="0"/>
+              <a:t>:</a:t>
+            </a:r>
+          </a:p>
+          <a:p>
+            <a:pPr marL="742950" lvl="1" indent="-285750">
+              <a:buFont typeface="Arial" panose="020B0604020202020204" pitchFamily="34" charset="0"/>
+              <a:buChar char="•"/>
+            </a:pPr>
+            <a:r>
+              <a:rPr lang="pl-PL" sz="2000" dirty="0"/>
+              <a:t>a, b - Dwie liczby całkowite</a:t>
+            </a:r>
+          </a:p>
+          <a:p>
+            <a:r>
+              <a:rPr lang="pl-PL" sz="2000" b="1" dirty="0"/>
+              <a:t>Wynik</a:t>
+            </a:r>
+            <a:r>
+              <a:rPr lang="pl-PL" sz="2000" dirty="0"/>
+              <a:t>:</a:t>
+            </a:r>
+          </a:p>
+          <a:p>
+            <a:pPr marL="742950" lvl="1" indent="-285750">
+              <a:buFont typeface="Arial" panose="020B0604020202020204" pitchFamily="34" charset="0"/>
+              <a:buChar char="•"/>
+            </a:pPr>
+            <a:r>
+              <a:rPr lang="pl-PL" sz="2000" dirty="0"/>
+              <a:t>Wynik potęgowania: a</a:t>
+            </a:r>
+            <a:r>
+              <a:rPr lang="pl-PL" sz="2000" baseline="30000" dirty="0"/>
+              <a:t>b</a:t>
+            </a:r>
+            <a:r>
+              <a:rPr lang="pl-PL" sz="2000" dirty="0"/>
+              <a:t> </a:t>
+            </a:r>
+          </a:p>
+        </p:txBody>
+      </p:sp>
+    </p:spTree>
+    <p:extLst>
+      <p:ext uri="{BB962C8B-B14F-4D97-AF65-F5344CB8AC3E}">
+        <p14:creationId xmlns:p14="http://schemas.microsoft.com/office/powerpoint/2010/main" val="3608074227"/>
+      </p:ext>
+    </p:extLst>
+  </p:cSld>
+  <p:clrMapOvr>
+    <a:masterClrMapping/>
+  </p:clrMapOvr>
+</p:sld>
+</file>
+
+<file path=ppt/slides/slide11.xml><?xml version="1.0" encoding="utf-8"?>
+<p:sld xmlns:a="http://schemas.openxmlformats.org/drawingml/2006/main" xmlns:r="http://schemas.openxmlformats.org/officeDocument/2006/relationships" xmlns:p="http://schemas.openxmlformats.org/presentationml/2006/main">
+  <p:cSld>
+    <p:spTree>
+      <p:nvGrpSpPr>
+        <p:cNvPr id="1" name=""/>
+        <p:cNvGrpSpPr/>
+        <p:nvPr/>
+      </p:nvGrpSpPr>
+      <p:grpSpPr>
+        <a:xfrm>
+          <a:off x="0" y="0"/>
+          <a:ext cx="0" cy="0"/>
+          <a:chOff x="0" y="0"/>
+          <a:chExt cx="0" cy="0"/>
+        </a:xfrm>
+      </p:grpSpPr>
+      <p:sp>
+        <p:nvSpPr>
+          <p:cNvPr id="4" name="pole tekstowe 3"/>
+          <p:cNvSpPr txBox="1"/>
+          <p:nvPr/>
+        </p:nvSpPr>
+        <p:spPr>
+          <a:xfrm>
+            <a:off x="780288" y="573024"/>
+            <a:ext cx="1621536" cy="369332"/>
+          </a:xfrm>
+          <a:prstGeom prst="rect">
+            <a:avLst/>
+          </a:prstGeom>
+          <a:noFill/>
+        </p:spPr>
+        <p:txBody>
+          <a:bodyPr wrap="square" rtlCol="0">
+            <a:spAutoFit/>
+          </a:bodyPr>
+          <a:lstStyle/>
+          <a:p>
+            <a:r>
+              <a:rPr lang="pl-PL" dirty="0"/>
+              <a:t>Funkcja 3</a:t>
+            </a:r>
+          </a:p>
+        </p:txBody>
+      </p:sp>
+      <p:graphicFrame>
+        <p:nvGraphicFramePr>
+          <p:cNvPr id="5" name="Tabela 4"/>
+          <p:cNvGraphicFramePr>
+            <a:graphicFrameLocks noGrp="1"/>
+          </p:cNvGraphicFramePr>
+          <p:nvPr>
+            <p:extLst>
+              <p:ext uri="{D42A27DB-BD31-4B8C-83A1-F6EECF244321}">
+                <p14:modId xmlns:p14="http://schemas.microsoft.com/office/powerpoint/2010/main" val="627608141"/>
+              </p:ext>
+            </p:extLst>
+          </p:nvPr>
+        </p:nvGraphicFramePr>
+        <p:xfrm>
+          <a:off x="2032000" y="1012274"/>
+          <a:ext cx="8128000" cy="741680"/>
+        </p:xfrm>
+        <a:graphic>
+          <a:graphicData uri="http://schemas.openxmlformats.org/drawingml/2006/table">
+            <a:tbl>
+              <a:tblPr firstRow="1" bandRow="1">
+                <a:tableStyleId>{5C22544A-7EE6-4342-B048-85BDC9FD1C3A}</a:tableStyleId>
+              </a:tblPr>
+              <a:tblGrid>
+                <a:gridCol w="2032000">
+                  <a:extLst>
+                    <a:ext uri="{9D8B030D-6E8A-4147-A177-3AD203B41FA5}">
+                      <a16:colId xmlns:a16="http://schemas.microsoft.com/office/drawing/2014/main" val="20000"/>
+                    </a:ext>
+                  </a:extLst>
+                </a:gridCol>
+                <a:gridCol w="2032000">
+                  <a:extLst>
+                    <a:ext uri="{9D8B030D-6E8A-4147-A177-3AD203B41FA5}">
+                      <a16:colId xmlns:a16="http://schemas.microsoft.com/office/drawing/2014/main" val="20001"/>
+                    </a:ext>
+                  </a:extLst>
+                </a:gridCol>
+                <a:gridCol w="2032000">
+                  <a:extLst>
+                    <a:ext uri="{9D8B030D-6E8A-4147-A177-3AD203B41FA5}">
+                      <a16:colId xmlns:a16="http://schemas.microsoft.com/office/drawing/2014/main" val="20002"/>
+                    </a:ext>
+                  </a:extLst>
+                </a:gridCol>
+                <a:gridCol w="2032000">
+                  <a:extLst>
+                    <a:ext uri="{9D8B030D-6E8A-4147-A177-3AD203B41FA5}">
+                      <a16:colId xmlns:a16="http://schemas.microsoft.com/office/drawing/2014/main" val="20003"/>
+                    </a:ext>
+                  </a:extLst>
+                </a:gridCol>
+              </a:tblGrid>
+              <a:tr h="370840">
+                <a:tc>
+                  <a:txBody>
+                    <a:bodyPr/>
+                    <a:lstStyle/>
+                    <a:p>
+                      <a:r>
+                        <a:rPr lang="pl-PL" dirty="0"/>
+                        <a:t>Argument</a:t>
+                      </a:r>
+                    </a:p>
+                  </a:txBody>
+                  <a:tcPr/>
+                </a:tc>
+                <a:tc>
+                  <a:txBody>
+                    <a:bodyPr/>
+                    <a:lstStyle/>
+                    <a:p>
+                      <a:pPr algn="ctr"/>
+                      <a:r>
+                        <a:rPr lang="pl-PL" dirty="0"/>
+                        <a:t>3</a:t>
+                      </a:r>
+                    </a:p>
+                  </a:txBody>
+                  <a:tcPr/>
+                </a:tc>
+                <a:tc>
+                  <a:txBody>
+                    <a:bodyPr/>
+                    <a:lstStyle/>
+                    <a:p>
+                      <a:pPr algn="ctr"/>
+                      <a:r>
+                        <a:rPr lang="pl-PL" dirty="0"/>
+                        <a:t>14</a:t>
+                      </a:r>
+                    </a:p>
+                  </a:txBody>
+                  <a:tcPr/>
+                </a:tc>
+                <a:tc>
+                  <a:txBody>
+                    <a:bodyPr/>
+                    <a:lstStyle/>
+                    <a:p>
+                      <a:pPr algn="ctr"/>
+                      <a:r>
+                        <a:rPr lang="pl-PL" dirty="0"/>
+                        <a:t>100</a:t>
+                      </a:r>
+                    </a:p>
+                  </a:txBody>
+                  <a:tcPr/>
+                </a:tc>
+                <a:extLst>
+                  <a:ext uri="{0D108BD9-81ED-4DB2-BD59-A6C34878D82A}">
+                    <a16:rowId xmlns:a16="http://schemas.microsoft.com/office/drawing/2014/main" val="10000"/>
+                  </a:ext>
+                </a:extLst>
+              </a:tr>
+              <a:tr h="370840">
+                <a:tc>
+                  <a:txBody>
+                    <a:bodyPr/>
+                    <a:lstStyle/>
+                    <a:p>
+                      <a:r>
+                        <a:rPr lang="pl-PL" dirty="0"/>
+                        <a:t>Wynik</a:t>
+                      </a:r>
+                    </a:p>
+                  </a:txBody>
+                  <a:tcPr/>
+                </a:tc>
+                <a:tc>
+                  <a:txBody>
+                    <a:bodyPr/>
+                    <a:lstStyle/>
+                    <a:p>
+                      <a:pPr algn="ctr"/>
+                      <a:r>
+                        <a:rPr lang="pl-PL" dirty="0"/>
+                        <a:t>3</a:t>
+                      </a:r>
+                    </a:p>
+                  </a:txBody>
+                  <a:tcPr/>
+                </a:tc>
+                <a:tc>
+                  <a:txBody>
+                    <a:bodyPr/>
+                    <a:lstStyle/>
+                    <a:p>
+                      <a:pPr algn="ctr"/>
+                      <a:r>
+                        <a:rPr lang="pl-PL" dirty="0"/>
+                        <a:t>16</a:t>
+                      </a:r>
+                    </a:p>
+                  </a:txBody>
+                  <a:tcPr/>
+                </a:tc>
+                <a:tc>
+                  <a:txBody>
+                    <a:bodyPr/>
+                    <a:lstStyle/>
+                    <a:p>
+                      <a:pPr algn="ctr"/>
+                      <a:r>
+                        <a:rPr lang="pl-PL" dirty="0"/>
+                        <a:t>144</a:t>
+                      </a:r>
+                    </a:p>
+                  </a:txBody>
+                  <a:tcPr/>
+                </a:tc>
+                <a:extLst>
+                  <a:ext uri="{0D108BD9-81ED-4DB2-BD59-A6C34878D82A}">
+                    <a16:rowId xmlns:a16="http://schemas.microsoft.com/office/drawing/2014/main" val="10001"/>
+                  </a:ext>
+                </a:extLst>
+              </a:tr>
+            </a:tbl>
+          </a:graphicData>
+        </a:graphic>
+      </p:graphicFrame>
+      <p:sp>
+        <p:nvSpPr>
+          <p:cNvPr id="3" name="pole tekstowe 2">
+            <a:extLst>
+              <a:ext uri="{FF2B5EF4-FFF2-40B4-BE49-F238E27FC236}">
+                <a16:creationId xmlns:a16="http://schemas.microsoft.com/office/drawing/2014/main" id="{B9300B6F-B5E9-F54E-AFDC-88E93D97A241}"/>
+              </a:ext>
+            </a:extLst>
+          </p:cNvPr>
+          <p:cNvSpPr txBox="1"/>
+          <p:nvPr/>
+        </p:nvSpPr>
+        <p:spPr>
+          <a:xfrm>
+            <a:off x="212426" y="133815"/>
+            <a:ext cx="1020023" cy="369332"/>
+          </a:xfrm>
+          <a:prstGeom prst="rect">
+            <a:avLst/>
+          </a:prstGeom>
+          <a:noFill/>
+        </p:spPr>
+        <p:txBody>
+          <a:bodyPr wrap="none" rtlCol="0">
+            <a:spAutoFit/>
+          </a:bodyPr>
+          <a:lstStyle/>
+          <a:p>
+            <a:r>
+              <a:rPr lang="pl-PL" b="1" dirty="0"/>
+              <a:t>Wersja C</a:t>
+            </a:r>
+          </a:p>
+        </p:txBody>
+      </p:sp>
+      <p:sp>
+        <p:nvSpPr>
+          <p:cNvPr id="7" name="pole tekstowe 6">
+            <a:extLst>
+              <a:ext uri="{FF2B5EF4-FFF2-40B4-BE49-F238E27FC236}">
+                <a16:creationId xmlns:a16="http://schemas.microsoft.com/office/drawing/2014/main" id="{803D24FF-CCF2-0745-B495-A95BC261222C}"/>
+              </a:ext>
+            </a:extLst>
+          </p:cNvPr>
+          <p:cNvSpPr txBox="1"/>
+          <p:nvPr/>
+        </p:nvSpPr>
+        <p:spPr>
+          <a:xfrm>
+            <a:off x="780288" y="2219092"/>
+            <a:ext cx="9379712" cy="1969770"/>
+          </a:xfrm>
+          <a:prstGeom prst="rect">
+            <a:avLst/>
+          </a:prstGeom>
+          <a:noFill/>
+        </p:spPr>
+        <p:txBody>
+          <a:bodyPr wrap="square" rtlCol="0">
+            <a:spAutoFit/>
+          </a:bodyPr>
+          <a:lstStyle/>
+          <a:p>
+            <a:r>
+              <a:rPr lang="pl-PL" sz="2400" b="1" dirty="0"/>
+              <a:t>Specyfikacja</a:t>
+            </a:r>
+          </a:p>
+          <a:p>
+            <a:endParaRPr lang="pl-PL" dirty="0"/>
+          </a:p>
+          <a:p>
+            <a:r>
+              <a:rPr lang="pl-PL" sz="2000" b="1" dirty="0"/>
+              <a:t>Dane</a:t>
+            </a:r>
+            <a:r>
+              <a:rPr lang="pl-PL" sz="2000" dirty="0"/>
+              <a:t>:</a:t>
+            </a:r>
+          </a:p>
+          <a:p>
+            <a:pPr marL="742950" lvl="1" indent="-285750">
+              <a:buFont typeface="Arial" panose="020B0604020202020204" pitchFamily="34" charset="0"/>
+              <a:buChar char="•"/>
+            </a:pPr>
+            <a:r>
+              <a:rPr lang="pl-PL" sz="2000" dirty="0"/>
+              <a:t>Liczba naturalna</a:t>
+            </a:r>
+          </a:p>
+          <a:p>
+            <a:r>
+              <a:rPr lang="pl-PL" sz="2000" b="1" dirty="0"/>
+              <a:t>Wynik</a:t>
+            </a:r>
+            <a:r>
+              <a:rPr lang="pl-PL" sz="2000" dirty="0"/>
+              <a:t>:</a:t>
+            </a:r>
+          </a:p>
+          <a:p>
+            <a:pPr marL="742950" lvl="1" indent="-285750">
+              <a:buFont typeface="Arial" panose="020B0604020202020204" pitchFamily="34" charset="0"/>
+              <a:buChar char="•"/>
+            </a:pPr>
+            <a:r>
+              <a:rPr lang="pl-PL" sz="2000" dirty="0"/>
+              <a:t>Zapis podanej liczby w systemie ósemkowym</a:t>
+            </a:r>
+          </a:p>
+        </p:txBody>
+      </p:sp>
+    </p:spTree>
+    <p:extLst>
+      <p:ext uri="{BB962C8B-B14F-4D97-AF65-F5344CB8AC3E}">
+        <p14:creationId xmlns:p14="http://schemas.microsoft.com/office/powerpoint/2010/main" val="1454105907"/>
+      </p:ext>
+    </p:extLst>
+  </p:cSld>
+  <p:clrMapOvr>
+    <a:masterClrMapping/>
+  </p:clrMapOvr>
+</p:sld>
+</file>
+
+<file path=ppt/slides/slide2.xml><?xml version="1.0" encoding="utf-8"?>
+<p:sld xmlns:a="http://schemas.openxmlformats.org/drawingml/2006/main" xmlns:r="http://schemas.openxmlformats.org/officeDocument/2006/relationships" xmlns:p="http://schemas.openxmlformats.org/presentationml/2006/main">
+  <p:cSld>
+    <p:spTree>
+      <p:nvGrpSpPr>
+        <p:cNvPr id="1" name=""/>
+        <p:cNvGrpSpPr/>
+        <p:nvPr/>
+      </p:nvGrpSpPr>
+      <p:grpSpPr>
+        <a:xfrm>
+          <a:off x="0" y="0"/>
+          <a:ext cx="0" cy="0"/>
+          <a:chOff x="0" y="0"/>
+          <a:chExt cx="0" cy="0"/>
+        </a:xfrm>
+      </p:grpSpPr>
+      <p:sp>
+        <p:nvSpPr>
+          <p:cNvPr id="4" name="pole tekstowe 3"/>
+          <p:cNvSpPr txBox="1"/>
+          <p:nvPr/>
+        </p:nvSpPr>
+        <p:spPr>
+          <a:xfrm>
+            <a:off x="780288" y="573024"/>
+            <a:ext cx="1621536" cy="369332"/>
+          </a:xfrm>
+          <a:prstGeom prst="rect">
+            <a:avLst/>
+          </a:prstGeom>
+          <a:noFill/>
+        </p:spPr>
+        <p:txBody>
+          <a:bodyPr wrap="square" rtlCol="0">
+            <a:spAutoFit/>
+          </a:bodyPr>
+          <a:lstStyle/>
+          <a:p>
+            <a:r>
+              <a:rPr lang="pl-PL" dirty="0"/>
+              <a:t>Funkcja 1</a:t>
+            </a:r>
+          </a:p>
+        </p:txBody>
+      </p:sp>
+      <p:graphicFrame>
+        <p:nvGraphicFramePr>
+          <p:cNvPr id="5" name="Tabela 4"/>
+          <p:cNvGraphicFramePr>
+            <a:graphicFrameLocks noGrp="1"/>
+          </p:cNvGraphicFramePr>
+          <p:nvPr>
+            <p:extLst/>
+          </p:nvPr>
+        </p:nvGraphicFramePr>
+        <p:xfrm>
+          <a:off x="2032000" y="1012274"/>
+          <a:ext cx="8128000" cy="741680"/>
+        </p:xfrm>
+        <a:graphic>
+          <a:graphicData uri="http://schemas.openxmlformats.org/drawingml/2006/table">
+            <a:tbl>
+              <a:tblPr firstRow="1" bandRow="1">
+                <a:tableStyleId>{5C22544A-7EE6-4342-B048-85BDC9FD1C3A}</a:tableStyleId>
+              </a:tblPr>
+              <a:tblGrid>
+                <a:gridCol w="2032000">
+                  <a:extLst>
+                    <a:ext uri="{9D8B030D-6E8A-4147-A177-3AD203B41FA5}">
+                      <a16:colId xmlns:a16="http://schemas.microsoft.com/office/drawing/2014/main" val="20000"/>
+                    </a:ext>
+                  </a:extLst>
+                </a:gridCol>
+                <a:gridCol w="2032000">
+                  <a:extLst>
+                    <a:ext uri="{9D8B030D-6E8A-4147-A177-3AD203B41FA5}">
+                      <a16:colId xmlns:a16="http://schemas.microsoft.com/office/drawing/2014/main" val="20001"/>
+                    </a:ext>
+                  </a:extLst>
+                </a:gridCol>
+                <a:gridCol w="2032000">
+                  <a:extLst>
+                    <a:ext uri="{9D8B030D-6E8A-4147-A177-3AD203B41FA5}">
+                      <a16:colId xmlns:a16="http://schemas.microsoft.com/office/drawing/2014/main" val="20002"/>
+                    </a:ext>
+                  </a:extLst>
+                </a:gridCol>
+                <a:gridCol w="2032000">
+                  <a:extLst>
+                    <a:ext uri="{9D8B030D-6E8A-4147-A177-3AD203B41FA5}">
+                      <a16:colId xmlns:a16="http://schemas.microsoft.com/office/drawing/2014/main" val="20003"/>
+                    </a:ext>
+                  </a:extLst>
+                </a:gridCol>
+              </a:tblGrid>
+              <a:tr h="370840">
+                <a:tc>
+                  <a:txBody>
+                    <a:bodyPr/>
+                    <a:lstStyle/>
+                    <a:p>
+                      <a:r>
+                        <a:rPr lang="pl-PL" dirty="0"/>
+                        <a:t>Argument</a:t>
+                      </a:r>
+                    </a:p>
+                  </a:txBody>
+                  <a:tcPr/>
+                </a:tc>
+                <a:tc>
+                  <a:txBody>
+                    <a:bodyPr/>
+                    <a:lstStyle/>
+                    <a:p>
+                      <a:pPr algn="ctr"/>
+                      <a:r>
+                        <a:rPr lang="pl-PL" dirty="0"/>
+                        <a:t>a</a:t>
+                      </a:r>
+                    </a:p>
+                  </a:txBody>
+                  <a:tcPr/>
+                </a:tc>
+                <a:tc>
+                  <a:txBody>
+                    <a:bodyPr/>
+                    <a:lstStyle/>
+                    <a:p>
+                      <a:pPr algn="ctr"/>
+                      <a:r>
+                        <a:rPr lang="pl-PL" dirty="0"/>
+                        <a:t>g</a:t>
+                      </a:r>
+                    </a:p>
+                  </a:txBody>
+                  <a:tcPr/>
+                </a:tc>
+                <a:tc>
+                  <a:txBody>
+                    <a:bodyPr/>
+                    <a:lstStyle/>
+                    <a:p>
+                      <a:pPr algn="ctr"/>
+                      <a:r>
+                        <a:rPr lang="pl-PL" dirty="0"/>
+                        <a:t>z</a:t>
+                      </a:r>
+                    </a:p>
+                  </a:txBody>
+                  <a:tcPr/>
+                </a:tc>
+                <a:extLst>
+                  <a:ext uri="{0D108BD9-81ED-4DB2-BD59-A6C34878D82A}">
+                    <a16:rowId xmlns:a16="http://schemas.microsoft.com/office/drawing/2014/main" val="10000"/>
+                  </a:ext>
+                </a:extLst>
+              </a:tr>
+              <a:tr h="370840">
+                <a:tc>
+                  <a:txBody>
+                    <a:bodyPr/>
+                    <a:lstStyle/>
+                    <a:p>
+                      <a:r>
+                        <a:rPr lang="pl-PL" dirty="0"/>
+                        <a:t>Wynik</a:t>
+                      </a:r>
+                    </a:p>
+                  </a:txBody>
+                  <a:tcPr/>
+                </a:tc>
+                <a:tc>
+                  <a:txBody>
+                    <a:bodyPr/>
+                    <a:lstStyle/>
+                    <a:p>
+                      <a:pPr algn="ctr"/>
+                      <a:r>
+                        <a:rPr lang="pl-PL" dirty="0"/>
+                        <a:t>b</a:t>
+                      </a:r>
+                    </a:p>
+                  </a:txBody>
+                  <a:tcPr/>
+                </a:tc>
+                <a:tc>
+                  <a:txBody>
+                    <a:bodyPr/>
+                    <a:lstStyle/>
+                    <a:p>
+                      <a:pPr algn="ctr"/>
+                      <a:r>
+                        <a:rPr lang="pl-PL" dirty="0"/>
+                        <a:t>h</a:t>
+                      </a:r>
+                    </a:p>
+                  </a:txBody>
+                  <a:tcPr/>
+                </a:tc>
+                <a:tc>
+                  <a:txBody>
+                    <a:bodyPr/>
+                    <a:lstStyle/>
+                    <a:p>
+                      <a:pPr algn="ctr"/>
+                      <a:r>
+                        <a:rPr lang="pl-PL" dirty="0"/>
+                        <a:t>a</a:t>
+                      </a:r>
+                    </a:p>
+                  </a:txBody>
+                  <a:tcPr/>
+                </a:tc>
+                <a:extLst>
+                  <a:ext uri="{0D108BD9-81ED-4DB2-BD59-A6C34878D82A}">
+                    <a16:rowId xmlns:a16="http://schemas.microsoft.com/office/drawing/2014/main" val="10001"/>
+                  </a:ext>
+                </a:extLst>
+              </a:tr>
+            </a:tbl>
+          </a:graphicData>
+        </a:graphic>
+      </p:graphicFrame>
+      <p:sp>
+        <p:nvSpPr>
+          <p:cNvPr id="3" name="pole tekstowe 2">
+            <a:extLst>
+              <a:ext uri="{FF2B5EF4-FFF2-40B4-BE49-F238E27FC236}">
+                <a16:creationId xmlns:a16="http://schemas.microsoft.com/office/drawing/2014/main" id="{B9300B6F-B5E9-F54E-AFDC-88E93D97A241}"/>
+              </a:ext>
+            </a:extLst>
+          </p:cNvPr>
+          <p:cNvSpPr txBox="1"/>
+          <p:nvPr/>
+        </p:nvSpPr>
+        <p:spPr>
+          <a:xfrm>
+            <a:off x="212426" y="133815"/>
+            <a:ext cx="1037656" cy="369332"/>
+          </a:xfrm>
+          <a:prstGeom prst="rect">
+            <a:avLst/>
+          </a:prstGeom>
+          <a:noFill/>
+        </p:spPr>
+        <p:txBody>
+          <a:bodyPr wrap="none" rtlCol="0">
+            <a:spAutoFit/>
+          </a:bodyPr>
+          <a:lstStyle/>
+          <a:p>
+            <a:r>
+              <a:rPr lang="pl-PL" b="1" dirty="0"/>
+              <a:t>Wersja A</a:t>
+            </a:r>
+          </a:p>
+        </p:txBody>
+      </p:sp>
+      <p:sp>
+        <p:nvSpPr>
+          <p:cNvPr id="2" name="pole tekstowe 1">
+            <a:extLst>
+              <a:ext uri="{FF2B5EF4-FFF2-40B4-BE49-F238E27FC236}">
+                <a16:creationId xmlns:a16="http://schemas.microsoft.com/office/drawing/2014/main" id="{D469B54B-643F-4A4B-A8E3-8DCB59A05D04}"/>
+              </a:ext>
+            </a:extLst>
+          </p:cNvPr>
+          <p:cNvSpPr txBox="1"/>
+          <p:nvPr/>
+        </p:nvSpPr>
+        <p:spPr>
+          <a:xfrm>
+            <a:off x="780288" y="2219092"/>
+            <a:ext cx="9379712" cy="2585323"/>
+          </a:xfrm>
+          <a:prstGeom prst="rect">
+            <a:avLst/>
+          </a:prstGeom>
+          <a:noFill/>
+        </p:spPr>
+        <p:txBody>
+          <a:bodyPr wrap="square" rtlCol="0">
+            <a:spAutoFit/>
+          </a:bodyPr>
+          <a:lstStyle/>
+          <a:p>
+            <a:r>
+              <a:rPr lang="pl-PL" sz="2400" b="1" dirty="0"/>
+              <a:t>Specyfikacja</a:t>
+            </a:r>
+          </a:p>
+          <a:p>
+            <a:endParaRPr lang="pl-PL" dirty="0"/>
+          </a:p>
+          <a:p>
+            <a:r>
+              <a:rPr lang="pl-PL" sz="2000" b="1" dirty="0"/>
+              <a:t>Dane</a:t>
+            </a:r>
+            <a:r>
+              <a:rPr lang="pl-PL" sz="2000" dirty="0"/>
+              <a:t>:</a:t>
+            </a:r>
+          </a:p>
+          <a:p>
+            <a:pPr marL="742950" lvl="1" indent="-285750">
+              <a:buFont typeface="Arial" panose="020B0604020202020204" pitchFamily="34" charset="0"/>
+              <a:buChar char="•"/>
+            </a:pPr>
+            <a:r>
+              <a:rPr lang="pl-PL" sz="2000" dirty="0"/>
+              <a:t>Znak, litera z alfabetu angielskiego</a:t>
+            </a:r>
+          </a:p>
+          <a:p>
+            <a:r>
+              <a:rPr lang="pl-PL" sz="2000" b="1" dirty="0"/>
+              <a:t>Wynik</a:t>
+            </a:r>
+            <a:r>
+              <a:rPr lang="pl-PL" sz="2000" dirty="0"/>
+              <a:t>:</a:t>
+            </a:r>
+          </a:p>
+          <a:p>
+            <a:pPr marL="742950" lvl="1" indent="-285750">
+              <a:buFont typeface="Arial" panose="020B0604020202020204" pitchFamily="34" charset="0"/>
+              <a:buChar char="•"/>
+            </a:pPr>
+            <a:r>
+              <a:rPr lang="pl-PL" sz="2000" dirty="0"/>
+              <a:t>Litera znajdująca się jeden znak w prawo w alfabecie w stosunku do podanej, przy założeniu, że dla ostatniej litery jej sąsiadem z prawej strony jest pierwsza litera alfabetu</a:t>
+            </a:r>
+          </a:p>
+        </p:txBody>
+      </p:sp>
+    </p:spTree>
+    <p:extLst>
+      <p:ext uri="{BB962C8B-B14F-4D97-AF65-F5344CB8AC3E}">
+        <p14:creationId xmlns:p14="http://schemas.microsoft.com/office/powerpoint/2010/main" val="1656296138"/>
+      </p:ext>
+    </p:extLst>
+  </p:cSld>
+  <p:clrMapOvr>
+    <a:masterClrMapping/>
+  </p:clrMapOvr>
+</p:sld>
+</file>
+
+<file path=ppt/slides/slide3.xml><?xml version="1.0" encoding="utf-8"?>
+<p:sld xmlns:a="http://schemas.openxmlformats.org/drawingml/2006/main" xmlns:r="http://schemas.openxmlformats.org/officeDocument/2006/relationships" xmlns:p="http://schemas.openxmlformats.org/presentationml/2006/main">
+  <p:cSld>
+    <p:spTree>
+      <p:nvGrpSpPr>
+        <p:cNvPr id="1" name=""/>
+        <p:cNvGrpSpPr/>
+        <p:nvPr/>
+      </p:nvGrpSpPr>
+      <p:grpSpPr>
+        <a:xfrm>
+          <a:off x="0" y="0"/>
+          <a:ext cx="0" cy="0"/>
+          <a:chOff x="0" y="0"/>
+          <a:chExt cx="0" cy="0"/>
+        </a:xfrm>
+      </p:grpSpPr>
+      <p:sp>
+        <p:nvSpPr>
+          <p:cNvPr id="4" name="pole tekstowe 3"/>
+          <p:cNvSpPr txBox="1"/>
+          <p:nvPr/>
+        </p:nvSpPr>
+        <p:spPr>
+          <a:xfrm>
+            <a:off x="780288" y="573024"/>
+            <a:ext cx="1621536" cy="369332"/>
+          </a:xfrm>
+          <a:prstGeom prst="rect">
+            <a:avLst/>
+          </a:prstGeom>
+          <a:noFill/>
+        </p:spPr>
+        <p:txBody>
+          <a:bodyPr wrap="square" rtlCol="0">
+            <a:spAutoFit/>
+          </a:bodyPr>
+          <a:lstStyle/>
+          <a:p>
+            <a:r>
+              <a:rPr lang="pl-PL" dirty="0"/>
+              <a:t>Funkcja 2</a:t>
+            </a:r>
+          </a:p>
+        </p:txBody>
+      </p:sp>
+      <p:graphicFrame>
+        <p:nvGraphicFramePr>
+          <p:cNvPr id="5" name="Tabela 4"/>
+          <p:cNvGraphicFramePr>
+            <a:graphicFrameLocks noGrp="1"/>
+          </p:cNvGraphicFramePr>
+          <p:nvPr>
+            <p:extLst/>
+          </p:nvPr>
+        </p:nvGraphicFramePr>
+        <p:xfrm>
+          <a:off x="2032000" y="1012274"/>
+          <a:ext cx="8128000" cy="741680"/>
+        </p:xfrm>
+        <a:graphic>
+          <a:graphicData uri="http://schemas.openxmlformats.org/drawingml/2006/table">
+            <a:tbl>
+              <a:tblPr firstRow="1" bandRow="1">
+                <a:tableStyleId>{5C22544A-7EE6-4342-B048-85BDC9FD1C3A}</a:tableStyleId>
+              </a:tblPr>
+              <a:tblGrid>
+                <a:gridCol w="2032000">
+                  <a:extLst>
+                    <a:ext uri="{9D8B030D-6E8A-4147-A177-3AD203B41FA5}">
+                      <a16:colId xmlns:a16="http://schemas.microsoft.com/office/drawing/2014/main" val="20000"/>
+                    </a:ext>
+                  </a:extLst>
+                </a:gridCol>
+                <a:gridCol w="2032000">
+                  <a:extLst>
+                    <a:ext uri="{9D8B030D-6E8A-4147-A177-3AD203B41FA5}">
+                      <a16:colId xmlns:a16="http://schemas.microsoft.com/office/drawing/2014/main" val="20001"/>
+                    </a:ext>
+                  </a:extLst>
+                </a:gridCol>
+                <a:gridCol w="2032000">
+                  <a:extLst>
+                    <a:ext uri="{9D8B030D-6E8A-4147-A177-3AD203B41FA5}">
+                      <a16:colId xmlns:a16="http://schemas.microsoft.com/office/drawing/2014/main" val="20002"/>
+                    </a:ext>
+                  </a:extLst>
+                </a:gridCol>
+                <a:gridCol w="2032000">
+                  <a:extLst>
+                    <a:ext uri="{9D8B030D-6E8A-4147-A177-3AD203B41FA5}">
+                      <a16:colId xmlns:a16="http://schemas.microsoft.com/office/drawing/2014/main" val="20003"/>
+                    </a:ext>
+                  </a:extLst>
+                </a:gridCol>
+              </a:tblGrid>
+              <a:tr h="370840">
+                <a:tc>
+                  <a:txBody>
+                    <a:bodyPr/>
+                    <a:lstStyle/>
+                    <a:p>
+                      <a:r>
+                        <a:rPr lang="pl-PL" dirty="0"/>
+                        <a:t>Argument</a:t>
+                      </a:r>
+                    </a:p>
+                  </a:txBody>
+                  <a:tcPr/>
+                </a:tc>
+                <a:tc>
+                  <a:txBody>
+                    <a:bodyPr/>
+                    <a:lstStyle/>
+                    <a:p>
+                      <a:pPr algn="ctr"/>
+                      <a:r>
+                        <a:rPr lang="pl-PL" dirty="0"/>
+                        <a:t>12; 4</a:t>
+                      </a:r>
+                    </a:p>
+                  </a:txBody>
+                  <a:tcPr/>
+                </a:tc>
+                <a:tc>
+                  <a:txBody>
+                    <a:bodyPr/>
+                    <a:lstStyle/>
+                    <a:p>
+                      <a:pPr algn="ctr"/>
+                      <a:r>
+                        <a:rPr lang="pl-PL" dirty="0"/>
+                        <a:t>3; 5</a:t>
+                      </a:r>
+                    </a:p>
+                  </a:txBody>
+                  <a:tcPr/>
+                </a:tc>
+                <a:tc>
+                  <a:txBody>
+                    <a:bodyPr/>
+                    <a:lstStyle/>
+                    <a:p>
+                      <a:pPr algn="ctr"/>
+                      <a:r>
+                        <a:rPr lang="pl-PL" dirty="0"/>
+                        <a:t>7; 5</a:t>
+                      </a:r>
+                    </a:p>
+                  </a:txBody>
+                  <a:tcPr/>
+                </a:tc>
+                <a:extLst>
+                  <a:ext uri="{0D108BD9-81ED-4DB2-BD59-A6C34878D82A}">
+                    <a16:rowId xmlns:a16="http://schemas.microsoft.com/office/drawing/2014/main" val="10000"/>
+                  </a:ext>
+                </a:extLst>
+              </a:tr>
+              <a:tr h="370840">
+                <a:tc>
+                  <a:txBody>
+                    <a:bodyPr/>
+                    <a:lstStyle/>
+                    <a:p>
+                      <a:r>
+                        <a:rPr lang="pl-PL" dirty="0"/>
+                        <a:t>Wynik</a:t>
+                      </a:r>
+                    </a:p>
+                  </a:txBody>
+                  <a:tcPr/>
+                </a:tc>
+                <a:tc>
+                  <a:txBody>
+                    <a:bodyPr/>
+                    <a:lstStyle/>
+                    <a:p>
+                      <a:pPr algn="ctr"/>
+                      <a:r>
+                        <a:rPr lang="pl-PL" dirty="0"/>
+                        <a:t>8</a:t>
+                      </a:r>
+                    </a:p>
+                  </a:txBody>
+                  <a:tcPr/>
+                </a:tc>
+                <a:tc>
+                  <a:txBody>
+                    <a:bodyPr/>
+                    <a:lstStyle/>
+                    <a:p>
+                      <a:pPr algn="ctr"/>
+                      <a:r>
+                        <a:rPr lang="pl-PL" dirty="0"/>
+                        <a:t>-2</a:t>
+                      </a:r>
+                    </a:p>
+                  </a:txBody>
+                  <a:tcPr/>
+                </a:tc>
+                <a:tc>
+                  <a:txBody>
+                    <a:bodyPr/>
+                    <a:lstStyle/>
+                    <a:p>
+                      <a:pPr algn="ctr"/>
+                      <a:r>
+                        <a:rPr lang="pl-PL" dirty="0"/>
+                        <a:t>2</a:t>
+                      </a:r>
+                    </a:p>
+                  </a:txBody>
+                  <a:tcPr/>
+                </a:tc>
+                <a:extLst>
+                  <a:ext uri="{0D108BD9-81ED-4DB2-BD59-A6C34878D82A}">
+                    <a16:rowId xmlns:a16="http://schemas.microsoft.com/office/drawing/2014/main" val="10001"/>
+                  </a:ext>
+                </a:extLst>
+              </a:tr>
+            </a:tbl>
+          </a:graphicData>
+        </a:graphic>
+      </p:graphicFrame>
+      <p:sp>
+        <p:nvSpPr>
+          <p:cNvPr id="3" name="pole tekstowe 2">
+            <a:extLst>
+              <a:ext uri="{FF2B5EF4-FFF2-40B4-BE49-F238E27FC236}">
+                <a16:creationId xmlns:a16="http://schemas.microsoft.com/office/drawing/2014/main" id="{B9300B6F-B5E9-F54E-AFDC-88E93D97A241}"/>
+              </a:ext>
+            </a:extLst>
+          </p:cNvPr>
+          <p:cNvSpPr txBox="1"/>
+          <p:nvPr/>
+        </p:nvSpPr>
+        <p:spPr>
+          <a:xfrm>
+            <a:off x="212426" y="133815"/>
+            <a:ext cx="1037656" cy="369332"/>
+          </a:xfrm>
+          <a:prstGeom prst="rect">
+            <a:avLst/>
+          </a:prstGeom>
+          <a:noFill/>
+        </p:spPr>
+        <p:txBody>
+          <a:bodyPr wrap="none" rtlCol="0">
+            <a:spAutoFit/>
+          </a:bodyPr>
+          <a:lstStyle/>
+          <a:p>
+            <a:r>
+              <a:rPr lang="pl-PL" b="1" dirty="0"/>
+              <a:t>Wersja A</a:t>
+            </a:r>
+          </a:p>
+        </p:txBody>
+      </p:sp>
+      <p:sp>
+        <p:nvSpPr>
+          <p:cNvPr id="2" name="pole tekstowe 1">
+            <a:extLst>
+              <a:ext uri="{FF2B5EF4-FFF2-40B4-BE49-F238E27FC236}">
+                <a16:creationId xmlns:a16="http://schemas.microsoft.com/office/drawing/2014/main" id="{D469B54B-643F-4A4B-A8E3-8DCB59A05D04}"/>
+              </a:ext>
+            </a:extLst>
+          </p:cNvPr>
+          <p:cNvSpPr txBox="1"/>
+          <p:nvPr/>
+        </p:nvSpPr>
+        <p:spPr>
+          <a:xfrm>
+            <a:off x="780288" y="2219092"/>
+            <a:ext cx="9379712" cy="1969770"/>
+          </a:xfrm>
+          <a:prstGeom prst="rect">
+            <a:avLst/>
+          </a:prstGeom>
+          <a:noFill/>
+        </p:spPr>
+        <p:txBody>
+          <a:bodyPr wrap="square" rtlCol="0">
+            <a:spAutoFit/>
+          </a:bodyPr>
+          <a:lstStyle/>
+          <a:p>
+            <a:r>
+              <a:rPr lang="pl-PL" sz="2400" b="1" dirty="0"/>
+              <a:t>Specyfikacja</a:t>
+            </a:r>
+          </a:p>
+          <a:p>
+            <a:endParaRPr lang="pl-PL" dirty="0"/>
+          </a:p>
+          <a:p>
+            <a:r>
+              <a:rPr lang="pl-PL" sz="2000" b="1" dirty="0"/>
+              <a:t>Dane</a:t>
+            </a:r>
+            <a:r>
+              <a:rPr lang="pl-PL" sz="2000" dirty="0"/>
+              <a:t>:</a:t>
+            </a:r>
+          </a:p>
+          <a:p>
+            <a:pPr marL="742950" lvl="1" indent="-285750">
+              <a:buFont typeface="Arial" panose="020B0604020202020204" pitchFamily="34" charset="0"/>
+              <a:buChar char="•"/>
+            </a:pPr>
+            <a:r>
+              <a:rPr lang="pl-PL" sz="2000" dirty="0"/>
+              <a:t>a, b - Dwie liczby całkowite</a:t>
+            </a:r>
+          </a:p>
+          <a:p>
+            <a:r>
+              <a:rPr lang="pl-PL" sz="2000" b="1" dirty="0"/>
+              <a:t>Wynik</a:t>
+            </a:r>
+            <a:r>
+              <a:rPr lang="pl-PL" sz="2000" dirty="0"/>
+              <a:t>:</a:t>
+            </a:r>
+          </a:p>
+          <a:p>
+            <a:pPr marL="742950" lvl="1" indent="-285750">
+              <a:buFont typeface="Arial" panose="020B0604020202020204" pitchFamily="34" charset="0"/>
+              <a:buChar char="•"/>
+            </a:pPr>
+            <a:r>
+              <a:rPr lang="pl-PL" sz="2000" dirty="0"/>
+              <a:t>Różnica podanych liczb: a - b </a:t>
+            </a:r>
+          </a:p>
+        </p:txBody>
+      </p:sp>
+    </p:spTree>
+    <p:extLst>
+      <p:ext uri="{BB962C8B-B14F-4D97-AF65-F5344CB8AC3E}">
+        <p14:creationId xmlns:p14="http://schemas.microsoft.com/office/powerpoint/2010/main" val="2229040526"/>
+      </p:ext>
+    </p:extLst>
+  </p:cSld>
+  <p:clrMapOvr>
+    <a:masterClrMapping/>
+  </p:clrMapOvr>
+</p:sld>
+</file>
+
+<file path=ppt/slides/slide4.xml><?xml version="1.0" encoding="utf-8"?>
+<p:sld xmlns:a="http://schemas.openxmlformats.org/drawingml/2006/main" xmlns:r="http://schemas.openxmlformats.org/officeDocument/2006/relationships" xmlns:p="http://schemas.openxmlformats.org/presentationml/2006/main">
+  <p:cSld>
+    <p:spTree>
+      <p:nvGrpSpPr>
+        <p:cNvPr id="1" name=""/>
+        <p:cNvGrpSpPr/>
+        <p:nvPr/>
+      </p:nvGrpSpPr>
+      <p:grpSpPr>
+        <a:xfrm>
+          <a:off x="0" y="0"/>
+          <a:ext cx="0" cy="0"/>
+          <a:chOff x="0" y="0"/>
+          <a:chExt cx="0" cy="0"/>
+        </a:xfrm>
+      </p:grpSpPr>
+      <p:sp>
+        <p:nvSpPr>
+          <p:cNvPr id="4" name="pole tekstowe 3"/>
+          <p:cNvSpPr txBox="1"/>
+          <p:nvPr/>
+        </p:nvSpPr>
+        <p:spPr>
+          <a:xfrm>
+            <a:off x="780288" y="573024"/>
+            <a:ext cx="1621536" cy="369332"/>
+          </a:xfrm>
+          <a:prstGeom prst="rect">
+            <a:avLst/>
+          </a:prstGeom>
+          <a:noFill/>
+        </p:spPr>
+        <p:txBody>
+          <a:bodyPr wrap="square" rtlCol="0">
+            <a:spAutoFit/>
+          </a:bodyPr>
+          <a:lstStyle/>
+          <a:p>
+            <a:r>
+              <a:rPr lang="pl-PL" dirty="0"/>
+              <a:t>Funkcja 3</a:t>
+            </a:r>
+          </a:p>
+        </p:txBody>
+      </p:sp>
+      <p:graphicFrame>
+        <p:nvGraphicFramePr>
+          <p:cNvPr id="5" name="Tabela 4"/>
+          <p:cNvGraphicFramePr>
+            <a:graphicFrameLocks noGrp="1"/>
+          </p:cNvGraphicFramePr>
+          <p:nvPr>
+            <p:extLst>
+              <p:ext uri="{D42A27DB-BD31-4B8C-83A1-F6EECF244321}">
+                <p14:modId xmlns:p14="http://schemas.microsoft.com/office/powerpoint/2010/main" val="1002237063"/>
+              </p:ext>
+            </p:extLst>
+          </p:nvPr>
+        </p:nvGraphicFramePr>
+        <p:xfrm>
+          <a:off x="2032000" y="1012274"/>
+          <a:ext cx="8128000" cy="741680"/>
+        </p:xfrm>
+        <a:graphic>
+          <a:graphicData uri="http://schemas.openxmlformats.org/drawingml/2006/table">
+            <a:tbl>
+              <a:tblPr firstRow="1" bandRow="1">
+                <a:tableStyleId>{5C22544A-7EE6-4342-B048-85BDC9FD1C3A}</a:tableStyleId>
+              </a:tblPr>
+              <a:tblGrid>
+                <a:gridCol w="2032000">
+                  <a:extLst>
+                    <a:ext uri="{9D8B030D-6E8A-4147-A177-3AD203B41FA5}">
+                      <a16:colId xmlns:a16="http://schemas.microsoft.com/office/drawing/2014/main" val="20000"/>
+                    </a:ext>
+                  </a:extLst>
+                </a:gridCol>
+                <a:gridCol w="2032000">
+                  <a:extLst>
+                    <a:ext uri="{9D8B030D-6E8A-4147-A177-3AD203B41FA5}">
+                      <a16:colId xmlns:a16="http://schemas.microsoft.com/office/drawing/2014/main" val="20001"/>
+                    </a:ext>
+                  </a:extLst>
+                </a:gridCol>
+                <a:gridCol w="2032000">
+                  <a:extLst>
+                    <a:ext uri="{9D8B030D-6E8A-4147-A177-3AD203B41FA5}">
+                      <a16:colId xmlns:a16="http://schemas.microsoft.com/office/drawing/2014/main" val="20002"/>
+                    </a:ext>
+                  </a:extLst>
+                </a:gridCol>
+                <a:gridCol w="2032000">
+                  <a:extLst>
+                    <a:ext uri="{9D8B030D-6E8A-4147-A177-3AD203B41FA5}">
+                      <a16:colId xmlns:a16="http://schemas.microsoft.com/office/drawing/2014/main" val="20003"/>
+                    </a:ext>
+                  </a:extLst>
+                </a:gridCol>
+              </a:tblGrid>
+              <a:tr h="370840">
+                <a:tc>
+                  <a:txBody>
+                    <a:bodyPr/>
+                    <a:lstStyle/>
+                    <a:p>
+                      <a:r>
+                        <a:rPr lang="pl-PL" dirty="0"/>
+                        <a:t>Argument</a:t>
+                      </a:r>
+                    </a:p>
+                  </a:txBody>
+                  <a:tcPr/>
+                </a:tc>
+                <a:tc>
+                  <a:txBody>
+                    <a:bodyPr/>
+                    <a:lstStyle/>
+                    <a:p>
+                      <a:pPr algn="ctr"/>
+                      <a:r>
+                        <a:rPr lang="pl-PL" dirty="0"/>
+                        <a:t>a</a:t>
+                      </a:r>
+                    </a:p>
+                  </a:txBody>
+                  <a:tcPr/>
+                </a:tc>
+                <a:tc>
+                  <a:txBody>
+                    <a:bodyPr/>
+                    <a:lstStyle/>
+                    <a:p>
+                      <a:pPr algn="ctr"/>
+                      <a:r>
+                        <a:rPr lang="pl-PL" dirty="0"/>
+                        <a:t>b</a:t>
+                      </a:r>
+                    </a:p>
+                  </a:txBody>
+                  <a:tcPr/>
+                </a:tc>
+                <a:tc>
+                  <a:txBody>
+                    <a:bodyPr/>
+                    <a:lstStyle/>
+                    <a:p>
+                      <a:pPr algn="ctr"/>
+                      <a:r>
+                        <a:rPr lang="pl-PL" dirty="0" err="1"/>
+                        <a:t>r</a:t>
+                      </a:r>
+                      <a:endParaRPr lang="pl-PL" dirty="0"/>
+                    </a:p>
+                  </a:txBody>
+                  <a:tcPr/>
+                </a:tc>
+                <a:extLst>
+                  <a:ext uri="{0D108BD9-81ED-4DB2-BD59-A6C34878D82A}">
+                    <a16:rowId xmlns:a16="http://schemas.microsoft.com/office/drawing/2014/main" val="10000"/>
+                  </a:ext>
+                </a:extLst>
+              </a:tr>
+              <a:tr h="370840">
+                <a:tc>
+                  <a:txBody>
+                    <a:bodyPr/>
+                    <a:lstStyle/>
+                    <a:p>
+                      <a:r>
+                        <a:rPr lang="pl-PL" dirty="0"/>
+                        <a:t>Wynik</a:t>
+                      </a:r>
+                    </a:p>
+                  </a:txBody>
+                  <a:tcPr/>
+                </a:tc>
+                <a:tc>
+                  <a:txBody>
+                    <a:bodyPr/>
+                    <a:lstStyle/>
+                    <a:p>
+                      <a:pPr algn="ctr"/>
+                      <a:r>
+                        <a:rPr lang="pl-PL" dirty="0"/>
+                        <a:t>97</a:t>
+                      </a:r>
+                    </a:p>
+                  </a:txBody>
+                  <a:tcPr/>
+                </a:tc>
+                <a:tc>
+                  <a:txBody>
+                    <a:bodyPr/>
+                    <a:lstStyle/>
+                    <a:p>
+                      <a:pPr algn="ctr"/>
+                      <a:r>
+                        <a:rPr lang="pl-PL" dirty="0"/>
+                        <a:t>98</a:t>
+                      </a:r>
+                    </a:p>
+                  </a:txBody>
+                  <a:tcPr/>
+                </a:tc>
+                <a:tc>
+                  <a:txBody>
+                    <a:bodyPr/>
+                    <a:lstStyle/>
+                    <a:p>
+                      <a:pPr algn="ctr"/>
+                      <a:r>
+                        <a:rPr lang="pl-PL" dirty="0"/>
+                        <a:t>114</a:t>
+                      </a:r>
+                    </a:p>
+                  </a:txBody>
+                  <a:tcPr/>
+                </a:tc>
+                <a:extLst>
+                  <a:ext uri="{0D108BD9-81ED-4DB2-BD59-A6C34878D82A}">
+                    <a16:rowId xmlns:a16="http://schemas.microsoft.com/office/drawing/2014/main" val="10001"/>
+                  </a:ext>
+                </a:extLst>
+              </a:tr>
+            </a:tbl>
+          </a:graphicData>
+        </a:graphic>
+      </p:graphicFrame>
+      <p:sp>
+        <p:nvSpPr>
+          <p:cNvPr id="3" name="pole tekstowe 2">
+            <a:extLst>
+              <a:ext uri="{FF2B5EF4-FFF2-40B4-BE49-F238E27FC236}">
+                <a16:creationId xmlns:a16="http://schemas.microsoft.com/office/drawing/2014/main" id="{B9300B6F-B5E9-F54E-AFDC-88E93D97A241}"/>
+              </a:ext>
+            </a:extLst>
+          </p:cNvPr>
+          <p:cNvSpPr txBox="1"/>
+          <p:nvPr/>
+        </p:nvSpPr>
+        <p:spPr>
+          <a:xfrm>
+            <a:off x="212426" y="133815"/>
+            <a:ext cx="1037656" cy="369332"/>
+          </a:xfrm>
+          <a:prstGeom prst="rect">
+            <a:avLst/>
+          </a:prstGeom>
+          <a:noFill/>
+        </p:spPr>
+        <p:txBody>
+          <a:bodyPr wrap="none" rtlCol="0">
+            <a:spAutoFit/>
+          </a:bodyPr>
+          <a:lstStyle/>
+          <a:p>
+            <a:r>
+              <a:rPr lang="pl-PL" b="1" dirty="0"/>
+              <a:t>Wersja A</a:t>
+            </a:r>
+          </a:p>
+        </p:txBody>
+      </p:sp>
+      <p:sp>
+        <p:nvSpPr>
+          <p:cNvPr id="2" name="pole tekstowe 1">
+            <a:extLst>
+              <a:ext uri="{FF2B5EF4-FFF2-40B4-BE49-F238E27FC236}">
+                <a16:creationId xmlns:a16="http://schemas.microsoft.com/office/drawing/2014/main" id="{D469B54B-643F-4A4B-A8E3-8DCB59A05D04}"/>
+              </a:ext>
+            </a:extLst>
+          </p:cNvPr>
+          <p:cNvSpPr txBox="1"/>
+          <p:nvPr/>
+        </p:nvSpPr>
+        <p:spPr>
+          <a:xfrm>
+            <a:off x="780288" y="2219092"/>
+            <a:ext cx="9379712" cy="1969770"/>
+          </a:xfrm>
+          <a:prstGeom prst="rect">
+            <a:avLst/>
+          </a:prstGeom>
+          <a:noFill/>
+        </p:spPr>
+        <p:txBody>
+          <a:bodyPr wrap="square" rtlCol="0">
+            <a:spAutoFit/>
+          </a:bodyPr>
+          <a:lstStyle/>
+          <a:p>
+            <a:r>
+              <a:rPr lang="pl-PL" sz="2400" b="1" dirty="0"/>
+              <a:t>Specyfikacja</a:t>
+            </a:r>
+          </a:p>
+          <a:p>
+            <a:endParaRPr lang="pl-PL" dirty="0"/>
+          </a:p>
+          <a:p>
+            <a:r>
+              <a:rPr lang="pl-PL" sz="2000" b="1" dirty="0"/>
+              <a:t>Dane</a:t>
+            </a:r>
+            <a:r>
+              <a:rPr lang="pl-PL" sz="2000" dirty="0"/>
+              <a:t>:</a:t>
+            </a:r>
+          </a:p>
+          <a:p>
+            <a:pPr marL="742950" lvl="1" indent="-285750">
+              <a:buFont typeface="Arial" panose="020B0604020202020204" pitchFamily="34" charset="0"/>
+              <a:buChar char="•"/>
+            </a:pPr>
+            <a:r>
+              <a:rPr lang="pl-PL" sz="2000" dirty="0"/>
+              <a:t>Znak, litera z alfabetu angielskiego</a:t>
+            </a:r>
+          </a:p>
+          <a:p>
+            <a:r>
+              <a:rPr lang="pl-PL" sz="2000" b="1" dirty="0"/>
+              <a:t>Wynik</a:t>
+            </a:r>
+            <a:r>
+              <a:rPr lang="pl-PL" sz="2000" dirty="0"/>
+              <a:t>:</a:t>
+            </a:r>
+          </a:p>
+          <a:p>
+            <a:pPr marL="742950" lvl="1" indent="-285750">
+              <a:buFont typeface="Arial" panose="020B0604020202020204" pitchFamily="34" charset="0"/>
+              <a:buChar char="•"/>
+            </a:pPr>
+            <a:r>
+              <a:rPr lang="pl-PL" sz="2000" dirty="0"/>
+              <a:t>Kod ASCII podanej litery</a:t>
+            </a:r>
+          </a:p>
+        </p:txBody>
+      </p:sp>
+    </p:spTree>
+    <p:extLst>
+      <p:ext uri="{BB962C8B-B14F-4D97-AF65-F5344CB8AC3E}">
+        <p14:creationId xmlns:p14="http://schemas.microsoft.com/office/powerpoint/2010/main" val="283235115"/>
+      </p:ext>
+    </p:extLst>
+  </p:cSld>
+  <p:clrMapOvr>
+    <a:masterClrMapping/>
+  </p:clrMapOvr>
+</p:sld>
+</file>
+
+<file path=ppt/slides/slide5.xml><?xml version="1.0" encoding="utf-8"?>
+<p:sld xmlns:a="http://schemas.openxmlformats.org/drawingml/2006/main" xmlns:r="http://schemas.openxmlformats.org/officeDocument/2006/relationships" xmlns:p="http://schemas.openxmlformats.org/presentationml/2006/main">
+  <p:cSld>
+    <p:spTree>
+      <p:nvGrpSpPr>
+        <p:cNvPr id="1" name=""/>
+        <p:cNvGrpSpPr/>
+        <p:nvPr/>
+      </p:nvGrpSpPr>
+      <p:grpSpPr>
+        <a:xfrm>
+          <a:off x="0" y="0"/>
+          <a:ext cx="0" cy="0"/>
+          <a:chOff x="0" y="0"/>
+          <a:chExt cx="0" cy="0"/>
+        </a:xfrm>
+      </p:grpSpPr>
+      <p:sp>
+        <p:nvSpPr>
+          <p:cNvPr id="4" name="pole tekstowe 3"/>
+          <p:cNvSpPr txBox="1"/>
+          <p:nvPr/>
+        </p:nvSpPr>
+        <p:spPr>
+          <a:xfrm>
+            <a:off x="780288" y="573024"/>
+            <a:ext cx="1621536" cy="369332"/>
+          </a:xfrm>
+          <a:prstGeom prst="rect">
+            <a:avLst/>
+          </a:prstGeom>
+          <a:noFill/>
+        </p:spPr>
+        <p:txBody>
+          <a:bodyPr wrap="square" rtlCol="0">
+            <a:spAutoFit/>
+          </a:bodyPr>
+          <a:lstStyle/>
+          <a:p>
+            <a:r>
+              <a:rPr lang="pl-PL" dirty="0"/>
+              <a:t>Funkcja 1</a:t>
+            </a:r>
+          </a:p>
+        </p:txBody>
+      </p:sp>
+      <p:graphicFrame>
+        <p:nvGraphicFramePr>
+          <p:cNvPr id="5" name="Tabela 4"/>
+          <p:cNvGraphicFramePr>
+            <a:graphicFrameLocks noGrp="1"/>
+          </p:cNvGraphicFramePr>
+          <p:nvPr>
+            <p:extLst>
+              <p:ext uri="{D42A27DB-BD31-4B8C-83A1-F6EECF244321}">
+                <p14:modId xmlns:p14="http://schemas.microsoft.com/office/powerpoint/2010/main" val="3519560366"/>
+              </p:ext>
+            </p:extLst>
+          </p:nvPr>
+        </p:nvGraphicFramePr>
+        <p:xfrm>
+          <a:off x="2032000" y="1012274"/>
+          <a:ext cx="8128000" cy="741680"/>
+        </p:xfrm>
+        <a:graphic>
+          <a:graphicData uri="http://schemas.openxmlformats.org/drawingml/2006/table">
+            <a:tbl>
+              <a:tblPr firstRow="1" bandRow="1">
+                <a:tableStyleId>{5C22544A-7EE6-4342-B048-85BDC9FD1C3A}</a:tableStyleId>
+              </a:tblPr>
+              <a:tblGrid>
+                <a:gridCol w="2032000">
+                  <a:extLst>
+                    <a:ext uri="{9D8B030D-6E8A-4147-A177-3AD203B41FA5}">
+                      <a16:colId xmlns:a16="http://schemas.microsoft.com/office/drawing/2014/main" val="20000"/>
+                    </a:ext>
+                  </a:extLst>
+                </a:gridCol>
+                <a:gridCol w="2032000">
+                  <a:extLst>
+                    <a:ext uri="{9D8B030D-6E8A-4147-A177-3AD203B41FA5}">
+                      <a16:colId xmlns:a16="http://schemas.microsoft.com/office/drawing/2014/main" val="20001"/>
+                    </a:ext>
+                  </a:extLst>
+                </a:gridCol>
+                <a:gridCol w="2032000">
+                  <a:extLst>
+                    <a:ext uri="{9D8B030D-6E8A-4147-A177-3AD203B41FA5}">
+                      <a16:colId xmlns:a16="http://schemas.microsoft.com/office/drawing/2014/main" val="20002"/>
+                    </a:ext>
+                  </a:extLst>
+                </a:gridCol>
+                <a:gridCol w="2032000">
+                  <a:extLst>
+                    <a:ext uri="{9D8B030D-6E8A-4147-A177-3AD203B41FA5}">
+                      <a16:colId xmlns:a16="http://schemas.microsoft.com/office/drawing/2014/main" val="20003"/>
+                    </a:ext>
+                  </a:extLst>
+                </a:gridCol>
+              </a:tblGrid>
+              <a:tr h="370840">
+                <a:tc>
+                  <a:txBody>
+                    <a:bodyPr/>
+                    <a:lstStyle/>
+                    <a:p>
+                      <a:r>
+                        <a:rPr lang="pl-PL" dirty="0"/>
+                        <a:t>Argument</a:t>
+                      </a:r>
+                    </a:p>
+                  </a:txBody>
+                  <a:tcPr/>
+                </a:tc>
+                <a:tc>
+                  <a:txBody>
+                    <a:bodyPr/>
+                    <a:lstStyle/>
+                    <a:p>
+                      <a:pPr algn="ctr"/>
+                      <a:r>
+                        <a:rPr lang="pl-PL" dirty="0"/>
+                        <a:t>a</a:t>
+                      </a:r>
+                    </a:p>
+                  </a:txBody>
+                  <a:tcPr/>
+                </a:tc>
+                <a:tc>
+                  <a:txBody>
+                    <a:bodyPr/>
+                    <a:lstStyle/>
+                    <a:p>
+                      <a:pPr algn="ctr"/>
+                      <a:r>
+                        <a:rPr lang="pl-PL" dirty="0"/>
+                        <a:t>g</a:t>
+                      </a:r>
+                    </a:p>
+                  </a:txBody>
+                  <a:tcPr/>
+                </a:tc>
+                <a:tc>
+                  <a:txBody>
+                    <a:bodyPr/>
+                    <a:lstStyle/>
+                    <a:p>
+                      <a:pPr algn="ctr"/>
+                      <a:r>
+                        <a:rPr lang="pl-PL" dirty="0"/>
+                        <a:t>z</a:t>
+                      </a:r>
+                    </a:p>
+                  </a:txBody>
+                  <a:tcPr/>
+                </a:tc>
+                <a:extLst>
+                  <a:ext uri="{0D108BD9-81ED-4DB2-BD59-A6C34878D82A}">
+                    <a16:rowId xmlns:a16="http://schemas.microsoft.com/office/drawing/2014/main" val="10000"/>
+                  </a:ext>
+                </a:extLst>
+              </a:tr>
+              <a:tr h="370840">
+                <a:tc>
+                  <a:txBody>
+                    <a:bodyPr/>
+                    <a:lstStyle/>
+                    <a:p>
+                      <a:r>
+                        <a:rPr lang="pl-PL" dirty="0"/>
+                        <a:t>Wynik</a:t>
+                      </a:r>
+                    </a:p>
+                  </a:txBody>
+                  <a:tcPr/>
+                </a:tc>
+                <a:tc>
+                  <a:txBody>
+                    <a:bodyPr/>
+                    <a:lstStyle/>
+                    <a:p>
+                      <a:pPr algn="ctr"/>
+                      <a:r>
+                        <a:rPr lang="pl-PL" dirty="0"/>
+                        <a:t>z</a:t>
+                      </a:r>
+                    </a:p>
+                  </a:txBody>
+                  <a:tcPr/>
+                </a:tc>
+                <a:tc>
+                  <a:txBody>
+                    <a:bodyPr/>
+                    <a:lstStyle/>
+                    <a:p>
+                      <a:pPr algn="ctr"/>
+                      <a:r>
+                        <a:rPr lang="pl-PL" dirty="0"/>
+                        <a:t>f</a:t>
+                      </a:r>
+                    </a:p>
+                  </a:txBody>
+                  <a:tcPr/>
+                </a:tc>
+                <a:tc>
+                  <a:txBody>
+                    <a:bodyPr/>
+                    <a:lstStyle/>
+                    <a:p>
+                      <a:pPr algn="ctr"/>
+                      <a:r>
+                        <a:rPr lang="pl-PL" dirty="0"/>
+                        <a:t>y</a:t>
+                      </a:r>
+                    </a:p>
+                  </a:txBody>
+                  <a:tcPr/>
+                </a:tc>
+                <a:extLst>
+                  <a:ext uri="{0D108BD9-81ED-4DB2-BD59-A6C34878D82A}">
+                    <a16:rowId xmlns:a16="http://schemas.microsoft.com/office/drawing/2014/main" val="10001"/>
+                  </a:ext>
+                </a:extLst>
+              </a:tr>
+            </a:tbl>
+          </a:graphicData>
+        </a:graphic>
+      </p:graphicFrame>
+      <p:sp>
+        <p:nvSpPr>
+          <p:cNvPr id="3" name="pole tekstowe 2">
+            <a:extLst>
+              <a:ext uri="{FF2B5EF4-FFF2-40B4-BE49-F238E27FC236}">
+                <a16:creationId xmlns:a16="http://schemas.microsoft.com/office/drawing/2014/main" id="{B9300B6F-B5E9-F54E-AFDC-88E93D97A241}"/>
+              </a:ext>
+            </a:extLst>
+          </p:cNvPr>
+          <p:cNvSpPr txBox="1"/>
+          <p:nvPr/>
+        </p:nvSpPr>
+        <p:spPr>
+          <a:xfrm>
+            <a:off x="212426" y="133815"/>
+            <a:ext cx="1028038" cy="369332"/>
+          </a:xfrm>
+          <a:prstGeom prst="rect">
+            <a:avLst/>
+          </a:prstGeom>
+          <a:noFill/>
+        </p:spPr>
+        <p:txBody>
+          <a:bodyPr wrap="none" rtlCol="0">
+            <a:spAutoFit/>
+          </a:bodyPr>
+          <a:lstStyle/>
+          <a:p>
+            <a:r>
+              <a:rPr lang="pl-PL" b="1" dirty="0"/>
+              <a:t>Wersja B</a:t>
+            </a:r>
+          </a:p>
+        </p:txBody>
+      </p:sp>
+      <p:sp>
+        <p:nvSpPr>
+          <p:cNvPr id="2" name="pole tekstowe 1">
+            <a:extLst>
+              <a:ext uri="{FF2B5EF4-FFF2-40B4-BE49-F238E27FC236}">
+                <a16:creationId xmlns:a16="http://schemas.microsoft.com/office/drawing/2014/main" id="{D469B54B-643F-4A4B-A8E3-8DCB59A05D04}"/>
+              </a:ext>
+            </a:extLst>
+          </p:cNvPr>
+          <p:cNvSpPr txBox="1"/>
+          <p:nvPr/>
+        </p:nvSpPr>
+        <p:spPr>
+          <a:xfrm>
+            <a:off x="780288" y="2219092"/>
+            <a:ext cx="9379712" cy="2585323"/>
+          </a:xfrm>
+          <a:prstGeom prst="rect">
+            <a:avLst/>
+          </a:prstGeom>
+          <a:noFill/>
+        </p:spPr>
+        <p:txBody>
+          <a:bodyPr wrap="square" rtlCol="0">
+            <a:spAutoFit/>
+          </a:bodyPr>
+          <a:lstStyle/>
+          <a:p>
+            <a:r>
+              <a:rPr lang="pl-PL" sz="2400" b="1" dirty="0"/>
+              <a:t>Specyfikacja</a:t>
+            </a:r>
+          </a:p>
+          <a:p>
+            <a:endParaRPr lang="pl-PL" dirty="0"/>
+          </a:p>
+          <a:p>
+            <a:r>
+              <a:rPr lang="pl-PL" sz="2000" b="1" dirty="0"/>
+              <a:t>Dane</a:t>
+            </a:r>
+            <a:r>
+              <a:rPr lang="pl-PL" sz="2000" dirty="0"/>
+              <a:t>:</a:t>
+            </a:r>
+          </a:p>
+          <a:p>
+            <a:pPr marL="742950" lvl="1" indent="-285750">
+              <a:buFont typeface="Arial" panose="020B0604020202020204" pitchFamily="34" charset="0"/>
+              <a:buChar char="•"/>
+            </a:pPr>
+            <a:r>
+              <a:rPr lang="pl-PL" sz="2000" dirty="0"/>
+              <a:t>Znak, litera z alfabetu angielskiego</a:t>
+            </a:r>
+          </a:p>
+          <a:p>
+            <a:r>
+              <a:rPr lang="pl-PL" sz="2000" b="1" dirty="0"/>
+              <a:t>Wynik</a:t>
+            </a:r>
+            <a:r>
+              <a:rPr lang="pl-PL" sz="2000" dirty="0"/>
+              <a:t>:</a:t>
+            </a:r>
+          </a:p>
+          <a:p>
+            <a:pPr marL="742950" lvl="1" indent="-285750">
+              <a:buFont typeface="Arial" panose="020B0604020202020204" pitchFamily="34" charset="0"/>
+              <a:buChar char="•"/>
+            </a:pPr>
+            <a:r>
+              <a:rPr lang="pl-PL" sz="2000" dirty="0"/>
+              <a:t>Litera znajdująca się jeden znak w lewo w alfabecie w stosunku do podanej, przy założeniu, że dla pierwszej litery jej sąsiadem z lewej strony jest ostatnia litera alfabetu</a:t>
+            </a:r>
+          </a:p>
+        </p:txBody>
+      </p:sp>
+    </p:spTree>
+    <p:extLst>
+      <p:ext uri="{BB962C8B-B14F-4D97-AF65-F5344CB8AC3E}">
+        <p14:creationId xmlns:p14="http://schemas.microsoft.com/office/powerpoint/2010/main" val="2451591860"/>
+      </p:ext>
+    </p:extLst>
+  </p:cSld>
+  <p:clrMapOvr>
+    <a:masterClrMapping/>
+  </p:clrMapOvr>
+</p:sld>
+</file>
+
+<file path=ppt/slides/slide6.xml><?xml version="1.0" encoding="utf-8"?>
+<p:sld xmlns:a="http://schemas.openxmlformats.org/drawingml/2006/main" xmlns:r="http://schemas.openxmlformats.org/officeDocument/2006/relationships" xmlns:p="http://schemas.openxmlformats.org/presentationml/2006/main">
+  <p:cSld>
+    <p:spTree>
+      <p:nvGrpSpPr>
+        <p:cNvPr id="1" name=""/>
+        <p:cNvGrpSpPr/>
+        <p:nvPr/>
+      </p:nvGrpSpPr>
+      <p:grpSpPr>
+        <a:xfrm>
+          <a:off x="0" y="0"/>
+          <a:ext cx="0" cy="0"/>
+          <a:chOff x="0" y="0"/>
+          <a:chExt cx="0" cy="0"/>
+        </a:xfrm>
+      </p:grpSpPr>
+      <p:sp>
+        <p:nvSpPr>
+          <p:cNvPr id="4" name="pole tekstowe 3"/>
+          <p:cNvSpPr txBox="1"/>
+          <p:nvPr/>
+        </p:nvSpPr>
+        <p:spPr>
+          <a:xfrm>
+            <a:off x="780288" y="573024"/>
+            <a:ext cx="1621536" cy="369332"/>
+          </a:xfrm>
+          <a:prstGeom prst="rect">
+            <a:avLst/>
+          </a:prstGeom>
+          <a:noFill/>
+        </p:spPr>
+        <p:txBody>
+          <a:bodyPr wrap="square" rtlCol="0">
+            <a:spAutoFit/>
+          </a:bodyPr>
+          <a:lstStyle/>
+          <a:p>
+            <a:r>
+              <a:rPr lang="pl-PL" dirty="0"/>
+              <a:t>Funkcja 2</a:t>
+            </a:r>
+          </a:p>
+        </p:txBody>
+      </p:sp>
+      <p:graphicFrame>
+        <p:nvGraphicFramePr>
+          <p:cNvPr id="5" name="Tabela 4"/>
+          <p:cNvGraphicFramePr>
+            <a:graphicFrameLocks noGrp="1"/>
+          </p:cNvGraphicFramePr>
+          <p:nvPr>
+            <p:extLst>
+              <p:ext uri="{D42A27DB-BD31-4B8C-83A1-F6EECF244321}">
+                <p14:modId xmlns:p14="http://schemas.microsoft.com/office/powerpoint/2010/main" val="1911196942"/>
+              </p:ext>
+            </p:extLst>
+          </p:nvPr>
+        </p:nvGraphicFramePr>
+        <p:xfrm>
+          <a:off x="2032000" y="1012274"/>
+          <a:ext cx="8128000" cy="741680"/>
+        </p:xfrm>
+        <a:graphic>
+          <a:graphicData uri="http://schemas.openxmlformats.org/drawingml/2006/table">
+            <a:tbl>
+              <a:tblPr firstRow="1" bandRow="1">
+                <a:tableStyleId>{5C22544A-7EE6-4342-B048-85BDC9FD1C3A}</a:tableStyleId>
+              </a:tblPr>
+              <a:tblGrid>
+                <a:gridCol w="2032000">
+                  <a:extLst>
+                    <a:ext uri="{9D8B030D-6E8A-4147-A177-3AD203B41FA5}">
+                      <a16:colId xmlns:a16="http://schemas.microsoft.com/office/drawing/2014/main" val="20000"/>
+                    </a:ext>
+                  </a:extLst>
+                </a:gridCol>
+                <a:gridCol w="2032000">
+                  <a:extLst>
+                    <a:ext uri="{9D8B030D-6E8A-4147-A177-3AD203B41FA5}">
+                      <a16:colId xmlns:a16="http://schemas.microsoft.com/office/drawing/2014/main" val="20001"/>
+                    </a:ext>
+                  </a:extLst>
+                </a:gridCol>
+                <a:gridCol w="2032000">
+                  <a:extLst>
+                    <a:ext uri="{9D8B030D-6E8A-4147-A177-3AD203B41FA5}">
+                      <a16:colId xmlns:a16="http://schemas.microsoft.com/office/drawing/2014/main" val="20002"/>
+                    </a:ext>
+                  </a:extLst>
+                </a:gridCol>
+                <a:gridCol w="2032000">
+                  <a:extLst>
+                    <a:ext uri="{9D8B030D-6E8A-4147-A177-3AD203B41FA5}">
+                      <a16:colId xmlns:a16="http://schemas.microsoft.com/office/drawing/2014/main" val="20003"/>
+                    </a:ext>
+                  </a:extLst>
+                </a:gridCol>
+              </a:tblGrid>
+              <a:tr h="370840">
+                <a:tc>
+                  <a:txBody>
+                    <a:bodyPr/>
+                    <a:lstStyle/>
+                    <a:p>
+                      <a:r>
+                        <a:rPr lang="pl-PL" dirty="0"/>
+                        <a:t>Argument</a:t>
+                      </a:r>
+                    </a:p>
+                  </a:txBody>
+                  <a:tcPr/>
+                </a:tc>
+                <a:tc>
+                  <a:txBody>
+                    <a:bodyPr/>
+                    <a:lstStyle/>
+                    <a:p>
+                      <a:pPr algn="ctr"/>
+                      <a:r>
+                        <a:rPr lang="pl-PL" dirty="0"/>
+                        <a:t>12; 4</a:t>
+                      </a:r>
+                    </a:p>
+                  </a:txBody>
+                  <a:tcPr/>
+                </a:tc>
+                <a:tc>
+                  <a:txBody>
+                    <a:bodyPr/>
+                    <a:lstStyle/>
+                    <a:p>
+                      <a:pPr algn="ctr"/>
+                      <a:r>
+                        <a:rPr lang="pl-PL" dirty="0"/>
+                        <a:t>3; 5</a:t>
+                      </a:r>
+                    </a:p>
+                  </a:txBody>
+                  <a:tcPr/>
+                </a:tc>
+                <a:tc>
+                  <a:txBody>
+                    <a:bodyPr/>
+                    <a:lstStyle/>
+                    <a:p>
+                      <a:pPr algn="ctr"/>
+                      <a:r>
+                        <a:rPr lang="pl-PL" dirty="0"/>
+                        <a:t>13; 5</a:t>
+                      </a:r>
+                    </a:p>
+                  </a:txBody>
+                  <a:tcPr/>
+                </a:tc>
+                <a:extLst>
+                  <a:ext uri="{0D108BD9-81ED-4DB2-BD59-A6C34878D82A}">
+                    <a16:rowId xmlns:a16="http://schemas.microsoft.com/office/drawing/2014/main" val="10000"/>
+                  </a:ext>
+                </a:extLst>
+              </a:tr>
+              <a:tr h="370840">
+                <a:tc>
+                  <a:txBody>
+                    <a:bodyPr/>
+                    <a:lstStyle/>
+                    <a:p>
+                      <a:r>
+                        <a:rPr lang="pl-PL" dirty="0"/>
+                        <a:t>Wynik</a:t>
+                      </a:r>
+                    </a:p>
+                  </a:txBody>
+                  <a:tcPr/>
+                </a:tc>
+                <a:tc>
+                  <a:txBody>
+                    <a:bodyPr/>
+                    <a:lstStyle/>
+                    <a:p>
+                      <a:pPr algn="ctr"/>
+                      <a:r>
+                        <a:rPr lang="pl-PL" dirty="0"/>
+                        <a:t>8</a:t>
+                      </a:r>
+                    </a:p>
+                  </a:txBody>
+                  <a:tcPr/>
+                </a:tc>
+                <a:tc>
+                  <a:txBody>
+                    <a:bodyPr/>
+                    <a:lstStyle/>
+                    <a:p>
+                      <a:pPr algn="ctr"/>
+                      <a:r>
+                        <a:rPr lang="pl-PL" dirty="0"/>
+                        <a:t>2</a:t>
+                      </a:r>
+                    </a:p>
+                  </a:txBody>
+                  <a:tcPr/>
+                </a:tc>
+                <a:tc>
+                  <a:txBody>
+                    <a:bodyPr/>
+                    <a:lstStyle/>
+                    <a:p>
+                      <a:pPr algn="ctr"/>
+                      <a:r>
+                        <a:rPr lang="pl-PL" dirty="0"/>
+                        <a:t>8</a:t>
+                      </a:r>
+                    </a:p>
+                  </a:txBody>
+                  <a:tcPr/>
+                </a:tc>
+                <a:extLst>
+                  <a:ext uri="{0D108BD9-81ED-4DB2-BD59-A6C34878D82A}">
+                    <a16:rowId xmlns:a16="http://schemas.microsoft.com/office/drawing/2014/main" val="10001"/>
+                  </a:ext>
+                </a:extLst>
+              </a:tr>
+            </a:tbl>
+          </a:graphicData>
+        </a:graphic>
+      </p:graphicFrame>
+      <p:sp>
+        <p:nvSpPr>
+          <p:cNvPr id="3" name="pole tekstowe 2">
+            <a:extLst>
+              <a:ext uri="{FF2B5EF4-FFF2-40B4-BE49-F238E27FC236}">
+                <a16:creationId xmlns:a16="http://schemas.microsoft.com/office/drawing/2014/main" id="{B9300B6F-B5E9-F54E-AFDC-88E93D97A241}"/>
+              </a:ext>
+            </a:extLst>
+          </p:cNvPr>
+          <p:cNvSpPr txBox="1"/>
+          <p:nvPr/>
+        </p:nvSpPr>
+        <p:spPr>
+          <a:xfrm>
+            <a:off x="212426" y="133815"/>
+            <a:ext cx="1028038" cy="369332"/>
+          </a:xfrm>
+          <a:prstGeom prst="rect">
+            <a:avLst/>
+          </a:prstGeom>
+          <a:noFill/>
+        </p:spPr>
+        <p:txBody>
+          <a:bodyPr wrap="none" rtlCol="0">
+            <a:spAutoFit/>
+          </a:bodyPr>
+          <a:lstStyle/>
+          <a:p>
+            <a:r>
+              <a:rPr lang="pl-PL" b="1" dirty="0"/>
+              <a:t>Wersja B</a:t>
+            </a:r>
+          </a:p>
+        </p:txBody>
+      </p:sp>
+      <p:sp>
+        <p:nvSpPr>
+          <p:cNvPr id="6" name="pole tekstowe 5">
+            <a:extLst>
+              <a:ext uri="{FF2B5EF4-FFF2-40B4-BE49-F238E27FC236}">
+                <a16:creationId xmlns:a16="http://schemas.microsoft.com/office/drawing/2014/main" id="{86034BD7-D3D3-D341-8CC2-89DE50DB27BC}"/>
+              </a:ext>
+            </a:extLst>
+          </p:cNvPr>
+          <p:cNvSpPr txBox="1"/>
+          <p:nvPr/>
+        </p:nvSpPr>
+        <p:spPr>
+          <a:xfrm>
+            <a:off x="780288" y="2219092"/>
+            <a:ext cx="9379712" cy="1969770"/>
+          </a:xfrm>
+          <a:prstGeom prst="rect">
+            <a:avLst/>
+          </a:prstGeom>
+          <a:noFill/>
+        </p:spPr>
+        <p:txBody>
+          <a:bodyPr wrap="square" rtlCol="0">
+            <a:spAutoFit/>
+          </a:bodyPr>
+          <a:lstStyle/>
+          <a:p>
+            <a:r>
+              <a:rPr lang="pl-PL" sz="2400" b="1" dirty="0"/>
+              <a:t>Specyfikacja</a:t>
+            </a:r>
+          </a:p>
+          <a:p>
+            <a:endParaRPr lang="pl-PL" dirty="0"/>
+          </a:p>
+          <a:p>
+            <a:r>
+              <a:rPr lang="pl-PL" sz="2000" b="1" dirty="0"/>
+              <a:t>Dane</a:t>
+            </a:r>
+            <a:r>
+              <a:rPr lang="pl-PL" sz="2000" dirty="0"/>
+              <a:t>:</a:t>
+            </a:r>
+          </a:p>
+          <a:p>
+            <a:pPr marL="742950" lvl="1" indent="-285750">
+              <a:buFont typeface="Arial" panose="020B0604020202020204" pitchFamily="34" charset="0"/>
+              <a:buChar char="•"/>
+            </a:pPr>
+            <a:r>
+              <a:rPr lang="pl-PL" sz="2000" dirty="0"/>
+              <a:t>a, b - Dwie liczby całkowite</a:t>
+            </a:r>
+          </a:p>
+          <a:p>
+            <a:r>
+              <a:rPr lang="pl-PL" sz="2000" b="1" dirty="0"/>
+              <a:t>Wynik</a:t>
+            </a:r>
+            <a:r>
+              <a:rPr lang="pl-PL" sz="2000" dirty="0"/>
+              <a:t>:</a:t>
+            </a:r>
+          </a:p>
+          <a:p>
+            <a:pPr marL="742950" lvl="1" indent="-285750">
+              <a:buFont typeface="Arial" panose="020B0604020202020204" pitchFamily="34" charset="0"/>
+              <a:buChar char="•"/>
+            </a:pPr>
+            <a:r>
+              <a:rPr lang="pl-PL" sz="2000" dirty="0"/>
+              <a:t>Wartość bezwzględna różnicy podanych liczb: |a – b| </a:t>
+            </a:r>
+          </a:p>
+        </p:txBody>
+      </p:sp>
+    </p:spTree>
+    <p:extLst>
+      <p:ext uri="{BB962C8B-B14F-4D97-AF65-F5344CB8AC3E}">
+        <p14:creationId xmlns:p14="http://schemas.microsoft.com/office/powerpoint/2010/main" val="1948402211"/>
+      </p:ext>
+    </p:extLst>
+  </p:cSld>
+  <p:clrMapOvr>
+    <a:masterClrMapping/>
+  </p:clrMapOvr>
+</p:sld>
+</file>
+
+<file path=ppt/slides/slide7.xml><?xml version="1.0" encoding="utf-8"?>
+<p:sld xmlns:a="http://schemas.openxmlformats.org/drawingml/2006/main" xmlns:r="http://schemas.openxmlformats.org/officeDocument/2006/relationships" xmlns:p="http://schemas.openxmlformats.org/presentationml/2006/main">
+  <p:cSld>
+    <p:spTree>
+      <p:nvGrpSpPr>
+        <p:cNvPr id="1" name=""/>
+        <p:cNvGrpSpPr/>
+        <p:nvPr/>
+      </p:nvGrpSpPr>
+      <p:grpSpPr>
+        <a:xfrm>
+          <a:off x="0" y="0"/>
+          <a:ext cx="0" cy="0"/>
+          <a:chOff x="0" y="0"/>
+          <a:chExt cx="0" cy="0"/>
+        </a:xfrm>
+      </p:grpSpPr>
+      <p:sp>
+        <p:nvSpPr>
+          <p:cNvPr id="4" name="pole tekstowe 3"/>
+          <p:cNvSpPr txBox="1"/>
+          <p:nvPr/>
+        </p:nvSpPr>
+        <p:spPr>
+          <a:xfrm>
+            <a:off x="780288" y="573024"/>
+            <a:ext cx="1621536" cy="369332"/>
+          </a:xfrm>
+          <a:prstGeom prst="rect">
+            <a:avLst/>
+          </a:prstGeom>
+          <a:noFill/>
+        </p:spPr>
+        <p:txBody>
+          <a:bodyPr wrap="square" rtlCol="0">
+            <a:spAutoFit/>
+          </a:bodyPr>
+          <a:lstStyle/>
+          <a:p>
+            <a:r>
+              <a:rPr lang="pl-PL" dirty="0"/>
+              <a:t>Funkcja 3</a:t>
+            </a:r>
+          </a:p>
+        </p:txBody>
+      </p:sp>
+      <p:graphicFrame>
+        <p:nvGraphicFramePr>
+          <p:cNvPr id="5" name="Tabela 4"/>
+          <p:cNvGraphicFramePr>
+            <a:graphicFrameLocks noGrp="1"/>
+          </p:cNvGraphicFramePr>
+          <p:nvPr>
+            <p:extLst>
+              <p:ext uri="{D42A27DB-BD31-4B8C-83A1-F6EECF244321}">
+                <p14:modId xmlns:p14="http://schemas.microsoft.com/office/powerpoint/2010/main" val="997411740"/>
+              </p:ext>
+            </p:extLst>
+          </p:nvPr>
+        </p:nvGraphicFramePr>
+        <p:xfrm>
+          <a:off x="2032000" y="1012274"/>
+          <a:ext cx="8128000" cy="741680"/>
+        </p:xfrm>
+        <a:graphic>
+          <a:graphicData uri="http://schemas.openxmlformats.org/drawingml/2006/table">
+            <a:tbl>
+              <a:tblPr firstRow="1" bandRow="1">
+                <a:tableStyleId>{5C22544A-7EE6-4342-B048-85BDC9FD1C3A}</a:tableStyleId>
+              </a:tblPr>
+              <a:tblGrid>
+                <a:gridCol w="2032000">
+                  <a:extLst>
+                    <a:ext uri="{9D8B030D-6E8A-4147-A177-3AD203B41FA5}">
+                      <a16:colId xmlns:a16="http://schemas.microsoft.com/office/drawing/2014/main" val="20000"/>
+                    </a:ext>
+                  </a:extLst>
+                </a:gridCol>
+                <a:gridCol w="2032000">
+                  <a:extLst>
+                    <a:ext uri="{9D8B030D-6E8A-4147-A177-3AD203B41FA5}">
+                      <a16:colId xmlns:a16="http://schemas.microsoft.com/office/drawing/2014/main" val="20001"/>
+                    </a:ext>
+                  </a:extLst>
+                </a:gridCol>
+                <a:gridCol w="2032000">
+                  <a:extLst>
+                    <a:ext uri="{9D8B030D-6E8A-4147-A177-3AD203B41FA5}">
+                      <a16:colId xmlns:a16="http://schemas.microsoft.com/office/drawing/2014/main" val="20002"/>
+                    </a:ext>
+                  </a:extLst>
+                </a:gridCol>
+                <a:gridCol w="2032000">
+                  <a:extLst>
+                    <a:ext uri="{9D8B030D-6E8A-4147-A177-3AD203B41FA5}">
+                      <a16:colId xmlns:a16="http://schemas.microsoft.com/office/drawing/2014/main" val="20003"/>
+                    </a:ext>
+                  </a:extLst>
+                </a:gridCol>
+              </a:tblGrid>
+              <a:tr h="370840">
+                <a:tc>
+                  <a:txBody>
+                    <a:bodyPr/>
+                    <a:lstStyle/>
+                    <a:p>
+                      <a:r>
+                        <a:rPr lang="pl-PL" dirty="0"/>
+                        <a:t>Argument</a:t>
+                      </a:r>
+                    </a:p>
+                  </a:txBody>
+                  <a:tcPr/>
+                </a:tc>
+                <a:tc>
+                  <a:txBody>
+                    <a:bodyPr/>
+                    <a:lstStyle/>
+                    <a:p>
+                      <a:pPr algn="ctr"/>
+                      <a:r>
+                        <a:rPr lang="pl-PL" dirty="0"/>
+                        <a:t>3</a:t>
+                      </a:r>
+                    </a:p>
+                  </a:txBody>
+                  <a:tcPr/>
+                </a:tc>
+                <a:tc>
+                  <a:txBody>
+                    <a:bodyPr/>
+                    <a:lstStyle/>
+                    <a:p>
+                      <a:pPr algn="ctr"/>
+                      <a:r>
+                        <a:rPr lang="pl-PL" dirty="0"/>
+                        <a:t>4</a:t>
+                      </a:r>
+                    </a:p>
+                  </a:txBody>
+                  <a:tcPr/>
+                </a:tc>
+                <a:tc>
+                  <a:txBody>
+                    <a:bodyPr/>
+                    <a:lstStyle/>
+                    <a:p>
+                      <a:pPr algn="ctr"/>
+                      <a:r>
+                        <a:rPr lang="pl-PL" dirty="0"/>
+                        <a:t>10</a:t>
+                      </a:r>
+                    </a:p>
+                  </a:txBody>
+                  <a:tcPr/>
+                </a:tc>
+                <a:extLst>
+                  <a:ext uri="{0D108BD9-81ED-4DB2-BD59-A6C34878D82A}">
+                    <a16:rowId xmlns:a16="http://schemas.microsoft.com/office/drawing/2014/main" val="10000"/>
+                  </a:ext>
+                </a:extLst>
+              </a:tr>
+              <a:tr h="370840">
+                <a:tc>
+                  <a:txBody>
+                    <a:bodyPr/>
+                    <a:lstStyle/>
+                    <a:p>
+                      <a:r>
+                        <a:rPr lang="pl-PL" dirty="0"/>
+                        <a:t>Wynik</a:t>
+                      </a:r>
+                    </a:p>
+                  </a:txBody>
+                  <a:tcPr/>
+                </a:tc>
+                <a:tc>
+                  <a:txBody>
+                    <a:bodyPr/>
+                    <a:lstStyle/>
+                    <a:p>
+                      <a:pPr algn="ctr"/>
+                      <a:r>
+                        <a:rPr lang="pl-PL" dirty="0"/>
+                        <a:t>11</a:t>
+                      </a:r>
+                    </a:p>
+                  </a:txBody>
+                  <a:tcPr/>
+                </a:tc>
+                <a:tc>
+                  <a:txBody>
+                    <a:bodyPr/>
+                    <a:lstStyle/>
+                    <a:p>
+                      <a:pPr algn="ctr"/>
+                      <a:r>
+                        <a:rPr lang="pl-PL" dirty="0"/>
+                        <a:t>100</a:t>
+                      </a:r>
+                    </a:p>
+                  </a:txBody>
+                  <a:tcPr/>
+                </a:tc>
+                <a:tc>
+                  <a:txBody>
+                    <a:bodyPr/>
+                    <a:lstStyle/>
+                    <a:p>
+                      <a:pPr algn="ctr"/>
+                      <a:r>
+                        <a:rPr lang="pl-PL" dirty="0"/>
+                        <a:t>1010</a:t>
+                      </a:r>
+                    </a:p>
+                  </a:txBody>
+                  <a:tcPr/>
+                </a:tc>
+                <a:extLst>
+                  <a:ext uri="{0D108BD9-81ED-4DB2-BD59-A6C34878D82A}">
+                    <a16:rowId xmlns:a16="http://schemas.microsoft.com/office/drawing/2014/main" val="10001"/>
+                  </a:ext>
+                </a:extLst>
+              </a:tr>
+            </a:tbl>
+          </a:graphicData>
+        </a:graphic>
+      </p:graphicFrame>
+      <p:sp>
+        <p:nvSpPr>
+          <p:cNvPr id="3" name="pole tekstowe 2">
+            <a:extLst>
+              <a:ext uri="{FF2B5EF4-FFF2-40B4-BE49-F238E27FC236}">
+                <a16:creationId xmlns:a16="http://schemas.microsoft.com/office/drawing/2014/main" id="{B9300B6F-B5E9-F54E-AFDC-88E93D97A241}"/>
+              </a:ext>
+            </a:extLst>
+          </p:cNvPr>
+          <p:cNvSpPr txBox="1"/>
+          <p:nvPr/>
+        </p:nvSpPr>
+        <p:spPr>
+          <a:xfrm>
+            <a:off x="212426" y="133815"/>
+            <a:ext cx="1028038" cy="369332"/>
+          </a:xfrm>
+          <a:prstGeom prst="rect">
+            <a:avLst/>
+          </a:prstGeom>
+          <a:noFill/>
+        </p:spPr>
+        <p:txBody>
+          <a:bodyPr wrap="none" rtlCol="0">
+            <a:spAutoFit/>
+          </a:bodyPr>
+          <a:lstStyle/>
+          <a:p>
+            <a:r>
+              <a:rPr lang="pl-PL" b="1" dirty="0"/>
+              <a:t>Wersja B</a:t>
+            </a:r>
+          </a:p>
+        </p:txBody>
+      </p:sp>
+      <p:sp>
+        <p:nvSpPr>
+          <p:cNvPr id="6" name="pole tekstowe 5">
+            <a:extLst>
+              <a:ext uri="{FF2B5EF4-FFF2-40B4-BE49-F238E27FC236}">
+                <a16:creationId xmlns:a16="http://schemas.microsoft.com/office/drawing/2014/main" id="{86034BD7-D3D3-D341-8CC2-89DE50DB27BC}"/>
+              </a:ext>
+            </a:extLst>
+          </p:cNvPr>
+          <p:cNvSpPr txBox="1"/>
+          <p:nvPr/>
+        </p:nvSpPr>
+        <p:spPr>
+          <a:xfrm>
+            <a:off x="780288" y="2219092"/>
+            <a:ext cx="9379712" cy="1969770"/>
+          </a:xfrm>
+          <a:prstGeom prst="rect">
+            <a:avLst/>
+          </a:prstGeom>
+          <a:noFill/>
+        </p:spPr>
+        <p:txBody>
+          <a:bodyPr wrap="square" rtlCol="0">
+            <a:spAutoFit/>
+          </a:bodyPr>
+          <a:lstStyle/>
+          <a:p>
+            <a:r>
+              <a:rPr lang="pl-PL" sz="2400" b="1" dirty="0"/>
+              <a:t>Specyfikacja</a:t>
+            </a:r>
+          </a:p>
+          <a:p>
+            <a:endParaRPr lang="pl-PL" dirty="0"/>
+          </a:p>
+          <a:p>
+            <a:r>
+              <a:rPr lang="pl-PL" sz="2000" b="1" dirty="0"/>
+              <a:t>Dane</a:t>
+            </a:r>
+            <a:r>
+              <a:rPr lang="pl-PL" sz="2000" dirty="0"/>
+              <a:t>:</a:t>
+            </a:r>
+          </a:p>
+          <a:p>
+            <a:pPr marL="742950" lvl="1" indent="-285750">
+              <a:buFont typeface="Arial" panose="020B0604020202020204" pitchFamily="34" charset="0"/>
+              <a:buChar char="•"/>
+            </a:pPr>
+            <a:r>
+              <a:rPr lang="pl-PL" sz="2000" dirty="0"/>
+              <a:t>Liczba naturalna</a:t>
+            </a:r>
+          </a:p>
+          <a:p>
+            <a:r>
+              <a:rPr lang="pl-PL" sz="2000" b="1" dirty="0"/>
+              <a:t>Wynik</a:t>
+            </a:r>
+            <a:r>
+              <a:rPr lang="pl-PL" sz="2000" dirty="0"/>
+              <a:t>:</a:t>
+            </a:r>
+          </a:p>
+          <a:p>
+            <a:pPr marL="742950" lvl="1" indent="-285750">
+              <a:buFont typeface="Arial" panose="020B0604020202020204" pitchFamily="34" charset="0"/>
+              <a:buChar char="•"/>
+            </a:pPr>
+            <a:r>
+              <a:rPr lang="pl-PL" sz="2000" dirty="0"/>
+              <a:t>Zapis podanej liczby w systemie binarnym</a:t>
+            </a:r>
+          </a:p>
+        </p:txBody>
+      </p:sp>
+    </p:spTree>
+    <p:extLst>
+      <p:ext uri="{BB962C8B-B14F-4D97-AF65-F5344CB8AC3E}">
+        <p14:creationId xmlns:p14="http://schemas.microsoft.com/office/powerpoint/2010/main" val="801759547"/>
+      </p:ext>
+    </p:extLst>
+  </p:cSld>
+  <p:clrMapOvr>
+    <a:masterClrMapping/>
+  </p:clrMapOvr>
+</p:sld>
+</file>
+
+<file path=ppt/slides/slide8.xml><?xml version="1.0" encoding="utf-8"?>
+<p:sld xmlns:a="http://schemas.openxmlformats.org/drawingml/2006/main" xmlns:r="http://schemas.openxmlformats.org/officeDocument/2006/relationships" xmlns:p="http://schemas.openxmlformats.org/presentationml/2006/main">
+  <p:cSld>
+    <p:spTree>
+      <p:nvGrpSpPr>
+        <p:cNvPr id="1" name=""/>
+        <p:cNvGrpSpPr/>
+        <p:nvPr/>
+      </p:nvGrpSpPr>
+      <p:grpSpPr>
+        <a:xfrm>
+          <a:off x="0" y="0"/>
+          <a:ext cx="0" cy="0"/>
+          <a:chOff x="0" y="0"/>
+          <a:chExt cx="0" cy="0"/>
+        </a:xfrm>
+      </p:grpSpPr>
+      <p:sp>
+        <p:nvSpPr>
+          <p:cNvPr id="4" name="pole tekstowe 3"/>
+          <p:cNvSpPr txBox="1"/>
+          <p:nvPr/>
+        </p:nvSpPr>
+        <p:spPr>
+          <a:xfrm>
+            <a:off x="780288" y="573024"/>
+            <a:ext cx="1621536" cy="369332"/>
+          </a:xfrm>
+          <a:prstGeom prst="rect">
+            <a:avLst/>
+          </a:prstGeom>
+          <a:noFill/>
+        </p:spPr>
+        <p:txBody>
+          <a:bodyPr wrap="square" rtlCol="0">
+            <a:spAutoFit/>
+          </a:bodyPr>
+          <a:lstStyle/>
+          <a:p>
+            <a:r>
+              <a:rPr lang="pl-PL" dirty="0"/>
               <a:t>Funkcja 1</a:t>
             </a:r>
           </a:p>
@@ -4140,7 +6971,7 @@
 </p:sld>
 </file>
 
-<file path=ppt/slides/slide11.xml><?xml version="1.0" encoding="utf-8"?>
+<file path=ppt/slides/slide9.xml><?xml version="1.0" encoding="utf-8"?>
 <p:sld xmlns:a="http://schemas.openxmlformats.org/drawingml/2006/main" xmlns:r="http://schemas.openxmlformats.org/officeDocument/2006/relationships" xmlns:p="http://schemas.openxmlformats.org/presentationml/2006/main">
   <p:cSld>
     <p:spTree>
@@ -4485,4231 +7316,6 @@
     <p:extLst>
       <p:ext uri="{BB962C8B-B14F-4D97-AF65-F5344CB8AC3E}">
         <p14:creationId xmlns:p14="http://schemas.microsoft.com/office/powerpoint/2010/main" val="3204567812"/>
-      </p:ext>
-    </p:extLst>
-  </p:cSld>
-  <p:clrMapOvr>
-    <a:masterClrMapping/>
-  </p:clrMapOvr>
-</p:sld>
-</file>
-
-<file path=ppt/slides/slide12.xml><?xml version="1.0" encoding="utf-8"?>
-<p:sld xmlns:a="http://schemas.openxmlformats.org/drawingml/2006/main" xmlns:r="http://schemas.openxmlformats.org/officeDocument/2006/relationships" xmlns:p="http://schemas.openxmlformats.org/presentationml/2006/main">
-  <p:cSld>
-    <p:spTree>
-      <p:nvGrpSpPr>
-        <p:cNvPr id="1" name=""/>
-        <p:cNvGrpSpPr/>
-        <p:nvPr/>
-      </p:nvGrpSpPr>
-      <p:grpSpPr>
-        <a:xfrm>
-          <a:off x="0" y="0"/>
-          <a:ext cx="0" cy="0"/>
-          <a:chOff x="0" y="0"/>
-          <a:chExt cx="0" cy="0"/>
-        </a:xfrm>
-      </p:grpSpPr>
-      <p:sp>
-        <p:nvSpPr>
-          <p:cNvPr id="4" name="pole tekstowe 3"/>
-          <p:cNvSpPr txBox="1"/>
-          <p:nvPr/>
-        </p:nvSpPr>
-        <p:spPr>
-          <a:xfrm>
-            <a:off x="780288" y="573024"/>
-            <a:ext cx="1621536" cy="369332"/>
-          </a:xfrm>
-          <a:prstGeom prst="rect">
-            <a:avLst/>
-          </a:prstGeom>
-          <a:noFill/>
-        </p:spPr>
-        <p:txBody>
-          <a:bodyPr wrap="square" rtlCol="0">
-            <a:spAutoFit/>
-          </a:bodyPr>
-          <a:lstStyle/>
-          <a:p>
-            <a:r>
-              <a:rPr lang="pl-PL" dirty="0"/>
-              <a:t>Funkcja 2</a:t>
-            </a:r>
-          </a:p>
-        </p:txBody>
-      </p:sp>
-      <p:graphicFrame>
-        <p:nvGraphicFramePr>
-          <p:cNvPr id="5" name="Tabela 4"/>
-          <p:cNvGraphicFramePr>
-            <a:graphicFrameLocks noGrp="1"/>
-          </p:cNvGraphicFramePr>
-          <p:nvPr>
-            <p:extLst>
-              <p:ext uri="{D42A27DB-BD31-4B8C-83A1-F6EECF244321}">
-                <p14:modId xmlns:p14="http://schemas.microsoft.com/office/powerpoint/2010/main" val="262561006"/>
-              </p:ext>
-            </p:extLst>
-          </p:nvPr>
-        </p:nvGraphicFramePr>
-        <p:xfrm>
-          <a:off x="2032000" y="1012274"/>
-          <a:ext cx="8128000" cy="741680"/>
-        </p:xfrm>
-        <a:graphic>
-          <a:graphicData uri="http://schemas.openxmlformats.org/drawingml/2006/table">
-            <a:tbl>
-              <a:tblPr firstRow="1" bandRow="1">
-                <a:tableStyleId>{5C22544A-7EE6-4342-B048-85BDC9FD1C3A}</a:tableStyleId>
-              </a:tblPr>
-              <a:tblGrid>
-                <a:gridCol w="2032000">
-                  <a:extLst>
-                    <a:ext uri="{9D8B030D-6E8A-4147-A177-3AD203B41FA5}">
-                      <a16:colId xmlns:a16="http://schemas.microsoft.com/office/drawing/2014/main" val="20000"/>
-                    </a:ext>
-                  </a:extLst>
-                </a:gridCol>
-                <a:gridCol w="2032000">
-                  <a:extLst>
-                    <a:ext uri="{9D8B030D-6E8A-4147-A177-3AD203B41FA5}">
-                      <a16:colId xmlns:a16="http://schemas.microsoft.com/office/drawing/2014/main" val="20001"/>
-                    </a:ext>
-                  </a:extLst>
-                </a:gridCol>
-                <a:gridCol w="2032000">
-                  <a:extLst>
-                    <a:ext uri="{9D8B030D-6E8A-4147-A177-3AD203B41FA5}">
-                      <a16:colId xmlns:a16="http://schemas.microsoft.com/office/drawing/2014/main" val="20002"/>
-                    </a:ext>
-                  </a:extLst>
-                </a:gridCol>
-                <a:gridCol w="2032000">
-                  <a:extLst>
-                    <a:ext uri="{9D8B030D-6E8A-4147-A177-3AD203B41FA5}">
-                      <a16:colId xmlns:a16="http://schemas.microsoft.com/office/drawing/2014/main" val="20003"/>
-                    </a:ext>
-                  </a:extLst>
-                </a:gridCol>
-              </a:tblGrid>
-              <a:tr h="370840">
-                <a:tc>
-                  <a:txBody>
-                    <a:bodyPr/>
-                    <a:lstStyle/>
-                    <a:p>
-                      <a:r>
-                        <a:rPr lang="pl-PL" dirty="0"/>
-                        <a:t>Argument</a:t>
-                      </a:r>
-                    </a:p>
-                  </a:txBody>
-                  <a:tcPr/>
-                </a:tc>
-                <a:tc>
-                  <a:txBody>
-                    <a:bodyPr/>
-                    <a:lstStyle/>
-                    <a:p>
-                      <a:pPr algn="ctr"/>
-                      <a:r>
-                        <a:rPr lang="pl-PL" dirty="0"/>
-                        <a:t>2; 10</a:t>
-                      </a:r>
-                    </a:p>
-                  </a:txBody>
-                  <a:tcPr/>
-                </a:tc>
-                <a:tc>
-                  <a:txBody>
-                    <a:bodyPr/>
-                    <a:lstStyle/>
-                    <a:p>
-                      <a:pPr algn="ctr"/>
-                      <a:r>
-                        <a:rPr lang="pl-PL" dirty="0"/>
-                        <a:t>3; 3</a:t>
-                      </a:r>
-                    </a:p>
-                  </a:txBody>
-                  <a:tcPr/>
-                </a:tc>
-                <a:tc>
-                  <a:txBody>
-                    <a:bodyPr/>
-                    <a:lstStyle/>
-                    <a:p>
-                      <a:pPr algn="ctr"/>
-                      <a:r>
-                        <a:rPr lang="pl-PL" dirty="0"/>
-                        <a:t>1; 5</a:t>
-                      </a:r>
-                    </a:p>
-                  </a:txBody>
-                  <a:tcPr/>
-                </a:tc>
-                <a:extLst>
-                  <a:ext uri="{0D108BD9-81ED-4DB2-BD59-A6C34878D82A}">
-                    <a16:rowId xmlns:a16="http://schemas.microsoft.com/office/drawing/2014/main" val="10000"/>
-                  </a:ext>
-                </a:extLst>
-              </a:tr>
-              <a:tr h="370840">
-                <a:tc>
-                  <a:txBody>
-                    <a:bodyPr/>
-                    <a:lstStyle/>
-                    <a:p>
-                      <a:r>
-                        <a:rPr lang="pl-PL" dirty="0"/>
-                        <a:t>Wynik</a:t>
-                      </a:r>
-                    </a:p>
-                  </a:txBody>
-                  <a:tcPr/>
-                </a:tc>
-                <a:tc>
-                  <a:txBody>
-                    <a:bodyPr/>
-                    <a:lstStyle/>
-                    <a:p>
-                      <a:pPr algn="ctr"/>
-                      <a:r>
-                        <a:rPr lang="pl-PL" dirty="0"/>
-                        <a:t>1024</a:t>
-                      </a:r>
-                    </a:p>
-                  </a:txBody>
-                  <a:tcPr/>
-                </a:tc>
-                <a:tc>
-                  <a:txBody>
-                    <a:bodyPr/>
-                    <a:lstStyle/>
-                    <a:p>
-                      <a:pPr algn="ctr"/>
-                      <a:r>
-                        <a:rPr lang="pl-PL" dirty="0"/>
-                        <a:t>27</a:t>
-                      </a:r>
-                    </a:p>
-                  </a:txBody>
-                  <a:tcPr/>
-                </a:tc>
-                <a:tc>
-                  <a:txBody>
-                    <a:bodyPr/>
-                    <a:lstStyle/>
-                    <a:p>
-                      <a:pPr algn="ctr"/>
-                      <a:r>
-                        <a:rPr lang="pl-PL" dirty="0"/>
-                        <a:t>1</a:t>
-                      </a:r>
-                    </a:p>
-                  </a:txBody>
-                  <a:tcPr/>
-                </a:tc>
-                <a:extLst>
-                  <a:ext uri="{0D108BD9-81ED-4DB2-BD59-A6C34878D82A}">
-                    <a16:rowId xmlns:a16="http://schemas.microsoft.com/office/drawing/2014/main" val="10001"/>
-                  </a:ext>
-                </a:extLst>
-              </a:tr>
-            </a:tbl>
-          </a:graphicData>
-        </a:graphic>
-      </p:graphicFrame>
-      <p:sp>
-        <p:nvSpPr>
-          <p:cNvPr id="3" name="pole tekstowe 2">
-            <a:extLst>
-              <a:ext uri="{FF2B5EF4-FFF2-40B4-BE49-F238E27FC236}">
-                <a16:creationId xmlns:a16="http://schemas.microsoft.com/office/drawing/2014/main" id="{B9300B6F-B5E9-F54E-AFDC-88E93D97A241}"/>
-              </a:ext>
-            </a:extLst>
-          </p:cNvPr>
-          <p:cNvSpPr txBox="1"/>
-          <p:nvPr/>
-        </p:nvSpPr>
-        <p:spPr>
-          <a:xfrm>
-            <a:off x="212426" y="133815"/>
-            <a:ext cx="1020023" cy="369332"/>
-          </a:xfrm>
-          <a:prstGeom prst="rect">
-            <a:avLst/>
-          </a:prstGeom>
-          <a:noFill/>
-        </p:spPr>
-        <p:txBody>
-          <a:bodyPr wrap="none" rtlCol="0">
-            <a:spAutoFit/>
-          </a:bodyPr>
-          <a:lstStyle/>
-          <a:p>
-            <a:r>
-              <a:rPr lang="pl-PL" b="1" dirty="0"/>
-              <a:t>Wersja C</a:t>
-            </a:r>
-          </a:p>
-        </p:txBody>
-      </p:sp>
-      <p:sp>
-        <p:nvSpPr>
-          <p:cNvPr id="6" name="pole tekstowe 5">
-            <a:extLst>
-              <a:ext uri="{FF2B5EF4-FFF2-40B4-BE49-F238E27FC236}">
-                <a16:creationId xmlns:a16="http://schemas.microsoft.com/office/drawing/2014/main" id="{CA473999-28DF-844A-B941-4525EDE46562}"/>
-              </a:ext>
-            </a:extLst>
-          </p:cNvPr>
-          <p:cNvSpPr txBox="1"/>
-          <p:nvPr/>
-        </p:nvSpPr>
-        <p:spPr>
-          <a:xfrm>
-            <a:off x="780288" y="2219092"/>
-            <a:ext cx="9379712" cy="1969770"/>
-          </a:xfrm>
-          <a:prstGeom prst="rect">
-            <a:avLst/>
-          </a:prstGeom>
-          <a:noFill/>
-        </p:spPr>
-        <p:txBody>
-          <a:bodyPr wrap="square" rtlCol="0">
-            <a:spAutoFit/>
-          </a:bodyPr>
-          <a:lstStyle/>
-          <a:p>
-            <a:r>
-              <a:rPr lang="pl-PL" sz="2400" b="1" dirty="0"/>
-              <a:t>Specyfikacja</a:t>
-            </a:r>
-          </a:p>
-          <a:p>
-            <a:endParaRPr lang="pl-PL" dirty="0"/>
-          </a:p>
-          <a:p>
-            <a:r>
-              <a:rPr lang="pl-PL" sz="2000" b="1" dirty="0"/>
-              <a:t>Dane</a:t>
-            </a:r>
-            <a:r>
-              <a:rPr lang="pl-PL" sz="2000" dirty="0"/>
-              <a:t>:</a:t>
-            </a:r>
-          </a:p>
-          <a:p>
-            <a:pPr marL="742950" lvl="1" indent="-285750">
-              <a:buFont typeface="Arial" panose="020B0604020202020204" pitchFamily="34" charset="0"/>
-              <a:buChar char="•"/>
-            </a:pPr>
-            <a:r>
-              <a:rPr lang="pl-PL" sz="2000" dirty="0"/>
-              <a:t>a, b - Dwie liczby całkowite</a:t>
-            </a:r>
-          </a:p>
-          <a:p>
-            <a:r>
-              <a:rPr lang="pl-PL" sz="2000" b="1" dirty="0"/>
-              <a:t>Wynik</a:t>
-            </a:r>
-            <a:r>
-              <a:rPr lang="pl-PL" sz="2000" dirty="0"/>
-              <a:t>:</a:t>
-            </a:r>
-          </a:p>
-          <a:p>
-            <a:pPr marL="742950" lvl="1" indent="-285750">
-              <a:buFont typeface="Arial" panose="020B0604020202020204" pitchFamily="34" charset="0"/>
-              <a:buChar char="•"/>
-            </a:pPr>
-            <a:r>
-              <a:rPr lang="pl-PL" sz="2000" dirty="0"/>
-              <a:t>Wynik potęgowania: a</a:t>
-            </a:r>
-            <a:r>
-              <a:rPr lang="pl-PL" sz="2000" baseline="30000" dirty="0"/>
-              <a:t>b</a:t>
-            </a:r>
-            <a:r>
-              <a:rPr lang="pl-PL" sz="2000" dirty="0"/>
-              <a:t> </a:t>
-            </a:r>
-          </a:p>
-        </p:txBody>
-      </p:sp>
-    </p:spTree>
-    <p:extLst>
-      <p:ext uri="{BB962C8B-B14F-4D97-AF65-F5344CB8AC3E}">
-        <p14:creationId xmlns:p14="http://schemas.microsoft.com/office/powerpoint/2010/main" val="3608074227"/>
-      </p:ext>
-    </p:extLst>
-  </p:cSld>
-  <p:clrMapOvr>
-    <a:masterClrMapping/>
-  </p:clrMapOvr>
-</p:sld>
-</file>
-
-<file path=ppt/slides/slide13.xml><?xml version="1.0" encoding="utf-8"?>
-<p:sld xmlns:a="http://schemas.openxmlformats.org/drawingml/2006/main" xmlns:r="http://schemas.openxmlformats.org/officeDocument/2006/relationships" xmlns:p="http://schemas.openxmlformats.org/presentationml/2006/main">
-  <p:cSld>
-    <p:spTree>
-      <p:nvGrpSpPr>
-        <p:cNvPr id="1" name=""/>
-        <p:cNvGrpSpPr/>
-        <p:nvPr/>
-      </p:nvGrpSpPr>
-      <p:grpSpPr>
-        <a:xfrm>
-          <a:off x="0" y="0"/>
-          <a:ext cx="0" cy="0"/>
-          <a:chOff x="0" y="0"/>
-          <a:chExt cx="0" cy="0"/>
-        </a:xfrm>
-      </p:grpSpPr>
-      <p:sp>
-        <p:nvSpPr>
-          <p:cNvPr id="4" name="pole tekstowe 3"/>
-          <p:cNvSpPr txBox="1"/>
-          <p:nvPr/>
-        </p:nvSpPr>
-        <p:spPr>
-          <a:xfrm>
-            <a:off x="780288" y="573024"/>
-            <a:ext cx="1621536" cy="369332"/>
-          </a:xfrm>
-          <a:prstGeom prst="rect">
-            <a:avLst/>
-          </a:prstGeom>
-          <a:noFill/>
-        </p:spPr>
-        <p:txBody>
-          <a:bodyPr wrap="square" rtlCol="0">
-            <a:spAutoFit/>
-          </a:bodyPr>
-          <a:lstStyle/>
-          <a:p>
-            <a:r>
-              <a:rPr lang="pl-PL" dirty="0"/>
-              <a:t>Funkcja 3</a:t>
-            </a:r>
-          </a:p>
-        </p:txBody>
-      </p:sp>
-      <p:graphicFrame>
-        <p:nvGraphicFramePr>
-          <p:cNvPr id="5" name="Tabela 4"/>
-          <p:cNvGraphicFramePr>
-            <a:graphicFrameLocks noGrp="1"/>
-          </p:cNvGraphicFramePr>
-          <p:nvPr>
-            <p:extLst>
-              <p:ext uri="{D42A27DB-BD31-4B8C-83A1-F6EECF244321}">
-                <p14:modId xmlns:p14="http://schemas.microsoft.com/office/powerpoint/2010/main" val="627608141"/>
-              </p:ext>
-            </p:extLst>
-          </p:nvPr>
-        </p:nvGraphicFramePr>
-        <p:xfrm>
-          <a:off x="2032000" y="1012274"/>
-          <a:ext cx="8128000" cy="741680"/>
-        </p:xfrm>
-        <a:graphic>
-          <a:graphicData uri="http://schemas.openxmlformats.org/drawingml/2006/table">
-            <a:tbl>
-              <a:tblPr firstRow="1" bandRow="1">
-                <a:tableStyleId>{5C22544A-7EE6-4342-B048-85BDC9FD1C3A}</a:tableStyleId>
-              </a:tblPr>
-              <a:tblGrid>
-                <a:gridCol w="2032000">
-                  <a:extLst>
-                    <a:ext uri="{9D8B030D-6E8A-4147-A177-3AD203B41FA5}">
-                      <a16:colId xmlns:a16="http://schemas.microsoft.com/office/drawing/2014/main" val="20000"/>
-                    </a:ext>
-                  </a:extLst>
-                </a:gridCol>
-                <a:gridCol w="2032000">
-                  <a:extLst>
-                    <a:ext uri="{9D8B030D-6E8A-4147-A177-3AD203B41FA5}">
-                      <a16:colId xmlns:a16="http://schemas.microsoft.com/office/drawing/2014/main" val="20001"/>
-                    </a:ext>
-                  </a:extLst>
-                </a:gridCol>
-                <a:gridCol w="2032000">
-                  <a:extLst>
-                    <a:ext uri="{9D8B030D-6E8A-4147-A177-3AD203B41FA5}">
-                      <a16:colId xmlns:a16="http://schemas.microsoft.com/office/drawing/2014/main" val="20002"/>
-                    </a:ext>
-                  </a:extLst>
-                </a:gridCol>
-                <a:gridCol w="2032000">
-                  <a:extLst>
-                    <a:ext uri="{9D8B030D-6E8A-4147-A177-3AD203B41FA5}">
-                      <a16:colId xmlns:a16="http://schemas.microsoft.com/office/drawing/2014/main" val="20003"/>
-                    </a:ext>
-                  </a:extLst>
-                </a:gridCol>
-              </a:tblGrid>
-              <a:tr h="370840">
-                <a:tc>
-                  <a:txBody>
-                    <a:bodyPr/>
-                    <a:lstStyle/>
-                    <a:p>
-                      <a:r>
-                        <a:rPr lang="pl-PL" dirty="0"/>
-                        <a:t>Argument</a:t>
-                      </a:r>
-                    </a:p>
-                  </a:txBody>
-                  <a:tcPr/>
-                </a:tc>
-                <a:tc>
-                  <a:txBody>
-                    <a:bodyPr/>
-                    <a:lstStyle/>
-                    <a:p>
-                      <a:pPr algn="ctr"/>
-                      <a:r>
-                        <a:rPr lang="pl-PL" dirty="0"/>
-                        <a:t>3</a:t>
-                      </a:r>
-                    </a:p>
-                  </a:txBody>
-                  <a:tcPr/>
-                </a:tc>
-                <a:tc>
-                  <a:txBody>
-                    <a:bodyPr/>
-                    <a:lstStyle/>
-                    <a:p>
-                      <a:pPr algn="ctr"/>
-                      <a:r>
-                        <a:rPr lang="pl-PL" dirty="0"/>
-                        <a:t>14</a:t>
-                      </a:r>
-                    </a:p>
-                  </a:txBody>
-                  <a:tcPr/>
-                </a:tc>
-                <a:tc>
-                  <a:txBody>
-                    <a:bodyPr/>
-                    <a:lstStyle/>
-                    <a:p>
-                      <a:pPr algn="ctr"/>
-                      <a:r>
-                        <a:rPr lang="pl-PL" dirty="0"/>
-                        <a:t>100</a:t>
-                      </a:r>
-                    </a:p>
-                  </a:txBody>
-                  <a:tcPr/>
-                </a:tc>
-                <a:extLst>
-                  <a:ext uri="{0D108BD9-81ED-4DB2-BD59-A6C34878D82A}">
-                    <a16:rowId xmlns:a16="http://schemas.microsoft.com/office/drawing/2014/main" val="10000"/>
-                  </a:ext>
-                </a:extLst>
-              </a:tr>
-              <a:tr h="370840">
-                <a:tc>
-                  <a:txBody>
-                    <a:bodyPr/>
-                    <a:lstStyle/>
-                    <a:p>
-                      <a:r>
-                        <a:rPr lang="pl-PL" dirty="0"/>
-                        <a:t>Wynik</a:t>
-                      </a:r>
-                    </a:p>
-                  </a:txBody>
-                  <a:tcPr/>
-                </a:tc>
-                <a:tc>
-                  <a:txBody>
-                    <a:bodyPr/>
-                    <a:lstStyle/>
-                    <a:p>
-                      <a:pPr algn="ctr"/>
-                      <a:r>
-                        <a:rPr lang="pl-PL" dirty="0"/>
-                        <a:t>3</a:t>
-                      </a:r>
-                    </a:p>
-                  </a:txBody>
-                  <a:tcPr/>
-                </a:tc>
-                <a:tc>
-                  <a:txBody>
-                    <a:bodyPr/>
-                    <a:lstStyle/>
-                    <a:p>
-                      <a:pPr algn="ctr"/>
-                      <a:r>
-                        <a:rPr lang="pl-PL" dirty="0"/>
-                        <a:t>16</a:t>
-                      </a:r>
-                    </a:p>
-                  </a:txBody>
-                  <a:tcPr/>
-                </a:tc>
-                <a:tc>
-                  <a:txBody>
-                    <a:bodyPr/>
-                    <a:lstStyle/>
-                    <a:p>
-                      <a:pPr algn="ctr"/>
-                      <a:r>
-                        <a:rPr lang="pl-PL" dirty="0"/>
-                        <a:t>144</a:t>
-                      </a:r>
-                    </a:p>
-                  </a:txBody>
-                  <a:tcPr/>
-                </a:tc>
-                <a:extLst>
-                  <a:ext uri="{0D108BD9-81ED-4DB2-BD59-A6C34878D82A}">
-                    <a16:rowId xmlns:a16="http://schemas.microsoft.com/office/drawing/2014/main" val="10001"/>
-                  </a:ext>
-                </a:extLst>
-              </a:tr>
-            </a:tbl>
-          </a:graphicData>
-        </a:graphic>
-      </p:graphicFrame>
-      <p:sp>
-        <p:nvSpPr>
-          <p:cNvPr id="3" name="pole tekstowe 2">
-            <a:extLst>
-              <a:ext uri="{FF2B5EF4-FFF2-40B4-BE49-F238E27FC236}">
-                <a16:creationId xmlns:a16="http://schemas.microsoft.com/office/drawing/2014/main" id="{B9300B6F-B5E9-F54E-AFDC-88E93D97A241}"/>
-              </a:ext>
-            </a:extLst>
-          </p:cNvPr>
-          <p:cNvSpPr txBox="1"/>
-          <p:nvPr/>
-        </p:nvSpPr>
-        <p:spPr>
-          <a:xfrm>
-            <a:off x="212426" y="133815"/>
-            <a:ext cx="1020023" cy="369332"/>
-          </a:xfrm>
-          <a:prstGeom prst="rect">
-            <a:avLst/>
-          </a:prstGeom>
-          <a:noFill/>
-        </p:spPr>
-        <p:txBody>
-          <a:bodyPr wrap="none" rtlCol="0">
-            <a:spAutoFit/>
-          </a:bodyPr>
-          <a:lstStyle/>
-          <a:p>
-            <a:r>
-              <a:rPr lang="pl-PL" b="1" dirty="0"/>
-              <a:t>Wersja C</a:t>
-            </a:r>
-          </a:p>
-        </p:txBody>
-      </p:sp>
-      <p:sp>
-        <p:nvSpPr>
-          <p:cNvPr id="7" name="pole tekstowe 6">
-            <a:extLst>
-              <a:ext uri="{FF2B5EF4-FFF2-40B4-BE49-F238E27FC236}">
-                <a16:creationId xmlns:a16="http://schemas.microsoft.com/office/drawing/2014/main" id="{803D24FF-CCF2-0745-B495-A95BC261222C}"/>
-              </a:ext>
-            </a:extLst>
-          </p:cNvPr>
-          <p:cNvSpPr txBox="1"/>
-          <p:nvPr/>
-        </p:nvSpPr>
-        <p:spPr>
-          <a:xfrm>
-            <a:off x="780288" y="2219092"/>
-            <a:ext cx="9379712" cy="1969770"/>
-          </a:xfrm>
-          <a:prstGeom prst="rect">
-            <a:avLst/>
-          </a:prstGeom>
-          <a:noFill/>
-        </p:spPr>
-        <p:txBody>
-          <a:bodyPr wrap="square" rtlCol="0">
-            <a:spAutoFit/>
-          </a:bodyPr>
-          <a:lstStyle/>
-          <a:p>
-            <a:r>
-              <a:rPr lang="pl-PL" sz="2400" b="1" dirty="0"/>
-              <a:t>Specyfikacja</a:t>
-            </a:r>
-          </a:p>
-          <a:p>
-            <a:endParaRPr lang="pl-PL" dirty="0"/>
-          </a:p>
-          <a:p>
-            <a:r>
-              <a:rPr lang="pl-PL" sz="2000" b="1" dirty="0"/>
-              <a:t>Dane</a:t>
-            </a:r>
-            <a:r>
-              <a:rPr lang="pl-PL" sz="2000" dirty="0"/>
-              <a:t>:</a:t>
-            </a:r>
-          </a:p>
-          <a:p>
-            <a:pPr marL="742950" lvl="1" indent="-285750">
-              <a:buFont typeface="Arial" panose="020B0604020202020204" pitchFamily="34" charset="0"/>
-              <a:buChar char="•"/>
-            </a:pPr>
-            <a:r>
-              <a:rPr lang="pl-PL" sz="2000" dirty="0"/>
-              <a:t>Liczba naturalna</a:t>
-            </a:r>
-          </a:p>
-          <a:p>
-            <a:r>
-              <a:rPr lang="pl-PL" sz="2000" b="1" dirty="0"/>
-              <a:t>Wynik</a:t>
-            </a:r>
-            <a:r>
-              <a:rPr lang="pl-PL" sz="2000" dirty="0"/>
-              <a:t>:</a:t>
-            </a:r>
-          </a:p>
-          <a:p>
-            <a:pPr marL="742950" lvl="1" indent="-285750">
-              <a:buFont typeface="Arial" panose="020B0604020202020204" pitchFamily="34" charset="0"/>
-              <a:buChar char="•"/>
-            </a:pPr>
-            <a:r>
-              <a:rPr lang="pl-PL" sz="2000" dirty="0"/>
-              <a:t>Zapis podanej liczby w systemie ósemkowym</a:t>
-            </a:r>
-          </a:p>
-        </p:txBody>
-      </p:sp>
-    </p:spTree>
-    <p:extLst>
-      <p:ext uri="{BB962C8B-B14F-4D97-AF65-F5344CB8AC3E}">
-        <p14:creationId xmlns:p14="http://schemas.microsoft.com/office/powerpoint/2010/main" val="1454105907"/>
-      </p:ext>
-    </p:extLst>
-  </p:cSld>
-  <p:clrMapOvr>
-    <a:masterClrMapping/>
-  </p:clrMapOvr>
-</p:sld>
-</file>
-
-<file path=ppt/slides/slide2.xml><?xml version="1.0" encoding="utf-8"?>
-<p:sld xmlns:a="http://schemas.openxmlformats.org/drawingml/2006/main" xmlns:r="http://schemas.openxmlformats.org/officeDocument/2006/relationships" xmlns:p="http://schemas.openxmlformats.org/presentationml/2006/main">
-  <p:cSld>
-    <p:spTree>
-      <p:nvGrpSpPr>
-        <p:cNvPr id="1" name=""/>
-        <p:cNvGrpSpPr/>
-        <p:nvPr/>
-      </p:nvGrpSpPr>
-      <p:grpSpPr>
-        <a:xfrm>
-          <a:off x="0" y="0"/>
-          <a:ext cx="0" cy="0"/>
-          <a:chOff x="0" y="0"/>
-          <a:chExt cx="0" cy="0"/>
-        </a:xfrm>
-      </p:grpSpPr>
-      <p:sp>
-        <p:nvSpPr>
-          <p:cNvPr id="4" name="pole tekstowe 3"/>
-          <p:cNvSpPr txBox="1"/>
-          <p:nvPr/>
-        </p:nvSpPr>
-        <p:spPr>
-          <a:xfrm>
-            <a:off x="780288" y="573024"/>
-            <a:ext cx="1621536" cy="369332"/>
-          </a:xfrm>
-          <a:prstGeom prst="rect">
-            <a:avLst/>
-          </a:prstGeom>
-          <a:noFill/>
-        </p:spPr>
-        <p:txBody>
-          <a:bodyPr wrap="square" rtlCol="0">
-            <a:spAutoFit/>
-          </a:bodyPr>
-          <a:lstStyle/>
-          <a:p>
-            <a:r>
-              <a:rPr lang="pl-PL" dirty="0"/>
-              <a:t>Funkcja 1</a:t>
-            </a:r>
-          </a:p>
-        </p:txBody>
-      </p:sp>
-      <p:graphicFrame>
-        <p:nvGraphicFramePr>
-          <p:cNvPr id="5" name="Tabela 4"/>
-          <p:cNvGraphicFramePr>
-            <a:graphicFrameLocks noGrp="1"/>
-          </p:cNvGraphicFramePr>
-          <p:nvPr>
-            <p:extLst>
-              <p:ext uri="{D42A27DB-BD31-4B8C-83A1-F6EECF244321}">
-                <p14:modId xmlns:p14="http://schemas.microsoft.com/office/powerpoint/2010/main" val="1498137047"/>
-              </p:ext>
-            </p:extLst>
-          </p:nvPr>
-        </p:nvGraphicFramePr>
-        <p:xfrm>
-          <a:off x="2032000" y="1012274"/>
-          <a:ext cx="8128000" cy="741680"/>
-        </p:xfrm>
-        <a:graphic>
-          <a:graphicData uri="http://schemas.openxmlformats.org/drawingml/2006/table">
-            <a:tbl>
-              <a:tblPr firstRow="1" bandRow="1">
-                <a:tableStyleId>{5C22544A-7EE6-4342-B048-85BDC9FD1C3A}</a:tableStyleId>
-              </a:tblPr>
-              <a:tblGrid>
-                <a:gridCol w="2032000">
-                  <a:extLst>
-                    <a:ext uri="{9D8B030D-6E8A-4147-A177-3AD203B41FA5}">
-                      <a16:colId xmlns:a16="http://schemas.microsoft.com/office/drawing/2014/main" val="20000"/>
-                    </a:ext>
-                  </a:extLst>
-                </a:gridCol>
-                <a:gridCol w="2032000">
-                  <a:extLst>
-                    <a:ext uri="{9D8B030D-6E8A-4147-A177-3AD203B41FA5}">
-                      <a16:colId xmlns:a16="http://schemas.microsoft.com/office/drawing/2014/main" val="20001"/>
-                    </a:ext>
-                  </a:extLst>
-                </a:gridCol>
-                <a:gridCol w="2032000">
-                  <a:extLst>
-                    <a:ext uri="{9D8B030D-6E8A-4147-A177-3AD203B41FA5}">
-                      <a16:colId xmlns:a16="http://schemas.microsoft.com/office/drawing/2014/main" val="20002"/>
-                    </a:ext>
-                  </a:extLst>
-                </a:gridCol>
-                <a:gridCol w="2032000">
-                  <a:extLst>
-                    <a:ext uri="{9D8B030D-6E8A-4147-A177-3AD203B41FA5}">
-                      <a16:colId xmlns:a16="http://schemas.microsoft.com/office/drawing/2014/main" val="20003"/>
-                    </a:ext>
-                  </a:extLst>
-                </a:gridCol>
-              </a:tblGrid>
-              <a:tr h="370840">
-                <a:tc>
-                  <a:txBody>
-                    <a:bodyPr/>
-                    <a:lstStyle/>
-                    <a:p>
-                      <a:r>
-                        <a:rPr lang="pl-PL" dirty="0"/>
-                        <a:t>Argument</a:t>
-                      </a:r>
-                    </a:p>
-                  </a:txBody>
-                  <a:tcPr/>
-                </a:tc>
-                <a:tc>
-                  <a:txBody>
-                    <a:bodyPr/>
-                    <a:lstStyle/>
-                    <a:p>
-                      <a:pPr algn="ctr"/>
-                      <a:r>
-                        <a:rPr lang="pl-PL" dirty="0"/>
-                        <a:t>a</a:t>
-                      </a:r>
-                    </a:p>
-                  </a:txBody>
-                  <a:tcPr/>
-                </a:tc>
-                <a:tc>
-                  <a:txBody>
-                    <a:bodyPr/>
-                    <a:lstStyle/>
-                    <a:p>
-                      <a:pPr algn="ctr"/>
-                      <a:r>
-                        <a:rPr lang="pl-PL" dirty="0"/>
-                        <a:t>g</a:t>
-                      </a:r>
-                    </a:p>
-                  </a:txBody>
-                  <a:tcPr/>
-                </a:tc>
-                <a:tc>
-                  <a:txBody>
-                    <a:bodyPr/>
-                    <a:lstStyle/>
-                    <a:p>
-                      <a:pPr algn="ctr"/>
-                      <a:r>
-                        <a:rPr lang="pl-PL" dirty="0"/>
-                        <a:t>z</a:t>
-                      </a:r>
-                    </a:p>
-                  </a:txBody>
-                  <a:tcPr/>
-                </a:tc>
-                <a:extLst>
-                  <a:ext uri="{0D108BD9-81ED-4DB2-BD59-A6C34878D82A}">
-                    <a16:rowId xmlns:a16="http://schemas.microsoft.com/office/drawing/2014/main" val="10000"/>
-                  </a:ext>
-                </a:extLst>
-              </a:tr>
-              <a:tr h="370840">
-                <a:tc>
-                  <a:txBody>
-                    <a:bodyPr/>
-                    <a:lstStyle/>
-                    <a:p>
-                      <a:r>
-                        <a:rPr lang="pl-PL" dirty="0"/>
-                        <a:t>Wynik</a:t>
-                      </a:r>
-                    </a:p>
-                  </a:txBody>
-                  <a:tcPr/>
-                </a:tc>
-                <a:tc>
-                  <a:txBody>
-                    <a:bodyPr/>
-                    <a:lstStyle/>
-                    <a:p>
-                      <a:pPr algn="ctr"/>
-                      <a:r>
-                        <a:rPr lang="pl-PL" dirty="0"/>
-                        <a:t>b</a:t>
-                      </a:r>
-                    </a:p>
-                  </a:txBody>
-                  <a:tcPr/>
-                </a:tc>
-                <a:tc>
-                  <a:txBody>
-                    <a:bodyPr/>
-                    <a:lstStyle/>
-                    <a:p>
-                      <a:pPr algn="ctr"/>
-                      <a:r>
-                        <a:rPr lang="pl-PL" dirty="0"/>
-                        <a:t>h</a:t>
-                      </a:r>
-                    </a:p>
-                  </a:txBody>
-                  <a:tcPr/>
-                </a:tc>
-                <a:tc>
-                  <a:txBody>
-                    <a:bodyPr/>
-                    <a:lstStyle/>
-                    <a:p>
-                      <a:pPr algn="ctr"/>
-                      <a:r>
-                        <a:rPr lang="pl-PL" dirty="0"/>
-                        <a:t>a</a:t>
-                      </a:r>
-                    </a:p>
-                  </a:txBody>
-                  <a:tcPr/>
-                </a:tc>
-                <a:extLst>
-                  <a:ext uri="{0D108BD9-81ED-4DB2-BD59-A6C34878D82A}">
-                    <a16:rowId xmlns:a16="http://schemas.microsoft.com/office/drawing/2014/main" val="10001"/>
-                  </a:ext>
-                </a:extLst>
-              </a:tr>
-            </a:tbl>
-          </a:graphicData>
-        </a:graphic>
-      </p:graphicFrame>
-      <p:sp>
-        <p:nvSpPr>
-          <p:cNvPr id="6" name="pole tekstowe 5"/>
-          <p:cNvSpPr txBox="1"/>
-          <p:nvPr/>
-        </p:nvSpPr>
-        <p:spPr>
-          <a:xfrm>
-            <a:off x="719328" y="2877312"/>
-            <a:ext cx="1292352" cy="369332"/>
-          </a:xfrm>
-          <a:prstGeom prst="rect">
-            <a:avLst/>
-          </a:prstGeom>
-          <a:noFill/>
-        </p:spPr>
-        <p:txBody>
-          <a:bodyPr wrap="square" rtlCol="0">
-            <a:spAutoFit/>
-          </a:bodyPr>
-          <a:lstStyle/>
-          <a:p>
-            <a:r>
-              <a:rPr lang="pl-PL" dirty="0"/>
-              <a:t>Funkcja 2</a:t>
-            </a:r>
-          </a:p>
-        </p:txBody>
-      </p:sp>
-      <p:graphicFrame>
-        <p:nvGraphicFramePr>
-          <p:cNvPr id="7" name="Tabela 6"/>
-          <p:cNvGraphicFramePr>
-            <a:graphicFrameLocks noGrp="1"/>
-          </p:cNvGraphicFramePr>
-          <p:nvPr>
-            <p:extLst>
-              <p:ext uri="{D42A27DB-BD31-4B8C-83A1-F6EECF244321}">
-                <p14:modId xmlns:p14="http://schemas.microsoft.com/office/powerpoint/2010/main" val="3616537338"/>
-              </p:ext>
-            </p:extLst>
-          </p:nvPr>
-        </p:nvGraphicFramePr>
-        <p:xfrm>
-          <a:off x="2007616" y="3292178"/>
-          <a:ext cx="8128000" cy="741680"/>
-        </p:xfrm>
-        <a:graphic>
-          <a:graphicData uri="http://schemas.openxmlformats.org/drawingml/2006/table">
-            <a:tbl>
-              <a:tblPr firstRow="1" bandRow="1">
-                <a:tableStyleId>{5C22544A-7EE6-4342-B048-85BDC9FD1C3A}</a:tableStyleId>
-              </a:tblPr>
-              <a:tblGrid>
-                <a:gridCol w="2032000">
-                  <a:extLst>
-                    <a:ext uri="{9D8B030D-6E8A-4147-A177-3AD203B41FA5}">
-                      <a16:colId xmlns:a16="http://schemas.microsoft.com/office/drawing/2014/main" val="20000"/>
-                    </a:ext>
-                  </a:extLst>
-                </a:gridCol>
-                <a:gridCol w="2032000">
-                  <a:extLst>
-                    <a:ext uri="{9D8B030D-6E8A-4147-A177-3AD203B41FA5}">
-                      <a16:colId xmlns:a16="http://schemas.microsoft.com/office/drawing/2014/main" val="20001"/>
-                    </a:ext>
-                  </a:extLst>
-                </a:gridCol>
-                <a:gridCol w="2032000">
-                  <a:extLst>
-                    <a:ext uri="{9D8B030D-6E8A-4147-A177-3AD203B41FA5}">
-                      <a16:colId xmlns:a16="http://schemas.microsoft.com/office/drawing/2014/main" val="20002"/>
-                    </a:ext>
-                  </a:extLst>
-                </a:gridCol>
-                <a:gridCol w="2032000">
-                  <a:extLst>
-                    <a:ext uri="{9D8B030D-6E8A-4147-A177-3AD203B41FA5}">
-                      <a16:colId xmlns:a16="http://schemas.microsoft.com/office/drawing/2014/main" val="20003"/>
-                    </a:ext>
-                  </a:extLst>
-                </a:gridCol>
-              </a:tblGrid>
-              <a:tr h="370840">
-                <a:tc>
-                  <a:txBody>
-                    <a:bodyPr/>
-                    <a:lstStyle/>
-                    <a:p>
-                      <a:r>
-                        <a:rPr lang="pl-PL" dirty="0"/>
-                        <a:t>Argument</a:t>
-                      </a:r>
-                    </a:p>
-                  </a:txBody>
-                  <a:tcPr/>
-                </a:tc>
-                <a:tc>
-                  <a:txBody>
-                    <a:bodyPr/>
-                    <a:lstStyle/>
-                    <a:p>
-                      <a:pPr algn="ctr"/>
-                      <a:r>
-                        <a:rPr lang="pl-PL" dirty="0"/>
-                        <a:t>12; 4</a:t>
-                      </a:r>
-                    </a:p>
-                  </a:txBody>
-                  <a:tcPr/>
-                </a:tc>
-                <a:tc>
-                  <a:txBody>
-                    <a:bodyPr/>
-                    <a:lstStyle/>
-                    <a:p>
-                      <a:pPr algn="ctr"/>
-                      <a:r>
-                        <a:rPr lang="pl-PL" dirty="0"/>
-                        <a:t>3; 5</a:t>
-                      </a:r>
-                    </a:p>
-                  </a:txBody>
-                  <a:tcPr/>
-                </a:tc>
-                <a:tc>
-                  <a:txBody>
-                    <a:bodyPr/>
-                    <a:lstStyle/>
-                    <a:p>
-                      <a:pPr algn="ctr"/>
-                      <a:r>
-                        <a:rPr lang="pl-PL" dirty="0"/>
-                        <a:t>7; 5</a:t>
-                      </a:r>
-                    </a:p>
-                  </a:txBody>
-                  <a:tcPr/>
-                </a:tc>
-                <a:extLst>
-                  <a:ext uri="{0D108BD9-81ED-4DB2-BD59-A6C34878D82A}">
-                    <a16:rowId xmlns:a16="http://schemas.microsoft.com/office/drawing/2014/main" val="10000"/>
-                  </a:ext>
-                </a:extLst>
-              </a:tr>
-              <a:tr h="370840">
-                <a:tc>
-                  <a:txBody>
-                    <a:bodyPr/>
-                    <a:lstStyle/>
-                    <a:p>
-                      <a:r>
-                        <a:rPr lang="pl-PL" dirty="0"/>
-                        <a:t>Wynik</a:t>
-                      </a:r>
-                    </a:p>
-                  </a:txBody>
-                  <a:tcPr/>
-                </a:tc>
-                <a:tc>
-                  <a:txBody>
-                    <a:bodyPr/>
-                    <a:lstStyle/>
-                    <a:p>
-                      <a:pPr algn="ctr"/>
-                      <a:r>
-                        <a:rPr lang="pl-PL" dirty="0"/>
-                        <a:t>8</a:t>
-                      </a:r>
-                    </a:p>
-                  </a:txBody>
-                  <a:tcPr/>
-                </a:tc>
-                <a:tc>
-                  <a:txBody>
-                    <a:bodyPr/>
-                    <a:lstStyle/>
-                    <a:p>
-                      <a:pPr algn="ctr"/>
-                      <a:r>
-                        <a:rPr lang="pl-PL" dirty="0"/>
-                        <a:t>-2</a:t>
-                      </a:r>
-                    </a:p>
-                  </a:txBody>
-                  <a:tcPr/>
-                </a:tc>
-                <a:tc>
-                  <a:txBody>
-                    <a:bodyPr/>
-                    <a:lstStyle/>
-                    <a:p>
-                      <a:pPr algn="ctr"/>
-                      <a:r>
-                        <a:rPr lang="pl-PL" dirty="0"/>
-                        <a:t>2</a:t>
-                      </a:r>
-                    </a:p>
-                  </a:txBody>
-                  <a:tcPr/>
-                </a:tc>
-                <a:extLst>
-                  <a:ext uri="{0D108BD9-81ED-4DB2-BD59-A6C34878D82A}">
-                    <a16:rowId xmlns:a16="http://schemas.microsoft.com/office/drawing/2014/main" val="10001"/>
-                  </a:ext>
-                </a:extLst>
-              </a:tr>
-            </a:tbl>
-          </a:graphicData>
-        </a:graphic>
-      </p:graphicFrame>
-      <p:sp>
-        <p:nvSpPr>
-          <p:cNvPr id="8" name="pole tekstowe 7"/>
-          <p:cNvSpPr txBox="1"/>
-          <p:nvPr/>
-        </p:nvSpPr>
-        <p:spPr>
-          <a:xfrm>
-            <a:off x="816864" y="5108448"/>
-            <a:ext cx="1243584" cy="369332"/>
-          </a:xfrm>
-          <a:prstGeom prst="rect">
-            <a:avLst/>
-          </a:prstGeom>
-          <a:noFill/>
-        </p:spPr>
-        <p:txBody>
-          <a:bodyPr wrap="square" rtlCol="0">
-            <a:spAutoFit/>
-          </a:bodyPr>
-          <a:lstStyle/>
-          <a:p>
-            <a:r>
-              <a:rPr lang="pl-PL" dirty="0"/>
-              <a:t>Funkcja 3</a:t>
-            </a:r>
-          </a:p>
-        </p:txBody>
-      </p:sp>
-      <p:graphicFrame>
-        <p:nvGraphicFramePr>
-          <p:cNvPr id="9" name="Tabela 8"/>
-          <p:cNvGraphicFramePr>
-            <a:graphicFrameLocks noGrp="1"/>
-          </p:cNvGraphicFramePr>
-          <p:nvPr>
-            <p:extLst>
-              <p:ext uri="{D42A27DB-BD31-4B8C-83A1-F6EECF244321}">
-                <p14:modId xmlns:p14="http://schemas.microsoft.com/office/powerpoint/2010/main" val="1293095138"/>
-              </p:ext>
-            </p:extLst>
-          </p:nvPr>
-        </p:nvGraphicFramePr>
-        <p:xfrm>
-          <a:off x="1983232" y="5340434"/>
-          <a:ext cx="8128000" cy="741680"/>
-        </p:xfrm>
-        <a:graphic>
-          <a:graphicData uri="http://schemas.openxmlformats.org/drawingml/2006/table">
-            <a:tbl>
-              <a:tblPr firstRow="1" bandRow="1">
-                <a:tableStyleId>{5C22544A-7EE6-4342-B048-85BDC9FD1C3A}</a:tableStyleId>
-              </a:tblPr>
-              <a:tblGrid>
-                <a:gridCol w="2032000">
-                  <a:extLst>
-                    <a:ext uri="{9D8B030D-6E8A-4147-A177-3AD203B41FA5}">
-                      <a16:colId xmlns:a16="http://schemas.microsoft.com/office/drawing/2014/main" val="20000"/>
-                    </a:ext>
-                  </a:extLst>
-                </a:gridCol>
-                <a:gridCol w="2032000">
-                  <a:extLst>
-                    <a:ext uri="{9D8B030D-6E8A-4147-A177-3AD203B41FA5}">
-                      <a16:colId xmlns:a16="http://schemas.microsoft.com/office/drawing/2014/main" val="20001"/>
-                    </a:ext>
-                  </a:extLst>
-                </a:gridCol>
-                <a:gridCol w="2032000">
-                  <a:extLst>
-                    <a:ext uri="{9D8B030D-6E8A-4147-A177-3AD203B41FA5}">
-                      <a16:colId xmlns:a16="http://schemas.microsoft.com/office/drawing/2014/main" val="20002"/>
-                    </a:ext>
-                  </a:extLst>
-                </a:gridCol>
-                <a:gridCol w="2032000">
-                  <a:extLst>
-                    <a:ext uri="{9D8B030D-6E8A-4147-A177-3AD203B41FA5}">
-                      <a16:colId xmlns:a16="http://schemas.microsoft.com/office/drawing/2014/main" val="20003"/>
-                    </a:ext>
-                  </a:extLst>
-                </a:gridCol>
-              </a:tblGrid>
-              <a:tr h="370840">
-                <a:tc>
-                  <a:txBody>
-                    <a:bodyPr/>
-                    <a:lstStyle/>
-                    <a:p>
-                      <a:r>
-                        <a:rPr lang="pl-PL" dirty="0"/>
-                        <a:t>Argument</a:t>
-                      </a:r>
-                    </a:p>
-                  </a:txBody>
-                  <a:tcPr/>
-                </a:tc>
-                <a:tc>
-                  <a:txBody>
-                    <a:bodyPr/>
-                    <a:lstStyle/>
-                    <a:p>
-                      <a:pPr algn="ctr"/>
-                      <a:r>
-                        <a:rPr lang="pl-PL" dirty="0"/>
-                        <a:t>a</a:t>
-                      </a:r>
-                    </a:p>
-                  </a:txBody>
-                  <a:tcPr/>
-                </a:tc>
-                <a:tc>
-                  <a:txBody>
-                    <a:bodyPr/>
-                    <a:lstStyle/>
-                    <a:p>
-                      <a:pPr algn="ctr"/>
-                      <a:r>
-                        <a:rPr lang="pl-PL" dirty="0"/>
-                        <a:t>b</a:t>
-                      </a:r>
-                    </a:p>
-                  </a:txBody>
-                  <a:tcPr/>
-                </a:tc>
-                <a:tc>
-                  <a:txBody>
-                    <a:bodyPr/>
-                    <a:lstStyle/>
-                    <a:p>
-                      <a:pPr algn="ctr"/>
-                      <a:r>
-                        <a:rPr lang="pl-PL" dirty="0" err="1"/>
-                        <a:t>r</a:t>
-                      </a:r>
-                      <a:endParaRPr lang="pl-PL" dirty="0"/>
-                    </a:p>
-                  </a:txBody>
-                  <a:tcPr/>
-                </a:tc>
-                <a:extLst>
-                  <a:ext uri="{0D108BD9-81ED-4DB2-BD59-A6C34878D82A}">
-                    <a16:rowId xmlns:a16="http://schemas.microsoft.com/office/drawing/2014/main" val="10000"/>
-                  </a:ext>
-                </a:extLst>
-              </a:tr>
-              <a:tr h="370840">
-                <a:tc>
-                  <a:txBody>
-                    <a:bodyPr/>
-                    <a:lstStyle/>
-                    <a:p>
-                      <a:r>
-                        <a:rPr lang="pl-PL" dirty="0"/>
-                        <a:t>Wynik</a:t>
-                      </a:r>
-                    </a:p>
-                  </a:txBody>
-                  <a:tcPr/>
-                </a:tc>
-                <a:tc>
-                  <a:txBody>
-                    <a:bodyPr/>
-                    <a:lstStyle/>
-                    <a:p>
-                      <a:pPr algn="ctr"/>
-                      <a:r>
-                        <a:rPr lang="pl-PL" dirty="0"/>
-                        <a:t>97</a:t>
-                      </a:r>
-                    </a:p>
-                  </a:txBody>
-                  <a:tcPr/>
-                </a:tc>
-                <a:tc>
-                  <a:txBody>
-                    <a:bodyPr/>
-                    <a:lstStyle/>
-                    <a:p>
-                      <a:pPr algn="ctr"/>
-                      <a:r>
-                        <a:rPr lang="pl-PL" dirty="0"/>
-                        <a:t>98</a:t>
-                      </a:r>
-                    </a:p>
-                  </a:txBody>
-                  <a:tcPr/>
-                </a:tc>
-                <a:tc>
-                  <a:txBody>
-                    <a:bodyPr/>
-                    <a:lstStyle/>
-                    <a:p>
-                      <a:pPr algn="ctr"/>
-                      <a:r>
-                        <a:rPr lang="pl-PL" dirty="0"/>
-                        <a:t>114</a:t>
-                      </a:r>
-                    </a:p>
-                  </a:txBody>
-                  <a:tcPr/>
-                </a:tc>
-                <a:extLst>
-                  <a:ext uri="{0D108BD9-81ED-4DB2-BD59-A6C34878D82A}">
-                    <a16:rowId xmlns:a16="http://schemas.microsoft.com/office/drawing/2014/main" val="10001"/>
-                  </a:ext>
-                </a:extLst>
-              </a:tr>
-            </a:tbl>
-          </a:graphicData>
-        </a:graphic>
-      </p:graphicFrame>
-      <p:sp>
-        <p:nvSpPr>
-          <p:cNvPr id="3" name="pole tekstowe 2">
-            <a:extLst>
-              <a:ext uri="{FF2B5EF4-FFF2-40B4-BE49-F238E27FC236}">
-                <a16:creationId xmlns:a16="http://schemas.microsoft.com/office/drawing/2014/main" id="{B9300B6F-B5E9-F54E-AFDC-88E93D97A241}"/>
-              </a:ext>
-            </a:extLst>
-          </p:cNvPr>
-          <p:cNvSpPr txBox="1"/>
-          <p:nvPr/>
-        </p:nvSpPr>
-        <p:spPr>
-          <a:xfrm>
-            <a:off x="212426" y="133815"/>
-            <a:ext cx="1037656" cy="369332"/>
-          </a:xfrm>
-          <a:prstGeom prst="rect">
-            <a:avLst/>
-          </a:prstGeom>
-          <a:noFill/>
-        </p:spPr>
-        <p:txBody>
-          <a:bodyPr wrap="none" rtlCol="0">
-            <a:spAutoFit/>
-          </a:bodyPr>
-          <a:lstStyle/>
-          <a:p>
-            <a:r>
-              <a:rPr lang="pl-PL" b="1" dirty="0"/>
-              <a:t>Wersja A</a:t>
-            </a:r>
-          </a:p>
-        </p:txBody>
-      </p:sp>
-    </p:spTree>
-  </p:cSld>
-  <p:clrMapOvr>
-    <a:masterClrMapping/>
-  </p:clrMapOvr>
-</p:sld>
-</file>
-
-<file path=ppt/slides/slide3.xml><?xml version="1.0" encoding="utf-8"?>
-<p:sld xmlns:a="http://schemas.openxmlformats.org/drawingml/2006/main" xmlns:r="http://schemas.openxmlformats.org/officeDocument/2006/relationships" xmlns:p="http://schemas.openxmlformats.org/presentationml/2006/main">
-  <p:cSld>
-    <p:spTree>
-      <p:nvGrpSpPr>
-        <p:cNvPr id="1" name=""/>
-        <p:cNvGrpSpPr/>
-        <p:nvPr/>
-      </p:nvGrpSpPr>
-      <p:grpSpPr>
-        <a:xfrm>
-          <a:off x="0" y="0"/>
-          <a:ext cx="0" cy="0"/>
-          <a:chOff x="0" y="0"/>
-          <a:chExt cx="0" cy="0"/>
-        </a:xfrm>
-      </p:grpSpPr>
-      <p:sp>
-        <p:nvSpPr>
-          <p:cNvPr id="4" name="pole tekstowe 3"/>
-          <p:cNvSpPr txBox="1"/>
-          <p:nvPr/>
-        </p:nvSpPr>
-        <p:spPr>
-          <a:xfrm>
-            <a:off x="780288" y="573024"/>
-            <a:ext cx="1621536" cy="369332"/>
-          </a:xfrm>
-          <a:prstGeom prst="rect">
-            <a:avLst/>
-          </a:prstGeom>
-          <a:noFill/>
-        </p:spPr>
-        <p:txBody>
-          <a:bodyPr wrap="square" rtlCol="0">
-            <a:spAutoFit/>
-          </a:bodyPr>
-          <a:lstStyle/>
-          <a:p>
-            <a:r>
-              <a:rPr lang="pl-PL" dirty="0"/>
-              <a:t>Funkcja 1</a:t>
-            </a:r>
-          </a:p>
-        </p:txBody>
-      </p:sp>
-      <p:graphicFrame>
-        <p:nvGraphicFramePr>
-          <p:cNvPr id="5" name="Tabela 4"/>
-          <p:cNvGraphicFramePr>
-            <a:graphicFrameLocks noGrp="1"/>
-          </p:cNvGraphicFramePr>
-          <p:nvPr>
-            <p:extLst/>
-          </p:nvPr>
-        </p:nvGraphicFramePr>
-        <p:xfrm>
-          <a:off x="2032000" y="1012274"/>
-          <a:ext cx="8128000" cy="741680"/>
-        </p:xfrm>
-        <a:graphic>
-          <a:graphicData uri="http://schemas.openxmlformats.org/drawingml/2006/table">
-            <a:tbl>
-              <a:tblPr firstRow="1" bandRow="1">
-                <a:tableStyleId>{5C22544A-7EE6-4342-B048-85BDC9FD1C3A}</a:tableStyleId>
-              </a:tblPr>
-              <a:tblGrid>
-                <a:gridCol w="2032000">
-                  <a:extLst>
-                    <a:ext uri="{9D8B030D-6E8A-4147-A177-3AD203B41FA5}">
-                      <a16:colId xmlns:a16="http://schemas.microsoft.com/office/drawing/2014/main" val="20000"/>
-                    </a:ext>
-                  </a:extLst>
-                </a:gridCol>
-                <a:gridCol w="2032000">
-                  <a:extLst>
-                    <a:ext uri="{9D8B030D-6E8A-4147-A177-3AD203B41FA5}">
-                      <a16:colId xmlns:a16="http://schemas.microsoft.com/office/drawing/2014/main" val="20001"/>
-                    </a:ext>
-                  </a:extLst>
-                </a:gridCol>
-                <a:gridCol w="2032000">
-                  <a:extLst>
-                    <a:ext uri="{9D8B030D-6E8A-4147-A177-3AD203B41FA5}">
-                      <a16:colId xmlns:a16="http://schemas.microsoft.com/office/drawing/2014/main" val="20002"/>
-                    </a:ext>
-                  </a:extLst>
-                </a:gridCol>
-                <a:gridCol w="2032000">
-                  <a:extLst>
-                    <a:ext uri="{9D8B030D-6E8A-4147-A177-3AD203B41FA5}">
-                      <a16:colId xmlns:a16="http://schemas.microsoft.com/office/drawing/2014/main" val="20003"/>
-                    </a:ext>
-                  </a:extLst>
-                </a:gridCol>
-              </a:tblGrid>
-              <a:tr h="370840">
-                <a:tc>
-                  <a:txBody>
-                    <a:bodyPr/>
-                    <a:lstStyle/>
-                    <a:p>
-                      <a:r>
-                        <a:rPr lang="pl-PL" dirty="0"/>
-                        <a:t>Argument</a:t>
-                      </a:r>
-                    </a:p>
-                  </a:txBody>
-                  <a:tcPr/>
-                </a:tc>
-                <a:tc>
-                  <a:txBody>
-                    <a:bodyPr/>
-                    <a:lstStyle/>
-                    <a:p>
-                      <a:pPr algn="ctr"/>
-                      <a:r>
-                        <a:rPr lang="pl-PL" dirty="0"/>
-                        <a:t>a</a:t>
-                      </a:r>
-                    </a:p>
-                  </a:txBody>
-                  <a:tcPr/>
-                </a:tc>
-                <a:tc>
-                  <a:txBody>
-                    <a:bodyPr/>
-                    <a:lstStyle/>
-                    <a:p>
-                      <a:pPr algn="ctr"/>
-                      <a:r>
-                        <a:rPr lang="pl-PL" dirty="0"/>
-                        <a:t>g</a:t>
-                      </a:r>
-                    </a:p>
-                  </a:txBody>
-                  <a:tcPr/>
-                </a:tc>
-                <a:tc>
-                  <a:txBody>
-                    <a:bodyPr/>
-                    <a:lstStyle/>
-                    <a:p>
-                      <a:pPr algn="ctr"/>
-                      <a:r>
-                        <a:rPr lang="pl-PL" dirty="0"/>
-                        <a:t>z</a:t>
-                      </a:r>
-                    </a:p>
-                  </a:txBody>
-                  <a:tcPr/>
-                </a:tc>
-                <a:extLst>
-                  <a:ext uri="{0D108BD9-81ED-4DB2-BD59-A6C34878D82A}">
-                    <a16:rowId xmlns:a16="http://schemas.microsoft.com/office/drawing/2014/main" val="10000"/>
-                  </a:ext>
-                </a:extLst>
-              </a:tr>
-              <a:tr h="370840">
-                <a:tc>
-                  <a:txBody>
-                    <a:bodyPr/>
-                    <a:lstStyle/>
-                    <a:p>
-                      <a:r>
-                        <a:rPr lang="pl-PL" dirty="0"/>
-                        <a:t>Wynik</a:t>
-                      </a:r>
-                    </a:p>
-                  </a:txBody>
-                  <a:tcPr/>
-                </a:tc>
-                <a:tc>
-                  <a:txBody>
-                    <a:bodyPr/>
-                    <a:lstStyle/>
-                    <a:p>
-                      <a:pPr algn="ctr"/>
-                      <a:r>
-                        <a:rPr lang="pl-PL" dirty="0"/>
-                        <a:t>b</a:t>
-                      </a:r>
-                    </a:p>
-                  </a:txBody>
-                  <a:tcPr/>
-                </a:tc>
-                <a:tc>
-                  <a:txBody>
-                    <a:bodyPr/>
-                    <a:lstStyle/>
-                    <a:p>
-                      <a:pPr algn="ctr"/>
-                      <a:r>
-                        <a:rPr lang="pl-PL" dirty="0"/>
-                        <a:t>h</a:t>
-                      </a:r>
-                    </a:p>
-                  </a:txBody>
-                  <a:tcPr/>
-                </a:tc>
-                <a:tc>
-                  <a:txBody>
-                    <a:bodyPr/>
-                    <a:lstStyle/>
-                    <a:p>
-                      <a:pPr algn="ctr"/>
-                      <a:r>
-                        <a:rPr lang="pl-PL" dirty="0"/>
-                        <a:t>a</a:t>
-                      </a:r>
-                    </a:p>
-                  </a:txBody>
-                  <a:tcPr/>
-                </a:tc>
-                <a:extLst>
-                  <a:ext uri="{0D108BD9-81ED-4DB2-BD59-A6C34878D82A}">
-                    <a16:rowId xmlns:a16="http://schemas.microsoft.com/office/drawing/2014/main" val="10001"/>
-                  </a:ext>
-                </a:extLst>
-              </a:tr>
-            </a:tbl>
-          </a:graphicData>
-        </a:graphic>
-      </p:graphicFrame>
-      <p:sp>
-        <p:nvSpPr>
-          <p:cNvPr id="3" name="pole tekstowe 2">
-            <a:extLst>
-              <a:ext uri="{FF2B5EF4-FFF2-40B4-BE49-F238E27FC236}">
-                <a16:creationId xmlns:a16="http://schemas.microsoft.com/office/drawing/2014/main" id="{B9300B6F-B5E9-F54E-AFDC-88E93D97A241}"/>
-              </a:ext>
-            </a:extLst>
-          </p:cNvPr>
-          <p:cNvSpPr txBox="1"/>
-          <p:nvPr/>
-        </p:nvSpPr>
-        <p:spPr>
-          <a:xfrm>
-            <a:off x="212426" y="133815"/>
-            <a:ext cx="1037656" cy="369332"/>
-          </a:xfrm>
-          <a:prstGeom prst="rect">
-            <a:avLst/>
-          </a:prstGeom>
-          <a:noFill/>
-        </p:spPr>
-        <p:txBody>
-          <a:bodyPr wrap="none" rtlCol="0">
-            <a:spAutoFit/>
-          </a:bodyPr>
-          <a:lstStyle/>
-          <a:p>
-            <a:r>
-              <a:rPr lang="pl-PL" b="1" dirty="0"/>
-              <a:t>Wersja A</a:t>
-            </a:r>
-          </a:p>
-        </p:txBody>
-      </p:sp>
-      <p:sp>
-        <p:nvSpPr>
-          <p:cNvPr id="2" name="pole tekstowe 1">
-            <a:extLst>
-              <a:ext uri="{FF2B5EF4-FFF2-40B4-BE49-F238E27FC236}">
-                <a16:creationId xmlns:a16="http://schemas.microsoft.com/office/drawing/2014/main" id="{D469B54B-643F-4A4B-A8E3-8DCB59A05D04}"/>
-              </a:ext>
-            </a:extLst>
-          </p:cNvPr>
-          <p:cNvSpPr txBox="1"/>
-          <p:nvPr/>
-        </p:nvSpPr>
-        <p:spPr>
-          <a:xfrm>
-            <a:off x="780288" y="2219092"/>
-            <a:ext cx="9379712" cy="2585323"/>
-          </a:xfrm>
-          <a:prstGeom prst="rect">
-            <a:avLst/>
-          </a:prstGeom>
-          <a:noFill/>
-        </p:spPr>
-        <p:txBody>
-          <a:bodyPr wrap="square" rtlCol="0">
-            <a:spAutoFit/>
-          </a:bodyPr>
-          <a:lstStyle/>
-          <a:p>
-            <a:r>
-              <a:rPr lang="pl-PL" sz="2400" b="1" dirty="0"/>
-              <a:t>Specyfikacja</a:t>
-            </a:r>
-          </a:p>
-          <a:p>
-            <a:endParaRPr lang="pl-PL" dirty="0"/>
-          </a:p>
-          <a:p>
-            <a:r>
-              <a:rPr lang="pl-PL" sz="2000" b="1" dirty="0"/>
-              <a:t>Dane</a:t>
-            </a:r>
-            <a:r>
-              <a:rPr lang="pl-PL" sz="2000" dirty="0"/>
-              <a:t>:</a:t>
-            </a:r>
-          </a:p>
-          <a:p>
-            <a:pPr marL="742950" lvl="1" indent="-285750">
-              <a:buFont typeface="Arial" panose="020B0604020202020204" pitchFamily="34" charset="0"/>
-              <a:buChar char="•"/>
-            </a:pPr>
-            <a:r>
-              <a:rPr lang="pl-PL" sz="2000" dirty="0"/>
-              <a:t>Znak, litera z alfabetu angielskiego</a:t>
-            </a:r>
-          </a:p>
-          <a:p>
-            <a:r>
-              <a:rPr lang="pl-PL" sz="2000" b="1" dirty="0"/>
-              <a:t>Wynik</a:t>
-            </a:r>
-            <a:r>
-              <a:rPr lang="pl-PL" sz="2000" dirty="0"/>
-              <a:t>:</a:t>
-            </a:r>
-          </a:p>
-          <a:p>
-            <a:pPr marL="742950" lvl="1" indent="-285750">
-              <a:buFont typeface="Arial" panose="020B0604020202020204" pitchFamily="34" charset="0"/>
-              <a:buChar char="•"/>
-            </a:pPr>
-            <a:r>
-              <a:rPr lang="pl-PL" sz="2000" dirty="0"/>
-              <a:t>Litera znajdująca się jeden znak w prawo w alfabecie w stosunku do podanej, przy założeniu, że dla ostatniej litery jej sąsiadem z prawej strony jest pierwsza litera alfabetu</a:t>
-            </a:r>
-          </a:p>
-        </p:txBody>
-      </p:sp>
-    </p:spTree>
-    <p:extLst>
-      <p:ext uri="{BB962C8B-B14F-4D97-AF65-F5344CB8AC3E}">
-        <p14:creationId xmlns:p14="http://schemas.microsoft.com/office/powerpoint/2010/main" val="1656296138"/>
-      </p:ext>
-    </p:extLst>
-  </p:cSld>
-  <p:clrMapOvr>
-    <a:masterClrMapping/>
-  </p:clrMapOvr>
-</p:sld>
-</file>
-
-<file path=ppt/slides/slide4.xml><?xml version="1.0" encoding="utf-8"?>
-<p:sld xmlns:a="http://schemas.openxmlformats.org/drawingml/2006/main" xmlns:r="http://schemas.openxmlformats.org/officeDocument/2006/relationships" xmlns:p="http://schemas.openxmlformats.org/presentationml/2006/main">
-  <p:cSld>
-    <p:spTree>
-      <p:nvGrpSpPr>
-        <p:cNvPr id="1" name=""/>
-        <p:cNvGrpSpPr/>
-        <p:nvPr/>
-      </p:nvGrpSpPr>
-      <p:grpSpPr>
-        <a:xfrm>
-          <a:off x="0" y="0"/>
-          <a:ext cx="0" cy="0"/>
-          <a:chOff x="0" y="0"/>
-          <a:chExt cx="0" cy="0"/>
-        </a:xfrm>
-      </p:grpSpPr>
-      <p:sp>
-        <p:nvSpPr>
-          <p:cNvPr id="4" name="pole tekstowe 3"/>
-          <p:cNvSpPr txBox="1"/>
-          <p:nvPr/>
-        </p:nvSpPr>
-        <p:spPr>
-          <a:xfrm>
-            <a:off x="780288" y="573024"/>
-            <a:ext cx="1621536" cy="369332"/>
-          </a:xfrm>
-          <a:prstGeom prst="rect">
-            <a:avLst/>
-          </a:prstGeom>
-          <a:noFill/>
-        </p:spPr>
-        <p:txBody>
-          <a:bodyPr wrap="square" rtlCol="0">
-            <a:spAutoFit/>
-          </a:bodyPr>
-          <a:lstStyle/>
-          <a:p>
-            <a:r>
-              <a:rPr lang="pl-PL" dirty="0"/>
-              <a:t>Funkcja 2</a:t>
-            </a:r>
-          </a:p>
-        </p:txBody>
-      </p:sp>
-      <p:graphicFrame>
-        <p:nvGraphicFramePr>
-          <p:cNvPr id="5" name="Tabela 4"/>
-          <p:cNvGraphicFramePr>
-            <a:graphicFrameLocks noGrp="1"/>
-          </p:cNvGraphicFramePr>
-          <p:nvPr>
-            <p:extLst/>
-          </p:nvPr>
-        </p:nvGraphicFramePr>
-        <p:xfrm>
-          <a:off x="2032000" y="1012274"/>
-          <a:ext cx="8128000" cy="741680"/>
-        </p:xfrm>
-        <a:graphic>
-          <a:graphicData uri="http://schemas.openxmlformats.org/drawingml/2006/table">
-            <a:tbl>
-              <a:tblPr firstRow="1" bandRow="1">
-                <a:tableStyleId>{5C22544A-7EE6-4342-B048-85BDC9FD1C3A}</a:tableStyleId>
-              </a:tblPr>
-              <a:tblGrid>
-                <a:gridCol w="2032000">
-                  <a:extLst>
-                    <a:ext uri="{9D8B030D-6E8A-4147-A177-3AD203B41FA5}">
-                      <a16:colId xmlns:a16="http://schemas.microsoft.com/office/drawing/2014/main" val="20000"/>
-                    </a:ext>
-                  </a:extLst>
-                </a:gridCol>
-                <a:gridCol w="2032000">
-                  <a:extLst>
-                    <a:ext uri="{9D8B030D-6E8A-4147-A177-3AD203B41FA5}">
-                      <a16:colId xmlns:a16="http://schemas.microsoft.com/office/drawing/2014/main" val="20001"/>
-                    </a:ext>
-                  </a:extLst>
-                </a:gridCol>
-                <a:gridCol w="2032000">
-                  <a:extLst>
-                    <a:ext uri="{9D8B030D-6E8A-4147-A177-3AD203B41FA5}">
-                      <a16:colId xmlns:a16="http://schemas.microsoft.com/office/drawing/2014/main" val="20002"/>
-                    </a:ext>
-                  </a:extLst>
-                </a:gridCol>
-                <a:gridCol w="2032000">
-                  <a:extLst>
-                    <a:ext uri="{9D8B030D-6E8A-4147-A177-3AD203B41FA5}">
-                      <a16:colId xmlns:a16="http://schemas.microsoft.com/office/drawing/2014/main" val="20003"/>
-                    </a:ext>
-                  </a:extLst>
-                </a:gridCol>
-              </a:tblGrid>
-              <a:tr h="370840">
-                <a:tc>
-                  <a:txBody>
-                    <a:bodyPr/>
-                    <a:lstStyle/>
-                    <a:p>
-                      <a:r>
-                        <a:rPr lang="pl-PL" dirty="0"/>
-                        <a:t>Argument</a:t>
-                      </a:r>
-                    </a:p>
-                  </a:txBody>
-                  <a:tcPr/>
-                </a:tc>
-                <a:tc>
-                  <a:txBody>
-                    <a:bodyPr/>
-                    <a:lstStyle/>
-                    <a:p>
-                      <a:pPr algn="ctr"/>
-                      <a:r>
-                        <a:rPr lang="pl-PL" dirty="0"/>
-                        <a:t>12; 4</a:t>
-                      </a:r>
-                    </a:p>
-                  </a:txBody>
-                  <a:tcPr/>
-                </a:tc>
-                <a:tc>
-                  <a:txBody>
-                    <a:bodyPr/>
-                    <a:lstStyle/>
-                    <a:p>
-                      <a:pPr algn="ctr"/>
-                      <a:r>
-                        <a:rPr lang="pl-PL" dirty="0"/>
-                        <a:t>3; 5</a:t>
-                      </a:r>
-                    </a:p>
-                  </a:txBody>
-                  <a:tcPr/>
-                </a:tc>
-                <a:tc>
-                  <a:txBody>
-                    <a:bodyPr/>
-                    <a:lstStyle/>
-                    <a:p>
-                      <a:pPr algn="ctr"/>
-                      <a:r>
-                        <a:rPr lang="pl-PL" dirty="0"/>
-                        <a:t>7; 5</a:t>
-                      </a:r>
-                    </a:p>
-                  </a:txBody>
-                  <a:tcPr/>
-                </a:tc>
-                <a:extLst>
-                  <a:ext uri="{0D108BD9-81ED-4DB2-BD59-A6C34878D82A}">
-                    <a16:rowId xmlns:a16="http://schemas.microsoft.com/office/drawing/2014/main" val="10000"/>
-                  </a:ext>
-                </a:extLst>
-              </a:tr>
-              <a:tr h="370840">
-                <a:tc>
-                  <a:txBody>
-                    <a:bodyPr/>
-                    <a:lstStyle/>
-                    <a:p>
-                      <a:r>
-                        <a:rPr lang="pl-PL" dirty="0"/>
-                        <a:t>Wynik</a:t>
-                      </a:r>
-                    </a:p>
-                  </a:txBody>
-                  <a:tcPr/>
-                </a:tc>
-                <a:tc>
-                  <a:txBody>
-                    <a:bodyPr/>
-                    <a:lstStyle/>
-                    <a:p>
-                      <a:pPr algn="ctr"/>
-                      <a:r>
-                        <a:rPr lang="pl-PL" dirty="0"/>
-                        <a:t>8</a:t>
-                      </a:r>
-                    </a:p>
-                  </a:txBody>
-                  <a:tcPr/>
-                </a:tc>
-                <a:tc>
-                  <a:txBody>
-                    <a:bodyPr/>
-                    <a:lstStyle/>
-                    <a:p>
-                      <a:pPr algn="ctr"/>
-                      <a:r>
-                        <a:rPr lang="pl-PL" dirty="0"/>
-                        <a:t>-2</a:t>
-                      </a:r>
-                    </a:p>
-                  </a:txBody>
-                  <a:tcPr/>
-                </a:tc>
-                <a:tc>
-                  <a:txBody>
-                    <a:bodyPr/>
-                    <a:lstStyle/>
-                    <a:p>
-                      <a:pPr algn="ctr"/>
-                      <a:r>
-                        <a:rPr lang="pl-PL" dirty="0"/>
-                        <a:t>2</a:t>
-                      </a:r>
-                    </a:p>
-                  </a:txBody>
-                  <a:tcPr/>
-                </a:tc>
-                <a:extLst>
-                  <a:ext uri="{0D108BD9-81ED-4DB2-BD59-A6C34878D82A}">
-                    <a16:rowId xmlns:a16="http://schemas.microsoft.com/office/drawing/2014/main" val="10001"/>
-                  </a:ext>
-                </a:extLst>
-              </a:tr>
-            </a:tbl>
-          </a:graphicData>
-        </a:graphic>
-      </p:graphicFrame>
-      <p:sp>
-        <p:nvSpPr>
-          <p:cNvPr id="3" name="pole tekstowe 2">
-            <a:extLst>
-              <a:ext uri="{FF2B5EF4-FFF2-40B4-BE49-F238E27FC236}">
-                <a16:creationId xmlns:a16="http://schemas.microsoft.com/office/drawing/2014/main" id="{B9300B6F-B5E9-F54E-AFDC-88E93D97A241}"/>
-              </a:ext>
-            </a:extLst>
-          </p:cNvPr>
-          <p:cNvSpPr txBox="1"/>
-          <p:nvPr/>
-        </p:nvSpPr>
-        <p:spPr>
-          <a:xfrm>
-            <a:off x="212426" y="133815"/>
-            <a:ext cx="1037656" cy="369332"/>
-          </a:xfrm>
-          <a:prstGeom prst="rect">
-            <a:avLst/>
-          </a:prstGeom>
-          <a:noFill/>
-        </p:spPr>
-        <p:txBody>
-          <a:bodyPr wrap="none" rtlCol="0">
-            <a:spAutoFit/>
-          </a:bodyPr>
-          <a:lstStyle/>
-          <a:p>
-            <a:r>
-              <a:rPr lang="pl-PL" b="1" dirty="0"/>
-              <a:t>Wersja A</a:t>
-            </a:r>
-          </a:p>
-        </p:txBody>
-      </p:sp>
-      <p:sp>
-        <p:nvSpPr>
-          <p:cNvPr id="2" name="pole tekstowe 1">
-            <a:extLst>
-              <a:ext uri="{FF2B5EF4-FFF2-40B4-BE49-F238E27FC236}">
-                <a16:creationId xmlns:a16="http://schemas.microsoft.com/office/drawing/2014/main" id="{D469B54B-643F-4A4B-A8E3-8DCB59A05D04}"/>
-              </a:ext>
-            </a:extLst>
-          </p:cNvPr>
-          <p:cNvSpPr txBox="1"/>
-          <p:nvPr/>
-        </p:nvSpPr>
-        <p:spPr>
-          <a:xfrm>
-            <a:off x="780288" y="2219092"/>
-            <a:ext cx="9379712" cy="1969770"/>
-          </a:xfrm>
-          <a:prstGeom prst="rect">
-            <a:avLst/>
-          </a:prstGeom>
-          <a:noFill/>
-        </p:spPr>
-        <p:txBody>
-          <a:bodyPr wrap="square" rtlCol="0">
-            <a:spAutoFit/>
-          </a:bodyPr>
-          <a:lstStyle/>
-          <a:p>
-            <a:r>
-              <a:rPr lang="pl-PL" sz="2400" b="1" dirty="0"/>
-              <a:t>Specyfikacja</a:t>
-            </a:r>
-          </a:p>
-          <a:p>
-            <a:endParaRPr lang="pl-PL" dirty="0"/>
-          </a:p>
-          <a:p>
-            <a:r>
-              <a:rPr lang="pl-PL" sz="2000" b="1" dirty="0"/>
-              <a:t>Dane</a:t>
-            </a:r>
-            <a:r>
-              <a:rPr lang="pl-PL" sz="2000" dirty="0"/>
-              <a:t>:</a:t>
-            </a:r>
-          </a:p>
-          <a:p>
-            <a:pPr marL="742950" lvl="1" indent="-285750">
-              <a:buFont typeface="Arial" panose="020B0604020202020204" pitchFamily="34" charset="0"/>
-              <a:buChar char="•"/>
-            </a:pPr>
-            <a:r>
-              <a:rPr lang="pl-PL" sz="2000" dirty="0"/>
-              <a:t>a, b - Dwie liczby całkowite</a:t>
-            </a:r>
-          </a:p>
-          <a:p>
-            <a:r>
-              <a:rPr lang="pl-PL" sz="2000" b="1" dirty="0"/>
-              <a:t>Wynik</a:t>
-            </a:r>
-            <a:r>
-              <a:rPr lang="pl-PL" sz="2000" dirty="0"/>
-              <a:t>:</a:t>
-            </a:r>
-          </a:p>
-          <a:p>
-            <a:pPr marL="742950" lvl="1" indent="-285750">
-              <a:buFont typeface="Arial" panose="020B0604020202020204" pitchFamily="34" charset="0"/>
-              <a:buChar char="•"/>
-            </a:pPr>
-            <a:r>
-              <a:rPr lang="pl-PL" sz="2000" dirty="0"/>
-              <a:t>Różnica podanych liczb: a - b </a:t>
-            </a:r>
-          </a:p>
-        </p:txBody>
-      </p:sp>
-    </p:spTree>
-    <p:extLst>
-      <p:ext uri="{BB962C8B-B14F-4D97-AF65-F5344CB8AC3E}">
-        <p14:creationId xmlns:p14="http://schemas.microsoft.com/office/powerpoint/2010/main" val="2229040526"/>
-      </p:ext>
-    </p:extLst>
-  </p:cSld>
-  <p:clrMapOvr>
-    <a:masterClrMapping/>
-  </p:clrMapOvr>
-</p:sld>
-</file>
-
-<file path=ppt/slides/slide5.xml><?xml version="1.0" encoding="utf-8"?>
-<p:sld xmlns:a="http://schemas.openxmlformats.org/drawingml/2006/main" xmlns:r="http://schemas.openxmlformats.org/officeDocument/2006/relationships" xmlns:p="http://schemas.openxmlformats.org/presentationml/2006/main">
-  <p:cSld>
-    <p:spTree>
-      <p:nvGrpSpPr>
-        <p:cNvPr id="1" name=""/>
-        <p:cNvGrpSpPr/>
-        <p:nvPr/>
-      </p:nvGrpSpPr>
-      <p:grpSpPr>
-        <a:xfrm>
-          <a:off x="0" y="0"/>
-          <a:ext cx="0" cy="0"/>
-          <a:chOff x="0" y="0"/>
-          <a:chExt cx="0" cy="0"/>
-        </a:xfrm>
-      </p:grpSpPr>
-      <p:sp>
-        <p:nvSpPr>
-          <p:cNvPr id="4" name="pole tekstowe 3"/>
-          <p:cNvSpPr txBox="1"/>
-          <p:nvPr/>
-        </p:nvSpPr>
-        <p:spPr>
-          <a:xfrm>
-            <a:off x="780288" y="573024"/>
-            <a:ext cx="1621536" cy="369332"/>
-          </a:xfrm>
-          <a:prstGeom prst="rect">
-            <a:avLst/>
-          </a:prstGeom>
-          <a:noFill/>
-        </p:spPr>
-        <p:txBody>
-          <a:bodyPr wrap="square" rtlCol="0">
-            <a:spAutoFit/>
-          </a:bodyPr>
-          <a:lstStyle/>
-          <a:p>
-            <a:r>
-              <a:rPr lang="pl-PL" dirty="0"/>
-              <a:t>Funkcja 3</a:t>
-            </a:r>
-          </a:p>
-        </p:txBody>
-      </p:sp>
-      <p:graphicFrame>
-        <p:nvGraphicFramePr>
-          <p:cNvPr id="5" name="Tabela 4"/>
-          <p:cNvGraphicFramePr>
-            <a:graphicFrameLocks noGrp="1"/>
-          </p:cNvGraphicFramePr>
-          <p:nvPr>
-            <p:extLst>
-              <p:ext uri="{D42A27DB-BD31-4B8C-83A1-F6EECF244321}">
-                <p14:modId xmlns:p14="http://schemas.microsoft.com/office/powerpoint/2010/main" val="1002237063"/>
-              </p:ext>
-            </p:extLst>
-          </p:nvPr>
-        </p:nvGraphicFramePr>
-        <p:xfrm>
-          <a:off x="2032000" y="1012274"/>
-          <a:ext cx="8128000" cy="741680"/>
-        </p:xfrm>
-        <a:graphic>
-          <a:graphicData uri="http://schemas.openxmlformats.org/drawingml/2006/table">
-            <a:tbl>
-              <a:tblPr firstRow="1" bandRow="1">
-                <a:tableStyleId>{5C22544A-7EE6-4342-B048-85BDC9FD1C3A}</a:tableStyleId>
-              </a:tblPr>
-              <a:tblGrid>
-                <a:gridCol w="2032000">
-                  <a:extLst>
-                    <a:ext uri="{9D8B030D-6E8A-4147-A177-3AD203B41FA5}">
-                      <a16:colId xmlns:a16="http://schemas.microsoft.com/office/drawing/2014/main" val="20000"/>
-                    </a:ext>
-                  </a:extLst>
-                </a:gridCol>
-                <a:gridCol w="2032000">
-                  <a:extLst>
-                    <a:ext uri="{9D8B030D-6E8A-4147-A177-3AD203B41FA5}">
-                      <a16:colId xmlns:a16="http://schemas.microsoft.com/office/drawing/2014/main" val="20001"/>
-                    </a:ext>
-                  </a:extLst>
-                </a:gridCol>
-                <a:gridCol w="2032000">
-                  <a:extLst>
-                    <a:ext uri="{9D8B030D-6E8A-4147-A177-3AD203B41FA5}">
-                      <a16:colId xmlns:a16="http://schemas.microsoft.com/office/drawing/2014/main" val="20002"/>
-                    </a:ext>
-                  </a:extLst>
-                </a:gridCol>
-                <a:gridCol w="2032000">
-                  <a:extLst>
-                    <a:ext uri="{9D8B030D-6E8A-4147-A177-3AD203B41FA5}">
-                      <a16:colId xmlns:a16="http://schemas.microsoft.com/office/drawing/2014/main" val="20003"/>
-                    </a:ext>
-                  </a:extLst>
-                </a:gridCol>
-              </a:tblGrid>
-              <a:tr h="370840">
-                <a:tc>
-                  <a:txBody>
-                    <a:bodyPr/>
-                    <a:lstStyle/>
-                    <a:p>
-                      <a:r>
-                        <a:rPr lang="pl-PL" dirty="0"/>
-                        <a:t>Argument</a:t>
-                      </a:r>
-                    </a:p>
-                  </a:txBody>
-                  <a:tcPr/>
-                </a:tc>
-                <a:tc>
-                  <a:txBody>
-                    <a:bodyPr/>
-                    <a:lstStyle/>
-                    <a:p>
-                      <a:pPr algn="ctr"/>
-                      <a:r>
-                        <a:rPr lang="pl-PL" dirty="0"/>
-                        <a:t>a</a:t>
-                      </a:r>
-                    </a:p>
-                  </a:txBody>
-                  <a:tcPr/>
-                </a:tc>
-                <a:tc>
-                  <a:txBody>
-                    <a:bodyPr/>
-                    <a:lstStyle/>
-                    <a:p>
-                      <a:pPr algn="ctr"/>
-                      <a:r>
-                        <a:rPr lang="pl-PL" dirty="0"/>
-                        <a:t>b</a:t>
-                      </a:r>
-                    </a:p>
-                  </a:txBody>
-                  <a:tcPr/>
-                </a:tc>
-                <a:tc>
-                  <a:txBody>
-                    <a:bodyPr/>
-                    <a:lstStyle/>
-                    <a:p>
-                      <a:pPr algn="ctr"/>
-                      <a:r>
-                        <a:rPr lang="pl-PL" dirty="0" err="1"/>
-                        <a:t>r</a:t>
-                      </a:r>
-                      <a:endParaRPr lang="pl-PL" dirty="0"/>
-                    </a:p>
-                  </a:txBody>
-                  <a:tcPr/>
-                </a:tc>
-                <a:extLst>
-                  <a:ext uri="{0D108BD9-81ED-4DB2-BD59-A6C34878D82A}">
-                    <a16:rowId xmlns:a16="http://schemas.microsoft.com/office/drawing/2014/main" val="10000"/>
-                  </a:ext>
-                </a:extLst>
-              </a:tr>
-              <a:tr h="370840">
-                <a:tc>
-                  <a:txBody>
-                    <a:bodyPr/>
-                    <a:lstStyle/>
-                    <a:p>
-                      <a:r>
-                        <a:rPr lang="pl-PL" dirty="0"/>
-                        <a:t>Wynik</a:t>
-                      </a:r>
-                    </a:p>
-                  </a:txBody>
-                  <a:tcPr/>
-                </a:tc>
-                <a:tc>
-                  <a:txBody>
-                    <a:bodyPr/>
-                    <a:lstStyle/>
-                    <a:p>
-                      <a:pPr algn="ctr"/>
-                      <a:r>
-                        <a:rPr lang="pl-PL" dirty="0"/>
-                        <a:t>97</a:t>
-                      </a:r>
-                    </a:p>
-                  </a:txBody>
-                  <a:tcPr/>
-                </a:tc>
-                <a:tc>
-                  <a:txBody>
-                    <a:bodyPr/>
-                    <a:lstStyle/>
-                    <a:p>
-                      <a:pPr algn="ctr"/>
-                      <a:r>
-                        <a:rPr lang="pl-PL" dirty="0"/>
-                        <a:t>98</a:t>
-                      </a:r>
-                    </a:p>
-                  </a:txBody>
-                  <a:tcPr/>
-                </a:tc>
-                <a:tc>
-                  <a:txBody>
-                    <a:bodyPr/>
-                    <a:lstStyle/>
-                    <a:p>
-                      <a:pPr algn="ctr"/>
-                      <a:r>
-                        <a:rPr lang="pl-PL" dirty="0"/>
-                        <a:t>114</a:t>
-                      </a:r>
-                    </a:p>
-                  </a:txBody>
-                  <a:tcPr/>
-                </a:tc>
-                <a:extLst>
-                  <a:ext uri="{0D108BD9-81ED-4DB2-BD59-A6C34878D82A}">
-                    <a16:rowId xmlns:a16="http://schemas.microsoft.com/office/drawing/2014/main" val="10001"/>
-                  </a:ext>
-                </a:extLst>
-              </a:tr>
-            </a:tbl>
-          </a:graphicData>
-        </a:graphic>
-      </p:graphicFrame>
-      <p:sp>
-        <p:nvSpPr>
-          <p:cNvPr id="3" name="pole tekstowe 2">
-            <a:extLst>
-              <a:ext uri="{FF2B5EF4-FFF2-40B4-BE49-F238E27FC236}">
-                <a16:creationId xmlns:a16="http://schemas.microsoft.com/office/drawing/2014/main" id="{B9300B6F-B5E9-F54E-AFDC-88E93D97A241}"/>
-              </a:ext>
-            </a:extLst>
-          </p:cNvPr>
-          <p:cNvSpPr txBox="1"/>
-          <p:nvPr/>
-        </p:nvSpPr>
-        <p:spPr>
-          <a:xfrm>
-            <a:off x="212426" y="133815"/>
-            <a:ext cx="1037656" cy="369332"/>
-          </a:xfrm>
-          <a:prstGeom prst="rect">
-            <a:avLst/>
-          </a:prstGeom>
-          <a:noFill/>
-        </p:spPr>
-        <p:txBody>
-          <a:bodyPr wrap="none" rtlCol="0">
-            <a:spAutoFit/>
-          </a:bodyPr>
-          <a:lstStyle/>
-          <a:p>
-            <a:r>
-              <a:rPr lang="pl-PL" b="1" dirty="0"/>
-              <a:t>Wersja A</a:t>
-            </a:r>
-          </a:p>
-        </p:txBody>
-      </p:sp>
-      <p:sp>
-        <p:nvSpPr>
-          <p:cNvPr id="2" name="pole tekstowe 1">
-            <a:extLst>
-              <a:ext uri="{FF2B5EF4-FFF2-40B4-BE49-F238E27FC236}">
-                <a16:creationId xmlns:a16="http://schemas.microsoft.com/office/drawing/2014/main" id="{D469B54B-643F-4A4B-A8E3-8DCB59A05D04}"/>
-              </a:ext>
-            </a:extLst>
-          </p:cNvPr>
-          <p:cNvSpPr txBox="1"/>
-          <p:nvPr/>
-        </p:nvSpPr>
-        <p:spPr>
-          <a:xfrm>
-            <a:off x="780288" y="2219092"/>
-            <a:ext cx="9379712" cy="1969770"/>
-          </a:xfrm>
-          <a:prstGeom prst="rect">
-            <a:avLst/>
-          </a:prstGeom>
-          <a:noFill/>
-        </p:spPr>
-        <p:txBody>
-          <a:bodyPr wrap="square" rtlCol="0">
-            <a:spAutoFit/>
-          </a:bodyPr>
-          <a:lstStyle/>
-          <a:p>
-            <a:r>
-              <a:rPr lang="pl-PL" sz="2400" b="1" dirty="0"/>
-              <a:t>Specyfikacja</a:t>
-            </a:r>
-          </a:p>
-          <a:p>
-            <a:endParaRPr lang="pl-PL" dirty="0"/>
-          </a:p>
-          <a:p>
-            <a:r>
-              <a:rPr lang="pl-PL" sz="2000" b="1" dirty="0"/>
-              <a:t>Dane</a:t>
-            </a:r>
-            <a:r>
-              <a:rPr lang="pl-PL" sz="2000" dirty="0"/>
-              <a:t>:</a:t>
-            </a:r>
-          </a:p>
-          <a:p>
-            <a:pPr marL="742950" lvl="1" indent="-285750">
-              <a:buFont typeface="Arial" panose="020B0604020202020204" pitchFamily="34" charset="0"/>
-              <a:buChar char="•"/>
-            </a:pPr>
-            <a:r>
-              <a:rPr lang="pl-PL" sz="2000" dirty="0"/>
-              <a:t>Znak, litera z alfabetu angielskiego</a:t>
-            </a:r>
-          </a:p>
-          <a:p>
-            <a:r>
-              <a:rPr lang="pl-PL" sz="2000" b="1" dirty="0"/>
-              <a:t>Wynik</a:t>
-            </a:r>
-            <a:r>
-              <a:rPr lang="pl-PL" sz="2000" dirty="0"/>
-              <a:t>:</a:t>
-            </a:r>
-          </a:p>
-          <a:p>
-            <a:pPr marL="742950" lvl="1" indent="-285750">
-              <a:buFont typeface="Arial" panose="020B0604020202020204" pitchFamily="34" charset="0"/>
-              <a:buChar char="•"/>
-            </a:pPr>
-            <a:r>
-              <a:rPr lang="pl-PL" sz="2000" dirty="0"/>
-              <a:t>Kod ASCII podanej litery</a:t>
-            </a:r>
-          </a:p>
-        </p:txBody>
-      </p:sp>
-    </p:spTree>
-    <p:extLst>
-      <p:ext uri="{BB962C8B-B14F-4D97-AF65-F5344CB8AC3E}">
-        <p14:creationId xmlns:p14="http://schemas.microsoft.com/office/powerpoint/2010/main" val="283235115"/>
-      </p:ext>
-    </p:extLst>
-  </p:cSld>
-  <p:clrMapOvr>
-    <a:masterClrMapping/>
-  </p:clrMapOvr>
-</p:sld>
-</file>
-
-<file path=ppt/slides/slide6.xml><?xml version="1.0" encoding="utf-8"?>
-<p:sld xmlns:a="http://schemas.openxmlformats.org/drawingml/2006/main" xmlns:r="http://schemas.openxmlformats.org/officeDocument/2006/relationships" xmlns:p="http://schemas.openxmlformats.org/presentationml/2006/main">
-  <p:cSld>
-    <p:spTree>
-      <p:nvGrpSpPr>
-        <p:cNvPr id="1" name=""/>
-        <p:cNvGrpSpPr/>
-        <p:nvPr/>
-      </p:nvGrpSpPr>
-      <p:grpSpPr>
-        <a:xfrm>
-          <a:off x="0" y="0"/>
-          <a:ext cx="0" cy="0"/>
-          <a:chOff x="0" y="0"/>
-          <a:chExt cx="0" cy="0"/>
-        </a:xfrm>
-      </p:grpSpPr>
-      <p:sp>
-        <p:nvSpPr>
-          <p:cNvPr id="4" name="pole tekstowe 3"/>
-          <p:cNvSpPr txBox="1"/>
-          <p:nvPr/>
-        </p:nvSpPr>
-        <p:spPr>
-          <a:xfrm>
-            <a:off x="780288" y="573024"/>
-            <a:ext cx="1621536" cy="369332"/>
-          </a:xfrm>
-          <a:prstGeom prst="rect">
-            <a:avLst/>
-          </a:prstGeom>
-          <a:noFill/>
-        </p:spPr>
-        <p:txBody>
-          <a:bodyPr wrap="square" rtlCol="0">
-            <a:spAutoFit/>
-          </a:bodyPr>
-          <a:lstStyle/>
-          <a:p>
-            <a:r>
-              <a:rPr lang="pl-PL" dirty="0"/>
-              <a:t>Funkcja 1</a:t>
-            </a:r>
-          </a:p>
-        </p:txBody>
-      </p:sp>
-      <p:graphicFrame>
-        <p:nvGraphicFramePr>
-          <p:cNvPr id="5" name="Tabela 4"/>
-          <p:cNvGraphicFramePr>
-            <a:graphicFrameLocks noGrp="1"/>
-          </p:cNvGraphicFramePr>
-          <p:nvPr>
-            <p:extLst>
-              <p:ext uri="{D42A27DB-BD31-4B8C-83A1-F6EECF244321}">
-                <p14:modId xmlns:p14="http://schemas.microsoft.com/office/powerpoint/2010/main" val="133949049"/>
-              </p:ext>
-            </p:extLst>
-          </p:nvPr>
-        </p:nvGraphicFramePr>
-        <p:xfrm>
-          <a:off x="2032000" y="1012274"/>
-          <a:ext cx="8128000" cy="741680"/>
-        </p:xfrm>
-        <a:graphic>
-          <a:graphicData uri="http://schemas.openxmlformats.org/drawingml/2006/table">
-            <a:tbl>
-              <a:tblPr firstRow="1" bandRow="1">
-                <a:tableStyleId>{5C22544A-7EE6-4342-B048-85BDC9FD1C3A}</a:tableStyleId>
-              </a:tblPr>
-              <a:tblGrid>
-                <a:gridCol w="2032000">
-                  <a:extLst>
-                    <a:ext uri="{9D8B030D-6E8A-4147-A177-3AD203B41FA5}">
-                      <a16:colId xmlns:a16="http://schemas.microsoft.com/office/drawing/2014/main" val="20000"/>
-                    </a:ext>
-                  </a:extLst>
-                </a:gridCol>
-                <a:gridCol w="2032000">
-                  <a:extLst>
-                    <a:ext uri="{9D8B030D-6E8A-4147-A177-3AD203B41FA5}">
-                      <a16:colId xmlns:a16="http://schemas.microsoft.com/office/drawing/2014/main" val="20001"/>
-                    </a:ext>
-                  </a:extLst>
-                </a:gridCol>
-                <a:gridCol w="2032000">
-                  <a:extLst>
-                    <a:ext uri="{9D8B030D-6E8A-4147-A177-3AD203B41FA5}">
-                      <a16:colId xmlns:a16="http://schemas.microsoft.com/office/drawing/2014/main" val="20002"/>
-                    </a:ext>
-                  </a:extLst>
-                </a:gridCol>
-                <a:gridCol w="2032000">
-                  <a:extLst>
-                    <a:ext uri="{9D8B030D-6E8A-4147-A177-3AD203B41FA5}">
-                      <a16:colId xmlns:a16="http://schemas.microsoft.com/office/drawing/2014/main" val="20003"/>
-                    </a:ext>
-                  </a:extLst>
-                </a:gridCol>
-              </a:tblGrid>
-              <a:tr h="370840">
-                <a:tc>
-                  <a:txBody>
-                    <a:bodyPr/>
-                    <a:lstStyle/>
-                    <a:p>
-                      <a:r>
-                        <a:rPr lang="pl-PL" dirty="0"/>
-                        <a:t>Argument</a:t>
-                      </a:r>
-                    </a:p>
-                  </a:txBody>
-                  <a:tcPr/>
-                </a:tc>
-                <a:tc>
-                  <a:txBody>
-                    <a:bodyPr/>
-                    <a:lstStyle/>
-                    <a:p>
-                      <a:pPr algn="ctr"/>
-                      <a:r>
-                        <a:rPr lang="pl-PL" dirty="0"/>
-                        <a:t>a</a:t>
-                      </a:r>
-                    </a:p>
-                  </a:txBody>
-                  <a:tcPr/>
-                </a:tc>
-                <a:tc>
-                  <a:txBody>
-                    <a:bodyPr/>
-                    <a:lstStyle/>
-                    <a:p>
-                      <a:pPr algn="ctr"/>
-                      <a:r>
-                        <a:rPr lang="pl-PL" dirty="0"/>
-                        <a:t>g</a:t>
-                      </a:r>
-                    </a:p>
-                  </a:txBody>
-                  <a:tcPr/>
-                </a:tc>
-                <a:tc>
-                  <a:txBody>
-                    <a:bodyPr/>
-                    <a:lstStyle/>
-                    <a:p>
-                      <a:pPr algn="ctr"/>
-                      <a:r>
-                        <a:rPr lang="pl-PL" dirty="0"/>
-                        <a:t>z</a:t>
-                      </a:r>
-                    </a:p>
-                  </a:txBody>
-                  <a:tcPr/>
-                </a:tc>
-                <a:extLst>
-                  <a:ext uri="{0D108BD9-81ED-4DB2-BD59-A6C34878D82A}">
-                    <a16:rowId xmlns:a16="http://schemas.microsoft.com/office/drawing/2014/main" val="10000"/>
-                  </a:ext>
-                </a:extLst>
-              </a:tr>
-              <a:tr h="370840">
-                <a:tc>
-                  <a:txBody>
-                    <a:bodyPr/>
-                    <a:lstStyle/>
-                    <a:p>
-                      <a:r>
-                        <a:rPr lang="pl-PL" dirty="0"/>
-                        <a:t>Wynik</a:t>
-                      </a:r>
-                    </a:p>
-                  </a:txBody>
-                  <a:tcPr/>
-                </a:tc>
-                <a:tc>
-                  <a:txBody>
-                    <a:bodyPr/>
-                    <a:lstStyle/>
-                    <a:p>
-                      <a:pPr algn="ctr"/>
-                      <a:r>
-                        <a:rPr lang="pl-PL" dirty="0"/>
-                        <a:t>z</a:t>
-                      </a:r>
-                    </a:p>
-                  </a:txBody>
-                  <a:tcPr/>
-                </a:tc>
-                <a:tc>
-                  <a:txBody>
-                    <a:bodyPr/>
-                    <a:lstStyle/>
-                    <a:p>
-                      <a:pPr algn="ctr"/>
-                      <a:r>
-                        <a:rPr lang="pl-PL" dirty="0"/>
-                        <a:t>f</a:t>
-                      </a:r>
-                    </a:p>
-                  </a:txBody>
-                  <a:tcPr/>
-                </a:tc>
-                <a:tc>
-                  <a:txBody>
-                    <a:bodyPr/>
-                    <a:lstStyle/>
-                    <a:p>
-                      <a:pPr algn="ctr"/>
-                      <a:r>
-                        <a:rPr lang="pl-PL" dirty="0"/>
-                        <a:t>y</a:t>
-                      </a:r>
-                    </a:p>
-                  </a:txBody>
-                  <a:tcPr/>
-                </a:tc>
-                <a:extLst>
-                  <a:ext uri="{0D108BD9-81ED-4DB2-BD59-A6C34878D82A}">
-                    <a16:rowId xmlns:a16="http://schemas.microsoft.com/office/drawing/2014/main" val="10001"/>
-                  </a:ext>
-                </a:extLst>
-              </a:tr>
-            </a:tbl>
-          </a:graphicData>
-        </a:graphic>
-      </p:graphicFrame>
-      <p:sp>
-        <p:nvSpPr>
-          <p:cNvPr id="6" name="pole tekstowe 5"/>
-          <p:cNvSpPr txBox="1"/>
-          <p:nvPr/>
-        </p:nvSpPr>
-        <p:spPr>
-          <a:xfrm>
-            <a:off x="719328" y="2877312"/>
-            <a:ext cx="1292352" cy="369332"/>
-          </a:xfrm>
-          <a:prstGeom prst="rect">
-            <a:avLst/>
-          </a:prstGeom>
-          <a:noFill/>
-        </p:spPr>
-        <p:txBody>
-          <a:bodyPr wrap="square" rtlCol="0">
-            <a:spAutoFit/>
-          </a:bodyPr>
-          <a:lstStyle/>
-          <a:p>
-            <a:r>
-              <a:rPr lang="pl-PL" dirty="0"/>
-              <a:t>Funkcja 2</a:t>
-            </a:r>
-          </a:p>
-        </p:txBody>
-      </p:sp>
-      <p:graphicFrame>
-        <p:nvGraphicFramePr>
-          <p:cNvPr id="7" name="Tabela 6"/>
-          <p:cNvGraphicFramePr>
-            <a:graphicFrameLocks noGrp="1"/>
-          </p:cNvGraphicFramePr>
-          <p:nvPr>
-            <p:extLst>
-              <p:ext uri="{D42A27DB-BD31-4B8C-83A1-F6EECF244321}">
-                <p14:modId xmlns:p14="http://schemas.microsoft.com/office/powerpoint/2010/main" val="433126096"/>
-              </p:ext>
-            </p:extLst>
-          </p:nvPr>
-        </p:nvGraphicFramePr>
-        <p:xfrm>
-          <a:off x="2007616" y="3292178"/>
-          <a:ext cx="8128000" cy="741680"/>
-        </p:xfrm>
-        <a:graphic>
-          <a:graphicData uri="http://schemas.openxmlformats.org/drawingml/2006/table">
-            <a:tbl>
-              <a:tblPr firstRow="1" bandRow="1">
-                <a:tableStyleId>{5C22544A-7EE6-4342-B048-85BDC9FD1C3A}</a:tableStyleId>
-              </a:tblPr>
-              <a:tblGrid>
-                <a:gridCol w="2032000">
-                  <a:extLst>
-                    <a:ext uri="{9D8B030D-6E8A-4147-A177-3AD203B41FA5}">
-                      <a16:colId xmlns:a16="http://schemas.microsoft.com/office/drawing/2014/main" val="20000"/>
-                    </a:ext>
-                  </a:extLst>
-                </a:gridCol>
-                <a:gridCol w="2032000">
-                  <a:extLst>
-                    <a:ext uri="{9D8B030D-6E8A-4147-A177-3AD203B41FA5}">
-                      <a16:colId xmlns:a16="http://schemas.microsoft.com/office/drawing/2014/main" val="20001"/>
-                    </a:ext>
-                  </a:extLst>
-                </a:gridCol>
-                <a:gridCol w="2032000">
-                  <a:extLst>
-                    <a:ext uri="{9D8B030D-6E8A-4147-A177-3AD203B41FA5}">
-                      <a16:colId xmlns:a16="http://schemas.microsoft.com/office/drawing/2014/main" val="20002"/>
-                    </a:ext>
-                  </a:extLst>
-                </a:gridCol>
-                <a:gridCol w="2032000">
-                  <a:extLst>
-                    <a:ext uri="{9D8B030D-6E8A-4147-A177-3AD203B41FA5}">
-                      <a16:colId xmlns:a16="http://schemas.microsoft.com/office/drawing/2014/main" val="20003"/>
-                    </a:ext>
-                  </a:extLst>
-                </a:gridCol>
-              </a:tblGrid>
-              <a:tr h="370840">
-                <a:tc>
-                  <a:txBody>
-                    <a:bodyPr/>
-                    <a:lstStyle/>
-                    <a:p>
-                      <a:r>
-                        <a:rPr lang="pl-PL" dirty="0"/>
-                        <a:t>Argument</a:t>
-                      </a:r>
-                    </a:p>
-                  </a:txBody>
-                  <a:tcPr/>
-                </a:tc>
-                <a:tc>
-                  <a:txBody>
-                    <a:bodyPr/>
-                    <a:lstStyle/>
-                    <a:p>
-                      <a:pPr algn="ctr"/>
-                      <a:r>
-                        <a:rPr lang="pl-PL" dirty="0"/>
-                        <a:t>12; 4</a:t>
-                      </a:r>
-                    </a:p>
-                  </a:txBody>
-                  <a:tcPr/>
-                </a:tc>
-                <a:tc>
-                  <a:txBody>
-                    <a:bodyPr/>
-                    <a:lstStyle/>
-                    <a:p>
-                      <a:pPr algn="ctr"/>
-                      <a:r>
-                        <a:rPr lang="pl-PL" dirty="0"/>
-                        <a:t>3; 5</a:t>
-                      </a:r>
-                    </a:p>
-                  </a:txBody>
-                  <a:tcPr/>
-                </a:tc>
-                <a:tc>
-                  <a:txBody>
-                    <a:bodyPr/>
-                    <a:lstStyle/>
-                    <a:p>
-                      <a:pPr algn="ctr"/>
-                      <a:r>
-                        <a:rPr lang="pl-PL" dirty="0"/>
-                        <a:t>13; 5</a:t>
-                      </a:r>
-                    </a:p>
-                  </a:txBody>
-                  <a:tcPr/>
-                </a:tc>
-                <a:extLst>
-                  <a:ext uri="{0D108BD9-81ED-4DB2-BD59-A6C34878D82A}">
-                    <a16:rowId xmlns:a16="http://schemas.microsoft.com/office/drawing/2014/main" val="10000"/>
-                  </a:ext>
-                </a:extLst>
-              </a:tr>
-              <a:tr h="370840">
-                <a:tc>
-                  <a:txBody>
-                    <a:bodyPr/>
-                    <a:lstStyle/>
-                    <a:p>
-                      <a:r>
-                        <a:rPr lang="pl-PL" dirty="0"/>
-                        <a:t>Wynik</a:t>
-                      </a:r>
-                    </a:p>
-                  </a:txBody>
-                  <a:tcPr/>
-                </a:tc>
-                <a:tc>
-                  <a:txBody>
-                    <a:bodyPr/>
-                    <a:lstStyle/>
-                    <a:p>
-                      <a:pPr algn="ctr"/>
-                      <a:r>
-                        <a:rPr lang="pl-PL" dirty="0"/>
-                        <a:t>8</a:t>
-                      </a:r>
-                    </a:p>
-                  </a:txBody>
-                  <a:tcPr/>
-                </a:tc>
-                <a:tc>
-                  <a:txBody>
-                    <a:bodyPr/>
-                    <a:lstStyle/>
-                    <a:p>
-                      <a:pPr algn="ctr"/>
-                      <a:r>
-                        <a:rPr lang="pl-PL" dirty="0"/>
-                        <a:t>2</a:t>
-                      </a:r>
-                    </a:p>
-                  </a:txBody>
-                  <a:tcPr/>
-                </a:tc>
-                <a:tc>
-                  <a:txBody>
-                    <a:bodyPr/>
-                    <a:lstStyle/>
-                    <a:p>
-                      <a:pPr algn="ctr"/>
-                      <a:r>
-                        <a:rPr lang="pl-PL" dirty="0"/>
-                        <a:t>8</a:t>
-                      </a:r>
-                    </a:p>
-                  </a:txBody>
-                  <a:tcPr/>
-                </a:tc>
-                <a:extLst>
-                  <a:ext uri="{0D108BD9-81ED-4DB2-BD59-A6C34878D82A}">
-                    <a16:rowId xmlns:a16="http://schemas.microsoft.com/office/drawing/2014/main" val="10001"/>
-                  </a:ext>
-                </a:extLst>
-              </a:tr>
-            </a:tbl>
-          </a:graphicData>
-        </a:graphic>
-      </p:graphicFrame>
-      <p:sp>
-        <p:nvSpPr>
-          <p:cNvPr id="8" name="pole tekstowe 7"/>
-          <p:cNvSpPr txBox="1"/>
-          <p:nvPr/>
-        </p:nvSpPr>
-        <p:spPr>
-          <a:xfrm>
-            <a:off x="816864" y="5108448"/>
-            <a:ext cx="1243584" cy="369332"/>
-          </a:xfrm>
-          <a:prstGeom prst="rect">
-            <a:avLst/>
-          </a:prstGeom>
-          <a:noFill/>
-        </p:spPr>
-        <p:txBody>
-          <a:bodyPr wrap="square" rtlCol="0">
-            <a:spAutoFit/>
-          </a:bodyPr>
-          <a:lstStyle/>
-          <a:p>
-            <a:r>
-              <a:rPr lang="pl-PL" dirty="0"/>
-              <a:t>Funkcja 3</a:t>
-            </a:r>
-          </a:p>
-        </p:txBody>
-      </p:sp>
-      <p:graphicFrame>
-        <p:nvGraphicFramePr>
-          <p:cNvPr id="9" name="Tabela 8"/>
-          <p:cNvGraphicFramePr>
-            <a:graphicFrameLocks noGrp="1"/>
-          </p:cNvGraphicFramePr>
-          <p:nvPr>
-            <p:extLst>
-              <p:ext uri="{D42A27DB-BD31-4B8C-83A1-F6EECF244321}">
-                <p14:modId xmlns:p14="http://schemas.microsoft.com/office/powerpoint/2010/main" val="3930474442"/>
-              </p:ext>
-            </p:extLst>
-          </p:nvPr>
-        </p:nvGraphicFramePr>
-        <p:xfrm>
-          <a:off x="1983232" y="5340434"/>
-          <a:ext cx="8128000" cy="741680"/>
-        </p:xfrm>
-        <a:graphic>
-          <a:graphicData uri="http://schemas.openxmlformats.org/drawingml/2006/table">
-            <a:tbl>
-              <a:tblPr firstRow="1" bandRow="1">
-                <a:tableStyleId>{5C22544A-7EE6-4342-B048-85BDC9FD1C3A}</a:tableStyleId>
-              </a:tblPr>
-              <a:tblGrid>
-                <a:gridCol w="2032000">
-                  <a:extLst>
-                    <a:ext uri="{9D8B030D-6E8A-4147-A177-3AD203B41FA5}">
-                      <a16:colId xmlns:a16="http://schemas.microsoft.com/office/drawing/2014/main" val="20000"/>
-                    </a:ext>
-                  </a:extLst>
-                </a:gridCol>
-                <a:gridCol w="2032000">
-                  <a:extLst>
-                    <a:ext uri="{9D8B030D-6E8A-4147-A177-3AD203B41FA5}">
-                      <a16:colId xmlns:a16="http://schemas.microsoft.com/office/drawing/2014/main" val="20001"/>
-                    </a:ext>
-                  </a:extLst>
-                </a:gridCol>
-                <a:gridCol w="2032000">
-                  <a:extLst>
-                    <a:ext uri="{9D8B030D-6E8A-4147-A177-3AD203B41FA5}">
-                      <a16:colId xmlns:a16="http://schemas.microsoft.com/office/drawing/2014/main" val="20002"/>
-                    </a:ext>
-                  </a:extLst>
-                </a:gridCol>
-                <a:gridCol w="2032000">
-                  <a:extLst>
-                    <a:ext uri="{9D8B030D-6E8A-4147-A177-3AD203B41FA5}">
-                      <a16:colId xmlns:a16="http://schemas.microsoft.com/office/drawing/2014/main" val="20003"/>
-                    </a:ext>
-                  </a:extLst>
-                </a:gridCol>
-              </a:tblGrid>
-              <a:tr h="370840">
-                <a:tc>
-                  <a:txBody>
-                    <a:bodyPr/>
-                    <a:lstStyle/>
-                    <a:p>
-                      <a:r>
-                        <a:rPr lang="pl-PL" dirty="0"/>
-                        <a:t>Argument</a:t>
-                      </a:r>
-                    </a:p>
-                  </a:txBody>
-                  <a:tcPr/>
-                </a:tc>
-                <a:tc>
-                  <a:txBody>
-                    <a:bodyPr/>
-                    <a:lstStyle/>
-                    <a:p>
-                      <a:pPr algn="ctr"/>
-                      <a:r>
-                        <a:rPr lang="pl-PL" dirty="0"/>
-                        <a:t>3</a:t>
-                      </a:r>
-                    </a:p>
-                  </a:txBody>
-                  <a:tcPr/>
-                </a:tc>
-                <a:tc>
-                  <a:txBody>
-                    <a:bodyPr/>
-                    <a:lstStyle/>
-                    <a:p>
-                      <a:pPr algn="ctr"/>
-                      <a:r>
-                        <a:rPr lang="pl-PL" dirty="0"/>
-                        <a:t>4</a:t>
-                      </a:r>
-                    </a:p>
-                  </a:txBody>
-                  <a:tcPr/>
-                </a:tc>
-                <a:tc>
-                  <a:txBody>
-                    <a:bodyPr/>
-                    <a:lstStyle/>
-                    <a:p>
-                      <a:pPr algn="ctr"/>
-                      <a:r>
-                        <a:rPr lang="pl-PL" dirty="0"/>
-                        <a:t>10</a:t>
-                      </a:r>
-                    </a:p>
-                  </a:txBody>
-                  <a:tcPr/>
-                </a:tc>
-                <a:extLst>
-                  <a:ext uri="{0D108BD9-81ED-4DB2-BD59-A6C34878D82A}">
-                    <a16:rowId xmlns:a16="http://schemas.microsoft.com/office/drawing/2014/main" val="10000"/>
-                  </a:ext>
-                </a:extLst>
-              </a:tr>
-              <a:tr h="370840">
-                <a:tc>
-                  <a:txBody>
-                    <a:bodyPr/>
-                    <a:lstStyle/>
-                    <a:p>
-                      <a:r>
-                        <a:rPr lang="pl-PL" dirty="0"/>
-                        <a:t>Wynik</a:t>
-                      </a:r>
-                    </a:p>
-                  </a:txBody>
-                  <a:tcPr/>
-                </a:tc>
-                <a:tc>
-                  <a:txBody>
-                    <a:bodyPr/>
-                    <a:lstStyle/>
-                    <a:p>
-                      <a:pPr algn="ctr"/>
-                      <a:r>
-                        <a:rPr lang="pl-PL" dirty="0"/>
-                        <a:t>11</a:t>
-                      </a:r>
-                    </a:p>
-                  </a:txBody>
-                  <a:tcPr/>
-                </a:tc>
-                <a:tc>
-                  <a:txBody>
-                    <a:bodyPr/>
-                    <a:lstStyle/>
-                    <a:p>
-                      <a:pPr algn="ctr"/>
-                      <a:r>
-                        <a:rPr lang="pl-PL" dirty="0"/>
-                        <a:t>100</a:t>
-                      </a:r>
-                    </a:p>
-                  </a:txBody>
-                  <a:tcPr/>
-                </a:tc>
-                <a:tc>
-                  <a:txBody>
-                    <a:bodyPr/>
-                    <a:lstStyle/>
-                    <a:p>
-                      <a:pPr algn="ctr"/>
-                      <a:r>
-                        <a:rPr lang="pl-PL" dirty="0"/>
-                        <a:t>1010</a:t>
-                      </a:r>
-                    </a:p>
-                  </a:txBody>
-                  <a:tcPr/>
-                </a:tc>
-                <a:extLst>
-                  <a:ext uri="{0D108BD9-81ED-4DB2-BD59-A6C34878D82A}">
-                    <a16:rowId xmlns:a16="http://schemas.microsoft.com/office/drawing/2014/main" val="10001"/>
-                  </a:ext>
-                </a:extLst>
-              </a:tr>
-            </a:tbl>
-          </a:graphicData>
-        </a:graphic>
-      </p:graphicFrame>
-      <p:sp>
-        <p:nvSpPr>
-          <p:cNvPr id="10" name="pole tekstowe 9">
-            <a:extLst>
-              <a:ext uri="{FF2B5EF4-FFF2-40B4-BE49-F238E27FC236}">
-                <a16:creationId xmlns:a16="http://schemas.microsoft.com/office/drawing/2014/main" id="{A98E0FB9-CE99-2C47-8E79-D8F06C498920}"/>
-              </a:ext>
-            </a:extLst>
-          </p:cNvPr>
-          <p:cNvSpPr txBox="1"/>
-          <p:nvPr/>
-        </p:nvSpPr>
-        <p:spPr>
-          <a:xfrm>
-            <a:off x="212426" y="133815"/>
-            <a:ext cx="1028038" cy="369332"/>
-          </a:xfrm>
-          <a:prstGeom prst="rect">
-            <a:avLst/>
-          </a:prstGeom>
-          <a:noFill/>
-        </p:spPr>
-        <p:txBody>
-          <a:bodyPr wrap="none" rtlCol="0">
-            <a:spAutoFit/>
-          </a:bodyPr>
-          <a:lstStyle/>
-          <a:p>
-            <a:r>
-              <a:rPr lang="pl-PL" b="1" dirty="0"/>
-              <a:t>Wersja B</a:t>
-            </a:r>
-          </a:p>
-        </p:txBody>
-      </p:sp>
-    </p:spTree>
-    <p:extLst>
-      <p:ext uri="{BB962C8B-B14F-4D97-AF65-F5344CB8AC3E}">
-        <p14:creationId xmlns:p14="http://schemas.microsoft.com/office/powerpoint/2010/main" val="1477541209"/>
-      </p:ext>
-    </p:extLst>
-  </p:cSld>
-  <p:clrMapOvr>
-    <a:masterClrMapping/>
-  </p:clrMapOvr>
-</p:sld>
-</file>
-
-<file path=ppt/slides/slide7.xml><?xml version="1.0" encoding="utf-8"?>
-<p:sld xmlns:a="http://schemas.openxmlformats.org/drawingml/2006/main" xmlns:r="http://schemas.openxmlformats.org/officeDocument/2006/relationships" xmlns:p="http://schemas.openxmlformats.org/presentationml/2006/main">
-  <p:cSld>
-    <p:spTree>
-      <p:nvGrpSpPr>
-        <p:cNvPr id="1" name=""/>
-        <p:cNvGrpSpPr/>
-        <p:nvPr/>
-      </p:nvGrpSpPr>
-      <p:grpSpPr>
-        <a:xfrm>
-          <a:off x="0" y="0"/>
-          <a:ext cx="0" cy="0"/>
-          <a:chOff x="0" y="0"/>
-          <a:chExt cx="0" cy="0"/>
-        </a:xfrm>
-      </p:grpSpPr>
-      <p:sp>
-        <p:nvSpPr>
-          <p:cNvPr id="4" name="pole tekstowe 3"/>
-          <p:cNvSpPr txBox="1"/>
-          <p:nvPr/>
-        </p:nvSpPr>
-        <p:spPr>
-          <a:xfrm>
-            <a:off x="780288" y="573024"/>
-            <a:ext cx="1621536" cy="369332"/>
-          </a:xfrm>
-          <a:prstGeom prst="rect">
-            <a:avLst/>
-          </a:prstGeom>
-          <a:noFill/>
-        </p:spPr>
-        <p:txBody>
-          <a:bodyPr wrap="square" rtlCol="0">
-            <a:spAutoFit/>
-          </a:bodyPr>
-          <a:lstStyle/>
-          <a:p>
-            <a:r>
-              <a:rPr lang="pl-PL" dirty="0"/>
-              <a:t>Funkcja 1</a:t>
-            </a:r>
-          </a:p>
-        </p:txBody>
-      </p:sp>
-      <p:graphicFrame>
-        <p:nvGraphicFramePr>
-          <p:cNvPr id="5" name="Tabela 4"/>
-          <p:cNvGraphicFramePr>
-            <a:graphicFrameLocks noGrp="1"/>
-          </p:cNvGraphicFramePr>
-          <p:nvPr>
-            <p:extLst>
-              <p:ext uri="{D42A27DB-BD31-4B8C-83A1-F6EECF244321}">
-                <p14:modId xmlns:p14="http://schemas.microsoft.com/office/powerpoint/2010/main" val="3519560366"/>
-              </p:ext>
-            </p:extLst>
-          </p:nvPr>
-        </p:nvGraphicFramePr>
-        <p:xfrm>
-          <a:off x="2032000" y="1012274"/>
-          <a:ext cx="8128000" cy="741680"/>
-        </p:xfrm>
-        <a:graphic>
-          <a:graphicData uri="http://schemas.openxmlformats.org/drawingml/2006/table">
-            <a:tbl>
-              <a:tblPr firstRow="1" bandRow="1">
-                <a:tableStyleId>{5C22544A-7EE6-4342-B048-85BDC9FD1C3A}</a:tableStyleId>
-              </a:tblPr>
-              <a:tblGrid>
-                <a:gridCol w="2032000">
-                  <a:extLst>
-                    <a:ext uri="{9D8B030D-6E8A-4147-A177-3AD203B41FA5}">
-                      <a16:colId xmlns:a16="http://schemas.microsoft.com/office/drawing/2014/main" val="20000"/>
-                    </a:ext>
-                  </a:extLst>
-                </a:gridCol>
-                <a:gridCol w="2032000">
-                  <a:extLst>
-                    <a:ext uri="{9D8B030D-6E8A-4147-A177-3AD203B41FA5}">
-                      <a16:colId xmlns:a16="http://schemas.microsoft.com/office/drawing/2014/main" val="20001"/>
-                    </a:ext>
-                  </a:extLst>
-                </a:gridCol>
-                <a:gridCol w="2032000">
-                  <a:extLst>
-                    <a:ext uri="{9D8B030D-6E8A-4147-A177-3AD203B41FA5}">
-                      <a16:colId xmlns:a16="http://schemas.microsoft.com/office/drawing/2014/main" val="20002"/>
-                    </a:ext>
-                  </a:extLst>
-                </a:gridCol>
-                <a:gridCol w="2032000">
-                  <a:extLst>
-                    <a:ext uri="{9D8B030D-6E8A-4147-A177-3AD203B41FA5}">
-                      <a16:colId xmlns:a16="http://schemas.microsoft.com/office/drawing/2014/main" val="20003"/>
-                    </a:ext>
-                  </a:extLst>
-                </a:gridCol>
-              </a:tblGrid>
-              <a:tr h="370840">
-                <a:tc>
-                  <a:txBody>
-                    <a:bodyPr/>
-                    <a:lstStyle/>
-                    <a:p>
-                      <a:r>
-                        <a:rPr lang="pl-PL" dirty="0"/>
-                        <a:t>Argument</a:t>
-                      </a:r>
-                    </a:p>
-                  </a:txBody>
-                  <a:tcPr/>
-                </a:tc>
-                <a:tc>
-                  <a:txBody>
-                    <a:bodyPr/>
-                    <a:lstStyle/>
-                    <a:p>
-                      <a:pPr algn="ctr"/>
-                      <a:r>
-                        <a:rPr lang="pl-PL" dirty="0"/>
-                        <a:t>a</a:t>
-                      </a:r>
-                    </a:p>
-                  </a:txBody>
-                  <a:tcPr/>
-                </a:tc>
-                <a:tc>
-                  <a:txBody>
-                    <a:bodyPr/>
-                    <a:lstStyle/>
-                    <a:p>
-                      <a:pPr algn="ctr"/>
-                      <a:r>
-                        <a:rPr lang="pl-PL" dirty="0"/>
-                        <a:t>g</a:t>
-                      </a:r>
-                    </a:p>
-                  </a:txBody>
-                  <a:tcPr/>
-                </a:tc>
-                <a:tc>
-                  <a:txBody>
-                    <a:bodyPr/>
-                    <a:lstStyle/>
-                    <a:p>
-                      <a:pPr algn="ctr"/>
-                      <a:r>
-                        <a:rPr lang="pl-PL" dirty="0"/>
-                        <a:t>z</a:t>
-                      </a:r>
-                    </a:p>
-                  </a:txBody>
-                  <a:tcPr/>
-                </a:tc>
-                <a:extLst>
-                  <a:ext uri="{0D108BD9-81ED-4DB2-BD59-A6C34878D82A}">
-                    <a16:rowId xmlns:a16="http://schemas.microsoft.com/office/drawing/2014/main" val="10000"/>
-                  </a:ext>
-                </a:extLst>
-              </a:tr>
-              <a:tr h="370840">
-                <a:tc>
-                  <a:txBody>
-                    <a:bodyPr/>
-                    <a:lstStyle/>
-                    <a:p>
-                      <a:r>
-                        <a:rPr lang="pl-PL" dirty="0"/>
-                        <a:t>Wynik</a:t>
-                      </a:r>
-                    </a:p>
-                  </a:txBody>
-                  <a:tcPr/>
-                </a:tc>
-                <a:tc>
-                  <a:txBody>
-                    <a:bodyPr/>
-                    <a:lstStyle/>
-                    <a:p>
-                      <a:pPr algn="ctr"/>
-                      <a:r>
-                        <a:rPr lang="pl-PL" dirty="0"/>
-                        <a:t>z</a:t>
-                      </a:r>
-                    </a:p>
-                  </a:txBody>
-                  <a:tcPr/>
-                </a:tc>
-                <a:tc>
-                  <a:txBody>
-                    <a:bodyPr/>
-                    <a:lstStyle/>
-                    <a:p>
-                      <a:pPr algn="ctr"/>
-                      <a:r>
-                        <a:rPr lang="pl-PL" dirty="0"/>
-                        <a:t>f</a:t>
-                      </a:r>
-                    </a:p>
-                  </a:txBody>
-                  <a:tcPr/>
-                </a:tc>
-                <a:tc>
-                  <a:txBody>
-                    <a:bodyPr/>
-                    <a:lstStyle/>
-                    <a:p>
-                      <a:pPr algn="ctr"/>
-                      <a:r>
-                        <a:rPr lang="pl-PL" dirty="0"/>
-                        <a:t>y</a:t>
-                      </a:r>
-                    </a:p>
-                  </a:txBody>
-                  <a:tcPr/>
-                </a:tc>
-                <a:extLst>
-                  <a:ext uri="{0D108BD9-81ED-4DB2-BD59-A6C34878D82A}">
-                    <a16:rowId xmlns:a16="http://schemas.microsoft.com/office/drawing/2014/main" val="10001"/>
-                  </a:ext>
-                </a:extLst>
-              </a:tr>
-            </a:tbl>
-          </a:graphicData>
-        </a:graphic>
-      </p:graphicFrame>
-      <p:sp>
-        <p:nvSpPr>
-          <p:cNvPr id="3" name="pole tekstowe 2">
-            <a:extLst>
-              <a:ext uri="{FF2B5EF4-FFF2-40B4-BE49-F238E27FC236}">
-                <a16:creationId xmlns:a16="http://schemas.microsoft.com/office/drawing/2014/main" id="{B9300B6F-B5E9-F54E-AFDC-88E93D97A241}"/>
-              </a:ext>
-            </a:extLst>
-          </p:cNvPr>
-          <p:cNvSpPr txBox="1"/>
-          <p:nvPr/>
-        </p:nvSpPr>
-        <p:spPr>
-          <a:xfrm>
-            <a:off x="212426" y="133815"/>
-            <a:ext cx="1028038" cy="369332"/>
-          </a:xfrm>
-          <a:prstGeom prst="rect">
-            <a:avLst/>
-          </a:prstGeom>
-          <a:noFill/>
-        </p:spPr>
-        <p:txBody>
-          <a:bodyPr wrap="none" rtlCol="0">
-            <a:spAutoFit/>
-          </a:bodyPr>
-          <a:lstStyle/>
-          <a:p>
-            <a:r>
-              <a:rPr lang="pl-PL" b="1" dirty="0"/>
-              <a:t>Wersja B</a:t>
-            </a:r>
-          </a:p>
-        </p:txBody>
-      </p:sp>
-      <p:sp>
-        <p:nvSpPr>
-          <p:cNvPr id="2" name="pole tekstowe 1">
-            <a:extLst>
-              <a:ext uri="{FF2B5EF4-FFF2-40B4-BE49-F238E27FC236}">
-                <a16:creationId xmlns:a16="http://schemas.microsoft.com/office/drawing/2014/main" id="{D469B54B-643F-4A4B-A8E3-8DCB59A05D04}"/>
-              </a:ext>
-            </a:extLst>
-          </p:cNvPr>
-          <p:cNvSpPr txBox="1"/>
-          <p:nvPr/>
-        </p:nvSpPr>
-        <p:spPr>
-          <a:xfrm>
-            <a:off x="780288" y="2219092"/>
-            <a:ext cx="9379712" cy="2585323"/>
-          </a:xfrm>
-          <a:prstGeom prst="rect">
-            <a:avLst/>
-          </a:prstGeom>
-          <a:noFill/>
-        </p:spPr>
-        <p:txBody>
-          <a:bodyPr wrap="square" rtlCol="0">
-            <a:spAutoFit/>
-          </a:bodyPr>
-          <a:lstStyle/>
-          <a:p>
-            <a:r>
-              <a:rPr lang="pl-PL" sz="2400" b="1" dirty="0"/>
-              <a:t>Specyfikacja</a:t>
-            </a:r>
-          </a:p>
-          <a:p>
-            <a:endParaRPr lang="pl-PL" dirty="0"/>
-          </a:p>
-          <a:p>
-            <a:r>
-              <a:rPr lang="pl-PL" sz="2000" b="1" dirty="0"/>
-              <a:t>Dane</a:t>
-            </a:r>
-            <a:r>
-              <a:rPr lang="pl-PL" sz="2000" dirty="0"/>
-              <a:t>:</a:t>
-            </a:r>
-          </a:p>
-          <a:p>
-            <a:pPr marL="742950" lvl="1" indent="-285750">
-              <a:buFont typeface="Arial" panose="020B0604020202020204" pitchFamily="34" charset="0"/>
-              <a:buChar char="•"/>
-            </a:pPr>
-            <a:r>
-              <a:rPr lang="pl-PL" sz="2000" dirty="0"/>
-              <a:t>Znak, litera z alfabetu angielskiego</a:t>
-            </a:r>
-          </a:p>
-          <a:p>
-            <a:r>
-              <a:rPr lang="pl-PL" sz="2000" b="1" dirty="0"/>
-              <a:t>Wynik</a:t>
-            </a:r>
-            <a:r>
-              <a:rPr lang="pl-PL" sz="2000" dirty="0"/>
-              <a:t>:</a:t>
-            </a:r>
-          </a:p>
-          <a:p>
-            <a:pPr marL="742950" lvl="1" indent="-285750">
-              <a:buFont typeface="Arial" panose="020B0604020202020204" pitchFamily="34" charset="0"/>
-              <a:buChar char="•"/>
-            </a:pPr>
-            <a:r>
-              <a:rPr lang="pl-PL" sz="2000" dirty="0"/>
-              <a:t>Litera znajdująca się jeden znak w lewo w alfabecie w stosunku do podanej, przy założeniu, że dla pierwszej litery jej sąsiadem z lewej strony jest ostatnia litera alfabetu</a:t>
-            </a:r>
-          </a:p>
-        </p:txBody>
-      </p:sp>
-    </p:spTree>
-    <p:extLst>
-      <p:ext uri="{BB962C8B-B14F-4D97-AF65-F5344CB8AC3E}">
-        <p14:creationId xmlns:p14="http://schemas.microsoft.com/office/powerpoint/2010/main" val="2451591860"/>
-      </p:ext>
-    </p:extLst>
-  </p:cSld>
-  <p:clrMapOvr>
-    <a:masterClrMapping/>
-  </p:clrMapOvr>
-</p:sld>
-</file>
-
-<file path=ppt/slides/slide8.xml><?xml version="1.0" encoding="utf-8"?>
-<p:sld xmlns:a="http://schemas.openxmlformats.org/drawingml/2006/main" xmlns:r="http://schemas.openxmlformats.org/officeDocument/2006/relationships" xmlns:p="http://schemas.openxmlformats.org/presentationml/2006/main">
-  <p:cSld>
-    <p:spTree>
-      <p:nvGrpSpPr>
-        <p:cNvPr id="1" name=""/>
-        <p:cNvGrpSpPr/>
-        <p:nvPr/>
-      </p:nvGrpSpPr>
-      <p:grpSpPr>
-        <a:xfrm>
-          <a:off x="0" y="0"/>
-          <a:ext cx="0" cy="0"/>
-          <a:chOff x="0" y="0"/>
-          <a:chExt cx="0" cy="0"/>
-        </a:xfrm>
-      </p:grpSpPr>
-      <p:sp>
-        <p:nvSpPr>
-          <p:cNvPr id="4" name="pole tekstowe 3"/>
-          <p:cNvSpPr txBox="1"/>
-          <p:nvPr/>
-        </p:nvSpPr>
-        <p:spPr>
-          <a:xfrm>
-            <a:off x="780288" y="573024"/>
-            <a:ext cx="1621536" cy="369332"/>
-          </a:xfrm>
-          <a:prstGeom prst="rect">
-            <a:avLst/>
-          </a:prstGeom>
-          <a:noFill/>
-        </p:spPr>
-        <p:txBody>
-          <a:bodyPr wrap="square" rtlCol="0">
-            <a:spAutoFit/>
-          </a:bodyPr>
-          <a:lstStyle/>
-          <a:p>
-            <a:r>
-              <a:rPr lang="pl-PL" dirty="0"/>
-              <a:t>Funkcja 2</a:t>
-            </a:r>
-          </a:p>
-        </p:txBody>
-      </p:sp>
-      <p:graphicFrame>
-        <p:nvGraphicFramePr>
-          <p:cNvPr id="5" name="Tabela 4"/>
-          <p:cNvGraphicFramePr>
-            <a:graphicFrameLocks noGrp="1"/>
-          </p:cNvGraphicFramePr>
-          <p:nvPr>
-            <p:extLst>
-              <p:ext uri="{D42A27DB-BD31-4B8C-83A1-F6EECF244321}">
-                <p14:modId xmlns:p14="http://schemas.microsoft.com/office/powerpoint/2010/main" val="1911196942"/>
-              </p:ext>
-            </p:extLst>
-          </p:nvPr>
-        </p:nvGraphicFramePr>
-        <p:xfrm>
-          <a:off x="2032000" y="1012274"/>
-          <a:ext cx="8128000" cy="741680"/>
-        </p:xfrm>
-        <a:graphic>
-          <a:graphicData uri="http://schemas.openxmlformats.org/drawingml/2006/table">
-            <a:tbl>
-              <a:tblPr firstRow="1" bandRow="1">
-                <a:tableStyleId>{5C22544A-7EE6-4342-B048-85BDC9FD1C3A}</a:tableStyleId>
-              </a:tblPr>
-              <a:tblGrid>
-                <a:gridCol w="2032000">
-                  <a:extLst>
-                    <a:ext uri="{9D8B030D-6E8A-4147-A177-3AD203B41FA5}">
-                      <a16:colId xmlns:a16="http://schemas.microsoft.com/office/drawing/2014/main" val="20000"/>
-                    </a:ext>
-                  </a:extLst>
-                </a:gridCol>
-                <a:gridCol w="2032000">
-                  <a:extLst>
-                    <a:ext uri="{9D8B030D-6E8A-4147-A177-3AD203B41FA5}">
-                      <a16:colId xmlns:a16="http://schemas.microsoft.com/office/drawing/2014/main" val="20001"/>
-                    </a:ext>
-                  </a:extLst>
-                </a:gridCol>
-                <a:gridCol w="2032000">
-                  <a:extLst>
-                    <a:ext uri="{9D8B030D-6E8A-4147-A177-3AD203B41FA5}">
-                      <a16:colId xmlns:a16="http://schemas.microsoft.com/office/drawing/2014/main" val="20002"/>
-                    </a:ext>
-                  </a:extLst>
-                </a:gridCol>
-                <a:gridCol w="2032000">
-                  <a:extLst>
-                    <a:ext uri="{9D8B030D-6E8A-4147-A177-3AD203B41FA5}">
-                      <a16:colId xmlns:a16="http://schemas.microsoft.com/office/drawing/2014/main" val="20003"/>
-                    </a:ext>
-                  </a:extLst>
-                </a:gridCol>
-              </a:tblGrid>
-              <a:tr h="370840">
-                <a:tc>
-                  <a:txBody>
-                    <a:bodyPr/>
-                    <a:lstStyle/>
-                    <a:p>
-                      <a:r>
-                        <a:rPr lang="pl-PL" dirty="0"/>
-                        <a:t>Argument</a:t>
-                      </a:r>
-                    </a:p>
-                  </a:txBody>
-                  <a:tcPr/>
-                </a:tc>
-                <a:tc>
-                  <a:txBody>
-                    <a:bodyPr/>
-                    <a:lstStyle/>
-                    <a:p>
-                      <a:pPr algn="ctr"/>
-                      <a:r>
-                        <a:rPr lang="pl-PL" dirty="0"/>
-                        <a:t>12; 4</a:t>
-                      </a:r>
-                    </a:p>
-                  </a:txBody>
-                  <a:tcPr/>
-                </a:tc>
-                <a:tc>
-                  <a:txBody>
-                    <a:bodyPr/>
-                    <a:lstStyle/>
-                    <a:p>
-                      <a:pPr algn="ctr"/>
-                      <a:r>
-                        <a:rPr lang="pl-PL" dirty="0"/>
-                        <a:t>3; 5</a:t>
-                      </a:r>
-                    </a:p>
-                  </a:txBody>
-                  <a:tcPr/>
-                </a:tc>
-                <a:tc>
-                  <a:txBody>
-                    <a:bodyPr/>
-                    <a:lstStyle/>
-                    <a:p>
-                      <a:pPr algn="ctr"/>
-                      <a:r>
-                        <a:rPr lang="pl-PL" dirty="0"/>
-                        <a:t>13; 5</a:t>
-                      </a:r>
-                    </a:p>
-                  </a:txBody>
-                  <a:tcPr/>
-                </a:tc>
-                <a:extLst>
-                  <a:ext uri="{0D108BD9-81ED-4DB2-BD59-A6C34878D82A}">
-                    <a16:rowId xmlns:a16="http://schemas.microsoft.com/office/drawing/2014/main" val="10000"/>
-                  </a:ext>
-                </a:extLst>
-              </a:tr>
-              <a:tr h="370840">
-                <a:tc>
-                  <a:txBody>
-                    <a:bodyPr/>
-                    <a:lstStyle/>
-                    <a:p>
-                      <a:r>
-                        <a:rPr lang="pl-PL" dirty="0"/>
-                        <a:t>Wynik</a:t>
-                      </a:r>
-                    </a:p>
-                  </a:txBody>
-                  <a:tcPr/>
-                </a:tc>
-                <a:tc>
-                  <a:txBody>
-                    <a:bodyPr/>
-                    <a:lstStyle/>
-                    <a:p>
-                      <a:pPr algn="ctr"/>
-                      <a:r>
-                        <a:rPr lang="pl-PL" dirty="0"/>
-                        <a:t>8</a:t>
-                      </a:r>
-                    </a:p>
-                  </a:txBody>
-                  <a:tcPr/>
-                </a:tc>
-                <a:tc>
-                  <a:txBody>
-                    <a:bodyPr/>
-                    <a:lstStyle/>
-                    <a:p>
-                      <a:pPr algn="ctr"/>
-                      <a:r>
-                        <a:rPr lang="pl-PL" dirty="0"/>
-                        <a:t>2</a:t>
-                      </a:r>
-                    </a:p>
-                  </a:txBody>
-                  <a:tcPr/>
-                </a:tc>
-                <a:tc>
-                  <a:txBody>
-                    <a:bodyPr/>
-                    <a:lstStyle/>
-                    <a:p>
-                      <a:pPr algn="ctr"/>
-                      <a:r>
-                        <a:rPr lang="pl-PL" dirty="0"/>
-                        <a:t>8</a:t>
-                      </a:r>
-                    </a:p>
-                  </a:txBody>
-                  <a:tcPr/>
-                </a:tc>
-                <a:extLst>
-                  <a:ext uri="{0D108BD9-81ED-4DB2-BD59-A6C34878D82A}">
-                    <a16:rowId xmlns:a16="http://schemas.microsoft.com/office/drawing/2014/main" val="10001"/>
-                  </a:ext>
-                </a:extLst>
-              </a:tr>
-            </a:tbl>
-          </a:graphicData>
-        </a:graphic>
-      </p:graphicFrame>
-      <p:sp>
-        <p:nvSpPr>
-          <p:cNvPr id="3" name="pole tekstowe 2">
-            <a:extLst>
-              <a:ext uri="{FF2B5EF4-FFF2-40B4-BE49-F238E27FC236}">
-                <a16:creationId xmlns:a16="http://schemas.microsoft.com/office/drawing/2014/main" id="{B9300B6F-B5E9-F54E-AFDC-88E93D97A241}"/>
-              </a:ext>
-            </a:extLst>
-          </p:cNvPr>
-          <p:cNvSpPr txBox="1"/>
-          <p:nvPr/>
-        </p:nvSpPr>
-        <p:spPr>
-          <a:xfrm>
-            <a:off x="212426" y="133815"/>
-            <a:ext cx="1028038" cy="369332"/>
-          </a:xfrm>
-          <a:prstGeom prst="rect">
-            <a:avLst/>
-          </a:prstGeom>
-          <a:noFill/>
-        </p:spPr>
-        <p:txBody>
-          <a:bodyPr wrap="none" rtlCol="0">
-            <a:spAutoFit/>
-          </a:bodyPr>
-          <a:lstStyle/>
-          <a:p>
-            <a:r>
-              <a:rPr lang="pl-PL" b="1" dirty="0"/>
-              <a:t>Wersja B</a:t>
-            </a:r>
-          </a:p>
-        </p:txBody>
-      </p:sp>
-      <p:sp>
-        <p:nvSpPr>
-          <p:cNvPr id="6" name="pole tekstowe 5">
-            <a:extLst>
-              <a:ext uri="{FF2B5EF4-FFF2-40B4-BE49-F238E27FC236}">
-                <a16:creationId xmlns:a16="http://schemas.microsoft.com/office/drawing/2014/main" id="{86034BD7-D3D3-D341-8CC2-89DE50DB27BC}"/>
-              </a:ext>
-            </a:extLst>
-          </p:cNvPr>
-          <p:cNvSpPr txBox="1"/>
-          <p:nvPr/>
-        </p:nvSpPr>
-        <p:spPr>
-          <a:xfrm>
-            <a:off x="780288" y="2219092"/>
-            <a:ext cx="9379712" cy="1969770"/>
-          </a:xfrm>
-          <a:prstGeom prst="rect">
-            <a:avLst/>
-          </a:prstGeom>
-          <a:noFill/>
-        </p:spPr>
-        <p:txBody>
-          <a:bodyPr wrap="square" rtlCol="0">
-            <a:spAutoFit/>
-          </a:bodyPr>
-          <a:lstStyle/>
-          <a:p>
-            <a:r>
-              <a:rPr lang="pl-PL" sz="2400" b="1" dirty="0"/>
-              <a:t>Specyfikacja</a:t>
-            </a:r>
-          </a:p>
-          <a:p>
-            <a:endParaRPr lang="pl-PL" dirty="0"/>
-          </a:p>
-          <a:p>
-            <a:r>
-              <a:rPr lang="pl-PL" sz="2000" b="1" dirty="0"/>
-              <a:t>Dane</a:t>
-            </a:r>
-            <a:r>
-              <a:rPr lang="pl-PL" sz="2000" dirty="0"/>
-              <a:t>:</a:t>
-            </a:r>
-          </a:p>
-          <a:p>
-            <a:pPr marL="742950" lvl="1" indent="-285750">
-              <a:buFont typeface="Arial" panose="020B0604020202020204" pitchFamily="34" charset="0"/>
-              <a:buChar char="•"/>
-            </a:pPr>
-            <a:r>
-              <a:rPr lang="pl-PL" sz="2000" dirty="0"/>
-              <a:t>a, b - Dwie liczby całkowite</a:t>
-            </a:r>
-          </a:p>
-          <a:p>
-            <a:r>
-              <a:rPr lang="pl-PL" sz="2000" b="1" dirty="0"/>
-              <a:t>Wynik</a:t>
-            </a:r>
-            <a:r>
-              <a:rPr lang="pl-PL" sz="2000" dirty="0"/>
-              <a:t>:</a:t>
-            </a:r>
-          </a:p>
-          <a:p>
-            <a:pPr marL="742950" lvl="1" indent="-285750">
-              <a:buFont typeface="Arial" panose="020B0604020202020204" pitchFamily="34" charset="0"/>
-              <a:buChar char="•"/>
-            </a:pPr>
-            <a:r>
-              <a:rPr lang="pl-PL" sz="2000" dirty="0"/>
-              <a:t>Wartość bezwzględna różnicy podanych liczb: |a – b| </a:t>
-            </a:r>
-          </a:p>
-        </p:txBody>
-      </p:sp>
-    </p:spTree>
-    <p:extLst>
-      <p:ext uri="{BB962C8B-B14F-4D97-AF65-F5344CB8AC3E}">
-        <p14:creationId xmlns:p14="http://schemas.microsoft.com/office/powerpoint/2010/main" val="1948402211"/>
-      </p:ext>
-    </p:extLst>
-  </p:cSld>
-  <p:clrMapOvr>
-    <a:masterClrMapping/>
-  </p:clrMapOvr>
-</p:sld>
-</file>
-
-<file path=ppt/slides/slide9.xml><?xml version="1.0" encoding="utf-8"?>
-<p:sld xmlns:a="http://schemas.openxmlformats.org/drawingml/2006/main" xmlns:r="http://schemas.openxmlformats.org/officeDocument/2006/relationships" xmlns:p="http://schemas.openxmlformats.org/presentationml/2006/main">
-  <p:cSld>
-    <p:spTree>
-      <p:nvGrpSpPr>
-        <p:cNvPr id="1" name=""/>
-        <p:cNvGrpSpPr/>
-        <p:nvPr/>
-      </p:nvGrpSpPr>
-      <p:grpSpPr>
-        <a:xfrm>
-          <a:off x="0" y="0"/>
-          <a:ext cx="0" cy="0"/>
-          <a:chOff x="0" y="0"/>
-          <a:chExt cx="0" cy="0"/>
-        </a:xfrm>
-      </p:grpSpPr>
-      <p:sp>
-        <p:nvSpPr>
-          <p:cNvPr id="4" name="pole tekstowe 3"/>
-          <p:cNvSpPr txBox="1"/>
-          <p:nvPr/>
-        </p:nvSpPr>
-        <p:spPr>
-          <a:xfrm>
-            <a:off x="780288" y="573024"/>
-            <a:ext cx="1621536" cy="369332"/>
-          </a:xfrm>
-          <a:prstGeom prst="rect">
-            <a:avLst/>
-          </a:prstGeom>
-          <a:noFill/>
-        </p:spPr>
-        <p:txBody>
-          <a:bodyPr wrap="square" rtlCol="0">
-            <a:spAutoFit/>
-          </a:bodyPr>
-          <a:lstStyle/>
-          <a:p>
-            <a:r>
-              <a:rPr lang="pl-PL" dirty="0"/>
-              <a:t>Funkcja 3</a:t>
-            </a:r>
-          </a:p>
-        </p:txBody>
-      </p:sp>
-      <p:graphicFrame>
-        <p:nvGraphicFramePr>
-          <p:cNvPr id="5" name="Tabela 4"/>
-          <p:cNvGraphicFramePr>
-            <a:graphicFrameLocks noGrp="1"/>
-          </p:cNvGraphicFramePr>
-          <p:nvPr>
-            <p:extLst>
-              <p:ext uri="{D42A27DB-BD31-4B8C-83A1-F6EECF244321}">
-                <p14:modId xmlns:p14="http://schemas.microsoft.com/office/powerpoint/2010/main" val="997411740"/>
-              </p:ext>
-            </p:extLst>
-          </p:nvPr>
-        </p:nvGraphicFramePr>
-        <p:xfrm>
-          <a:off x="2032000" y="1012274"/>
-          <a:ext cx="8128000" cy="741680"/>
-        </p:xfrm>
-        <a:graphic>
-          <a:graphicData uri="http://schemas.openxmlformats.org/drawingml/2006/table">
-            <a:tbl>
-              <a:tblPr firstRow="1" bandRow="1">
-                <a:tableStyleId>{5C22544A-7EE6-4342-B048-85BDC9FD1C3A}</a:tableStyleId>
-              </a:tblPr>
-              <a:tblGrid>
-                <a:gridCol w="2032000">
-                  <a:extLst>
-                    <a:ext uri="{9D8B030D-6E8A-4147-A177-3AD203B41FA5}">
-                      <a16:colId xmlns:a16="http://schemas.microsoft.com/office/drawing/2014/main" val="20000"/>
-                    </a:ext>
-                  </a:extLst>
-                </a:gridCol>
-                <a:gridCol w="2032000">
-                  <a:extLst>
-                    <a:ext uri="{9D8B030D-6E8A-4147-A177-3AD203B41FA5}">
-                      <a16:colId xmlns:a16="http://schemas.microsoft.com/office/drawing/2014/main" val="20001"/>
-                    </a:ext>
-                  </a:extLst>
-                </a:gridCol>
-                <a:gridCol w="2032000">
-                  <a:extLst>
-                    <a:ext uri="{9D8B030D-6E8A-4147-A177-3AD203B41FA5}">
-                      <a16:colId xmlns:a16="http://schemas.microsoft.com/office/drawing/2014/main" val="20002"/>
-                    </a:ext>
-                  </a:extLst>
-                </a:gridCol>
-                <a:gridCol w="2032000">
-                  <a:extLst>
-                    <a:ext uri="{9D8B030D-6E8A-4147-A177-3AD203B41FA5}">
-                      <a16:colId xmlns:a16="http://schemas.microsoft.com/office/drawing/2014/main" val="20003"/>
-                    </a:ext>
-                  </a:extLst>
-                </a:gridCol>
-              </a:tblGrid>
-              <a:tr h="370840">
-                <a:tc>
-                  <a:txBody>
-                    <a:bodyPr/>
-                    <a:lstStyle/>
-                    <a:p>
-                      <a:r>
-                        <a:rPr lang="pl-PL" dirty="0"/>
-                        <a:t>Argument</a:t>
-                      </a:r>
-                    </a:p>
-                  </a:txBody>
-                  <a:tcPr/>
-                </a:tc>
-                <a:tc>
-                  <a:txBody>
-                    <a:bodyPr/>
-                    <a:lstStyle/>
-                    <a:p>
-                      <a:pPr algn="ctr"/>
-                      <a:r>
-                        <a:rPr lang="pl-PL" dirty="0"/>
-                        <a:t>3</a:t>
-                      </a:r>
-                    </a:p>
-                  </a:txBody>
-                  <a:tcPr/>
-                </a:tc>
-                <a:tc>
-                  <a:txBody>
-                    <a:bodyPr/>
-                    <a:lstStyle/>
-                    <a:p>
-                      <a:pPr algn="ctr"/>
-                      <a:r>
-                        <a:rPr lang="pl-PL" dirty="0"/>
-                        <a:t>4</a:t>
-                      </a:r>
-                    </a:p>
-                  </a:txBody>
-                  <a:tcPr/>
-                </a:tc>
-                <a:tc>
-                  <a:txBody>
-                    <a:bodyPr/>
-                    <a:lstStyle/>
-                    <a:p>
-                      <a:pPr algn="ctr"/>
-                      <a:r>
-                        <a:rPr lang="pl-PL" dirty="0"/>
-                        <a:t>10</a:t>
-                      </a:r>
-                    </a:p>
-                  </a:txBody>
-                  <a:tcPr/>
-                </a:tc>
-                <a:extLst>
-                  <a:ext uri="{0D108BD9-81ED-4DB2-BD59-A6C34878D82A}">
-                    <a16:rowId xmlns:a16="http://schemas.microsoft.com/office/drawing/2014/main" val="10000"/>
-                  </a:ext>
-                </a:extLst>
-              </a:tr>
-              <a:tr h="370840">
-                <a:tc>
-                  <a:txBody>
-                    <a:bodyPr/>
-                    <a:lstStyle/>
-                    <a:p>
-                      <a:r>
-                        <a:rPr lang="pl-PL" dirty="0"/>
-                        <a:t>Wynik</a:t>
-                      </a:r>
-                    </a:p>
-                  </a:txBody>
-                  <a:tcPr/>
-                </a:tc>
-                <a:tc>
-                  <a:txBody>
-                    <a:bodyPr/>
-                    <a:lstStyle/>
-                    <a:p>
-                      <a:pPr algn="ctr"/>
-                      <a:r>
-                        <a:rPr lang="pl-PL" dirty="0"/>
-                        <a:t>11</a:t>
-                      </a:r>
-                    </a:p>
-                  </a:txBody>
-                  <a:tcPr/>
-                </a:tc>
-                <a:tc>
-                  <a:txBody>
-                    <a:bodyPr/>
-                    <a:lstStyle/>
-                    <a:p>
-                      <a:pPr algn="ctr"/>
-                      <a:r>
-                        <a:rPr lang="pl-PL" dirty="0"/>
-                        <a:t>100</a:t>
-                      </a:r>
-                    </a:p>
-                  </a:txBody>
-                  <a:tcPr/>
-                </a:tc>
-                <a:tc>
-                  <a:txBody>
-                    <a:bodyPr/>
-                    <a:lstStyle/>
-                    <a:p>
-                      <a:pPr algn="ctr"/>
-                      <a:r>
-                        <a:rPr lang="pl-PL" dirty="0"/>
-                        <a:t>1010</a:t>
-                      </a:r>
-                    </a:p>
-                  </a:txBody>
-                  <a:tcPr/>
-                </a:tc>
-                <a:extLst>
-                  <a:ext uri="{0D108BD9-81ED-4DB2-BD59-A6C34878D82A}">
-                    <a16:rowId xmlns:a16="http://schemas.microsoft.com/office/drawing/2014/main" val="10001"/>
-                  </a:ext>
-                </a:extLst>
-              </a:tr>
-            </a:tbl>
-          </a:graphicData>
-        </a:graphic>
-      </p:graphicFrame>
-      <p:sp>
-        <p:nvSpPr>
-          <p:cNvPr id="3" name="pole tekstowe 2">
-            <a:extLst>
-              <a:ext uri="{FF2B5EF4-FFF2-40B4-BE49-F238E27FC236}">
-                <a16:creationId xmlns:a16="http://schemas.microsoft.com/office/drawing/2014/main" id="{B9300B6F-B5E9-F54E-AFDC-88E93D97A241}"/>
-              </a:ext>
-            </a:extLst>
-          </p:cNvPr>
-          <p:cNvSpPr txBox="1"/>
-          <p:nvPr/>
-        </p:nvSpPr>
-        <p:spPr>
-          <a:xfrm>
-            <a:off x="212426" y="133815"/>
-            <a:ext cx="1028038" cy="369332"/>
-          </a:xfrm>
-          <a:prstGeom prst="rect">
-            <a:avLst/>
-          </a:prstGeom>
-          <a:noFill/>
-        </p:spPr>
-        <p:txBody>
-          <a:bodyPr wrap="none" rtlCol="0">
-            <a:spAutoFit/>
-          </a:bodyPr>
-          <a:lstStyle/>
-          <a:p>
-            <a:r>
-              <a:rPr lang="pl-PL" b="1" dirty="0"/>
-              <a:t>Wersja B</a:t>
-            </a:r>
-          </a:p>
-        </p:txBody>
-      </p:sp>
-      <p:sp>
-        <p:nvSpPr>
-          <p:cNvPr id="6" name="pole tekstowe 5">
-            <a:extLst>
-              <a:ext uri="{FF2B5EF4-FFF2-40B4-BE49-F238E27FC236}">
-                <a16:creationId xmlns:a16="http://schemas.microsoft.com/office/drawing/2014/main" id="{86034BD7-D3D3-D341-8CC2-89DE50DB27BC}"/>
-              </a:ext>
-            </a:extLst>
-          </p:cNvPr>
-          <p:cNvSpPr txBox="1"/>
-          <p:nvPr/>
-        </p:nvSpPr>
-        <p:spPr>
-          <a:xfrm>
-            <a:off x="780288" y="2219092"/>
-            <a:ext cx="9379712" cy="1969770"/>
-          </a:xfrm>
-          <a:prstGeom prst="rect">
-            <a:avLst/>
-          </a:prstGeom>
-          <a:noFill/>
-        </p:spPr>
-        <p:txBody>
-          <a:bodyPr wrap="square" rtlCol="0">
-            <a:spAutoFit/>
-          </a:bodyPr>
-          <a:lstStyle/>
-          <a:p>
-            <a:r>
-              <a:rPr lang="pl-PL" sz="2400" b="1" dirty="0"/>
-              <a:t>Specyfikacja</a:t>
-            </a:r>
-          </a:p>
-          <a:p>
-            <a:endParaRPr lang="pl-PL" dirty="0"/>
-          </a:p>
-          <a:p>
-            <a:r>
-              <a:rPr lang="pl-PL" sz="2000" b="1" dirty="0"/>
-              <a:t>Dane</a:t>
-            </a:r>
-            <a:r>
-              <a:rPr lang="pl-PL" sz="2000" dirty="0"/>
-              <a:t>:</a:t>
-            </a:r>
-          </a:p>
-          <a:p>
-            <a:pPr marL="742950" lvl="1" indent="-285750">
-              <a:buFont typeface="Arial" panose="020B0604020202020204" pitchFamily="34" charset="0"/>
-              <a:buChar char="•"/>
-            </a:pPr>
-            <a:r>
-              <a:rPr lang="pl-PL" sz="2000" dirty="0"/>
-              <a:t>Liczba naturalna</a:t>
-            </a:r>
-          </a:p>
-          <a:p>
-            <a:r>
-              <a:rPr lang="pl-PL" sz="2000" b="1" dirty="0"/>
-              <a:t>Wynik</a:t>
-            </a:r>
-            <a:r>
-              <a:rPr lang="pl-PL" sz="2000" dirty="0"/>
-              <a:t>:</a:t>
-            </a:r>
-          </a:p>
-          <a:p>
-            <a:pPr marL="742950" lvl="1" indent="-285750">
-              <a:buFont typeface="Arial" panose="020B0604020202020204" pitchFamily="34" charset="0"/>
-              <a:buChar char="•"/>
-            </a:pPr>
-            <a:r>
-              <a:rPr lang="pl-PL" sz="2000" dirty="0"/>
-              <a:t>Zapis podanej liczby w systemie binarnym</a:t>
-            </a:r>
-          </a:p>
-        </p:txBody>
-      </p:sp>
-    </p:spTree>
-    <p:extLst>
-      <p:ext uri="{BB962C8B-B14F-4D97-AF65-F5344CB8AC3E}">
-        <p14:creationId xmlns:p14="http://schemas.microsoft.com/office/powerpoint/2010/main" val="801759547"/>
       </p:ext>
     </p:extLst>
   </p:cSld>
